--- a/Anthony_Calandra_Term_Project.pptx
+++ b/Anthony_Calandra_Term_Project.pptx
@@ -5,16 +5,18 @@
     <p:sldMasterId id="2147483659" r:id="rId1"/>
   </p:sldMasterIdLst>
   <p:notesMasterIdLst>
-    <p:notesMasterId r:id="rId9"/>
+    <p:notesMasterId r:id="rId11"/>
   </p:notesMasterIdLst>
   <p:sldIdLst>
     <p:sldId id="256" r:id="rId2"/>
     <p:sldId id="257" r:id="rId3"/>
     <p:sldId id="258" r:id="rId4"/>
     <p:sldId id="284" r:id="rId5"/>
-    <p:sldId id="286" r:id="rId6"/>
-    <p:sldId id="285" r:id="rId7"/>
-    <p:sldId id="283" r:id="rId8"/>
+    <p:sldId id="287" r:id="rId6"/>
+    <p:sldId id="286" r:id="rId7"/>
+    <p:sldId id="288" r:id="rId8"/>
+    <p:sldId id="285" r:id="rId9"/>
+    <p:sldId id="283" r:id="rId10"/>
   </p:sldIdLst>
   <p:sldSz cx="9144000" cy="5143500" type="screen16x9"/>
   <p:notesSz cx="6858000" cy="9144000"/>
@@ -264,6 +266,1221 @@
     </p:ext>
   </p:extLst>
 </p:presentation>
+</file>
+
+<file path=ppt/ink/ink1.xml><?xml version="1.0" encoding="utf-8"?>
+<inkml:ink xmlns:inkml="http://www.w3.org/2003/InkML">
+  <inkml:definitions>
+    <inkml:context xml:id="ctx0">
+      <inkml:inkSource xml:id="inkSrc0">
+        <inkml:traceFormat>
+          <inkml:channel name="X" type="integer" min="-2.14748E9" max="2.14748E9" units="cm"/>
+          <inkml:channel name="Y" type="integer" min="-2.14748E9" max="2.14748E9" units="cm"/>
+        </inkml:traceFormat>
+        <inkml:channelProperties>
+          <inkml:channelProperty channel="X" name="resolution" value="1000" units="1/cm"/>
+          <inkml:channelProperty channel="Y" name="resolution" value="1000" units="1/cm"/>
+        </inkml:channelProperties>
+      </inkml:inkSource>
+      <inkml:timestamp xml:id="ts0" timeString="2020-08-18T04:46:03.730"/>
+    </inkml:context>
+    <inkml:brush xml:id="br0">
+      <inkml:brushProperty name="width" value="0.05" units="cm"/>
+      <inkml:brushProperty name="height" value="0.05" units="cm"/>
+      <inkml:brushProperty name="color" value="#E71224"/>
+      <inkml:brushProperty name="ignorePressure" value="1"/>
+    </inkml:brush>
+  </inkml:definitions>
+  <inkml:trace contextRef="#ctx0" brushRef="#br0">119 4574,'-1'-57,"-1"23,2 1,2 0,1-1,6-26,-1 25,43-206,-48 225,5-35,-2 0,0-51,-7 68,-2 0,-2 1,-1-2,-13-110,-37-158,32 141,16 104,-2-35,9 80,0-1,-1 0,-1 0,0 1,-5-13,3 12,1 0,1 0,0-1,1 0,0-5,2-47,1 40,-1 0,-1-1,-1 1,-1 0,-3-2,2 4,1 1,1 0,0-1,2 0,2-3,-1 3,-1 0,-1 0,-1 1,-5-25,1 13,2 0,1 0,2 0,2 0,2-7,-1-44,-2-1799,0 1870</inkml:trace>
+</inkml:ink>
+</file>
+
+<file path=ppt/ink/ink10.xml><?xml version="1.0" encoding="utf-8"?>
+<inkml:ink xmlns:inkml="http://www.w3.org/2003/InkML">
+  <inkml:definitions>
+    <inkml:context xml:id="ctx0">
+      <inkml:inkSource xml:id="inkSrc0">
+        <inkml:traceFormat>
+          <inkml:channel name="X" type="integer" min="-2.14748E9" max="2.14748E9" units="cm"/>
+          <inkml:channel name="Y" type="integer" min="-2.14748E9" max="2.14748E9" units="cm"/>
+        </inkml:traceFormat>
+        <inkml:channelProperties>
+          <inkml:channelProperty channel="X" name="resolution" value="1000" units="1/cm"/>
+          <inkml:channelProperty channel="Y" name="resolution" value="1000" units="1/cm"/>
+        </inkml:channelProperties>
+      </inkml:inkSource>
+      <inkml:timestamp xml:id="ts0" timeString="2020-08-18T04:43:15.470"/>
+    </inkml:context>
+    <inkml:brush xml:id="br0">
+      <inkml:brushProperty name="width" value="0.05" units="cm"/>
+      <inkml:brushProperty name="height" value="0.05" units="cm"/>
+      <inkml:brushProperty name="color" value="#E71224"/>
+      <inkml:brushProperty name="ignorePressure" value="1"/>
+    </inkml:brush>
+  </inkml:definitions>
+  <inkml:trace contextRef="#ctx0" brushRef="#br0">508 708,'-1'-6,"1"0,-1 0,0 0,-1 1,1-1,-1 1,0-1,0 1,-1 0,0 0,0 0,0 0,0 0,-1 0,0 1,-13-15,-1 2,0 0,-4-1,5 5,2-1,0-1,-4-5,-49-43,45 41,9 9,1 0,1 0,-8-12,-13-24,1-1,3-2,-4-13,-12-43,36 92</inkml:trace>
+</inkml:ink>
+</file>
+
+<file path=ppt/ink/ink11.xml><?xml version="1.0" encoding="utf-8"?>
+<inkml:ink xmlns:inkml="http://www.w3.org/2003/InkML">
+  <inkml:definitions>
+    <inkml:context xml:id="ctx0">
+      <inkml:inkSource xml:id="inkSrc0">
+        <inkml:traceFormat>
+          <inkml:channel name="X" type="integer" min="-2.14748E9" max="2.14748E9" units="cm"/>
+          <inkml:channel name="Y" type="integer" min="-2.14748E9" max="2.14748E9" units="cm"/>
+        </inkml:traceFormat>
+        <inkml:channelProperties>
+          <inkml:channelProperty channel="X" name="resolution" value="1000" units="1/cm"/>
+          <inkml:channelProperty channel="Y" name="resolution" value="1000" units="1/cm"/>
+        </inkml:channelProperties>
+      </inkml:inkSource>
+      <inkml:timestamp xml:id="ts0" timeString="2020-08-18T04:43:16.437"/>
+    </inkml:context>
+    <inkml:brush xml:id="br0">
+      <inkml:brushProperty name="width" value="0.05" units="cm"/>
+      <inkml:brushProperty name="height" value="0.05" units="cm"/>
+      <inkml:brushProperty name="color" value="#E71224"/>
+      <inkml:brushProperty name="ignorePressure" value="1"/>
+    </inkml:brush>
+  </inkml:definitions>
+  <inkml:trace contextRef="#ctx0" brushRef="#br0">326 421,'-2'-5,"0"2,-1-1,1 0,-1 0,0 1,0-1,0 1,0 0,0 0,-4-2,-5-6,-25-31,1-2,1-2,-39-47,58 67,13 21,0-1,0 1,0 0,-1 0,0 1,0-1,-2-1,1 1,0-1,1 1,-1-1,1 0,0-1,-1-4,-8-10,7 12</inkml:trace>
+</inkml:ink>
+</file>
+
+<file path=ppt/ink/ink12.xml><?xml version="1.0" encoding="utf-8"?>
+<inkml:ink xmlns:inkml="http://www.w3.org/2003/InkML">
+  <inkml:definitions>
+    <inkml:context xml:id="ctx0">
+      <inkml:inkSource xml:id="inkSrc0">
+        <inkml:traceFormat>
+          <inkml:channel name="X" type="integer" min="-2.14748E9" max="2.14748E9" units="cm"/>
+          <inkml:channel name="Y" type="integer" min="-2.14748E9" max="2.14748E9" units="cm"/>
+        </inkml:traceFormat>
+        <inkml:channelProperties>
+          <inkml:channelProperty channel="X" name="resolution" value="1000" units="1/cm"/>
+          <inkml:channelProperty channel="Y" name="resolution" value="1000" units="1/cm"/>
+        </inkml:channelProperties>
+      </inkml:inkSource>
+      <inkml:timestamp xml:id="ts0" timeString="2020-08-18T04:43:23.783"/>
+    </inkml:context>
+    <inkml:brush xml:id="br0">
+      <inkml:brushProperty name="width" value="0.05" units="cm"/>
+      <inkml:brushProperty name="height" value="0.05" units="cm"/>
+      <inkml:brushProperty name="color" value="#E71224"/>
+      <inkml:brushProperty name="ignorePressure" value="1"/>
+    </inkml:brush>
+  </inkml:definitions>
+  <inkml:trace contextRef="#ctx0" brushRef="#br0">275 453,'-1'-6,"-1"0,0 0,0 0,-1 1,0-1,0 1,0 0,0 0,-1 0,0 0,0 1,0-1,-5-2,-13-19,-8-15,2-2,2 0,-19-45,16 43,24 38,0 1,0 0,1-1,0 0,0 0,-1-6,-6-13,7 15</inkml:trace>
+</inkml:ink>
+</file>
+
+<file path=ppt/ink/ink13.xml><?xml version="1.0" encoding="utf-8"?>
+<inkml:ink xmlns:inkml="http://www.w3.org/2003/InkML">
+  <inkml:definitions>
+    <inkml:context xml:id="ctx0">
+      <inkml:inkSource xml:id="inkSrc0">
+        <inkml:traceFormat>
+          <inkml:channel name="X" type="integer" min="-2.14748E9" max="2.14748E9" units="cm"/>
+          <inkml:channel name="Y" type="integer" min="-2.14748E9" max="2.14748E9" units="cm"/>
+        </inkml:traceFormat>
+        <inkml:channelProperties>
+          <inkml:channelProperty channel="X" name="resolution" value="1000" units="1/cm"/>
+          <inkml:channelProperty channel="Y" name="resolution" value="1000" units="1/cm"/>
+        </inkml:channelProperties>
+      </inkml:inkSource>
+      <inkml:timestamp xml:id="ts0" timeString="2020-08-18T04:43:24.578"/>
+    </inkml:context>
+    <inkml:brush xml:id="br0">
+      <inkml:brushProperty name="width" value="0.05" units="cm"/>
+      <inkml:brushProperty name="height" value="0.05" units="cm"/>
+      <inkml:brushProperty name="color" value="#E71224"/>
+      <inkml:brushProperty name="ignorePressure" value="1"/>
+    </inkml:brush>
+  </inkml:definitions>
+  <inkml:trace contextRef="#ctx0" brushRef="#br0">163 210,'-2'-5,"1"1,-1 0,-1 0,1 0,0 0,-1 1,0-1,0 0,0 1,-2-2,-7-9,-6-13,-1 2,-1 1,-13-12,8 6,19 20</inkml:trace>
+</inkml:ink>
+</file>
+
+<file path=ppt/ink/ink14.xml><?xml version="1.0" encoding="utf-8"?>
+<inkml:ink xmlns:inkml="http://www.w3.org/2003/InkML">
+  <inkml:definitions>
+    <inkml:context xml:id="ctx0">
+      <inkml:inkSource xml:id="inkSrc0">
+        <inkml:traceFormat>
+          <inkml:channel name="X" type="integer" min="-2.14748E9" max="2.14748E9" units="cm"/>
+          <inkml:channel name="Y" type="integer" min="-2.14748E9" max="2.14748E9" units="cm"/>
+        </inkml:traceFormat>
+        <inkml:channelProperties>
+          <inkml:channelProperty channel="X" name="resolution" value="1000" units="1/cm"/>
+          <inkml:channelProperty channel="Y" name="resolution" value="1000" units="1/cm"/>
+        </inkml:channelProperties>
+      </inkml:inkSource>
+      <inkml:timestamp xml:id="ts0" timeString="2020-08-18T04:46:08.508"/>
+    </inkml:context>
+    <inkml:brush xml:id="br0">
+      <inkml:brushProperty name="width" value="0.05" units="cm"/>
+      <inkml:brushProperty name="height" value="0.05" units="cm"/>
+      <inkml:brushProperty name="color" value="#E71224"/>
+      <inkml:brushProperty name="ignorePressure" value="1"/>
+    </inkml:brush>
+  </inkml:definitions>
+  <inkml:trace contextRef="#ctx0" brushRef="#br0">1 0,'1'10,"0"0,1-1,0 1,1-1,0 1,0-1,1 0,0 0,1 0,0-1,3 4,22 47,-25-50,-1 0,2 0,-1-1,1 0,3 3,16 24,-7-7,1-1,2 0,0-2,-9-14,-1 0,1-1,1-1,11 8,28 19,113 104,-138-108,-23-26,-1-1,1 0,0 0,1-1,-1 1,1-1,0 0,5 4,-1 0,-1 0,0 1,6 7,30 29,-23-26,-2 0,0 1,5 8,29 31,-16-22,-30-28</inkml:trace>
+</inkml:ink>
+</file>
+
+<file path=ppt/ink/ink15.xml><?xml version="1.0" encoding="utf-8"?>
+<inkml:ink xmlns:inkml="http://www.w3.org/2003/InkML">
+  <inkml:definitions>
+    <inkml:context xml:id="ctx0">
+      <inkml:inkSource xml:id="inkSrc0">
+        <inkml:traceFormat>
+          <inkml:channel name="X" type="integer" min="-2.14748E9" max="2.14748E9" units="cm"/>
+          <inkml:channel name="Y" type="integer" min="-2.14748E9" max="2.14748E9" units="cm"/>
+        </inkml:traceFormat>
+        <inkml:channelProperties>
+          <inkml:channelProperty channel="X" name="resolution" value="1000" units="1/cm"/>
+          <inkml:channelProperty channel="Y" name="resolution" value="1000" units="1/cm"/>
+        </inkml:channelProperties>
+      </inkml:inkSource>
+      <inkml:timestamp xml:id="ts0" timeString="2020-08-18T04:46:09.709"/>
+    </inkml:context>
+    <inkml:brush xml:id="br0">
+      <inkml:brushProperty name="width" value="0.05" units="cm"/>
+      <inkml:brushProperty name="height" value="0.05" units="cm"/>
+      <inkml:brushProperty name="color" value="#E71224"/>
+      <inkml:brushProperty name="ignorePressure" value="1"/>
+    </inkml:brush>
+  </inkml:definitions>
+  <inkml:trace contextRef="#ctx0" brushRef="#br0">0 0,'4'2,"0"-1,0 1,0 1,0-1,-1 0,1 1,-1 0,0 0,0 0,0 0,0 0,0 0,-1 1,3 2,7 9,16 15,2-2,0-1,2-1,29 17,47 40,-56-47,-2 1,-2 3,-1 1,20 27,57 54,-69-71,32 40,-18-11,-61-71</inkml:trace>
+</inkml:ink>
+</file>
+
+<file path=ppt/ink/ink16.xml><?xml version="1.0" encoding="utf-8"?>
+<inkml:ink xmlns:inkml="http://www.w3.org/2003/InkML">
+  <inkml:definitions>
+    <inkml:context xml:id="ctx0">
+      <inkml:inkSource xml:id="inkSrc0">
+        <inkml:traceFormat>
+          <inkml:channel name="X" type="integer" min="-2.14748E9" max="2.14748E9" units="cm"/>
+          <inkml:channel name="Y" type="integer" min="-2.14748E9" max="2.14748E9" units="cm"/>
+        </inkml:traceFormat>
+        <inkml:channelProperties>
+          <inkml:channelProperty channel="X" name="resolution" value="1000" units="1/cm"/>
+          <inkml:channelProperty channel="Y" name="resolution" value="1000" units="1/cm"/>
+        </inkml:channelProperties>
+      </inkml:inkSource>
+      <inkml:timestamp xml:id="ts0" timeString="2020-08-18T04:46:10.630"/>
+    </inkml:context>
+    <inkml:brush xml:id="br0">
+      <inkml:brushProperty name="width" value="0.05" units="cm"/>
+      <inkml:brushProperty name="height" value="0.05" units="cm"/>
+      <inkml:brushProperty name="color" value="#E71224"/>
+      <inkml:brushProperty name="ignorePressure" value="1"/>
+    </inkml:brush>
+  </inkml:definitions>
+  <inkml:trace contextRef="#ctx0" brushRef="#br0">0 0,'49'50,"-22"-20,1-2,2-1,27 19,74 54,112 84,-223-170,0 1,0-2,2-1,11 5,16 17,-43-28,1 0,0-1,1 0,-1 0,1-1,0 0,4 2,0-3</inkml:trace>
+</inkml:ink>
+</file>
+
+<file path=ppt/ink/ink17.xml><?xml version="1.0" encoding="utf-8"?>
+<inkml:ink xmlns:inkml="http://www.w3.org/2003/InkML">
+  <inkml:definitions>
+    <inkml:context xml:id="ctx0">
+      <inkml:inkSource xml:id="inkSrc0">
+        <inkml:traceFormat>
+          <inkml:channel name="X" type="integer" min="-2.14748E9" max="2.14748E9" units="cm"/>
+          <inkml:channel name="Y" type="integer" min="-2.14748E9" max="2.14748E9" units="cm"/>
+        </inkml:traceFormat>
+        <inkml:channelProperties>
+          <inkml:channelProperty channel="X" name="resolution" value="1000" units="1/cm"/>
+          <inkml:channelProperty channel="Y" name="resolution" value="1000" units="1/cm"/>
+        </inkml:channelProperties>
+      </inkml:inkSource>
+      <inkml:timestamp xml:id="ts0" timeString="2020-08-18T04:46:12.065"/>
+    </inkml:context>
+    <inkml:brush xml:id="br0">
+      <inkml:brushProperty name="width" value="0.05" units="cm"/>
+      <inkml:brushProperty name="height" value="0.05" units="cm"/>
+      <inkml:brushProperty name="color" value="#E71224"/>
+      <inkml:brushProperty name="ignorePressure" value="1"/>
+    </inkml:brush>
+  </inkml:definitions>
+  <inkml:trace contextRef="#ctx0" brushRef="#br0">0 1,'8'15,"1"1,0-1,1 0,1-1,11 13,20 18,1-2,5 1,36 35,-21-27,-48-41,0 0,-1 1,-1 0,8 10,-2-1,0-1,1 0,2-1,-1-1,5 0,-2 0,-10-8,-1 0,2-1,0 0,0-1,0-1,15 5,7 6,-29-10</inkml:trace>
+</inkml:ink>
+</file>
+
+<file path=ppt/ink/ink18.xml><?xml version="1.0" encoding="utf-8"?>
+<inkml:ink xmlns:inkml="http://www.w3.org/2003/InkML">
+  <inkml:definitions>
+    <inkml:context xml:id="ctx0">
+      <inkml:inkSource xml:id="inkSrc0">
+        <inkml:traceFormat>
+          <inkml:channel name="X" type="integer" min="-2.14748E9" max="2.14748E9" units="cm"/>
+          <inkml:channel name="Y" type="integer" min="-2.14748E9" max="2.14748E9" units="cm"/>
+        </inkml:traceFormat>
+        <inkml:channelProperties>
+          <inkml:channelProperty channel="X" name="resolution" value="1000" units="1/cm"/>
+          <inkml:channelProperty channel="Y" name="resolution" value="1000" units="1/cm"/>
+        </inkml:channelProperties>
+      </inkml:inkSource>
+      <inkml:timestamp xml:id="ts0" timeString="2020-08-18T04:46:12.737"/>
+    </inkml:context>
+    <inkml:brush xml:id="br0">
+      <inkml:brushProperty name="width" value="0.05" units="cm"/>
+      <inkml:brushProperty name="height" value="0.05" units="cm"/>
+      <inkml:brushProperty name="color" value="#E71224"/>
+      <inkml:brushProperty name="ignorePressure" value="1"/>
+    </inkml:brush>
+  </inkml:definitions>
+  <inkml:trace contextRef="#ctx0" brushRef="#br0">1 0,'2'5,"0"0,0 0,1 0,-1 0,1-1,1 1,-1-1,0 0,1 0,0 0,0 0,2 1,2 3,99 96,-56-59,1-2,3-3,1-2,28 13,50 33,-122-77</inkml:trace>
+</inkml:ink>
+</file>
+
+<file path=ppt/ink/ink19.xml><?xml version="1.0" encoding="utf-8"?>
+<inkml:ink xmlns:inkml="http://www.w3.org/2003/InkML">
+  <inkml:definitions>
+    <inkml:context xml:id="ctx0">
+      <inkml:inkSource xml:id="inkSrc0">
+        <inkml:traceFormat>
+          <inkml:channel name="X" type="integer" min="-2.14748E9" max="2.14748E9" units="cm"/>
+          <inkml:channel name="Y" type="integer" min="-2.14748E9" max="2.14748E9" units="cm"/>
+        </inkml:traceFormat>
+        <inkml:channelProperties>
+          <inkml:channelProperty channel="X" name="resolution" value="1000" units="1/cm"/>
+          <inkml:channelProperty channel="Y" name="resolution" value="1000" units="1/cm"/>
+        </inkml:channelProperties>
+      </inkml:inkSource>
+      <inkml:timestamp xml:id="ts0" timeString="2020-08-18T04:46:13.439"/>
+    </inkml:context>
+    <inkml:brush xml:id="br0">
+      <inkml:brushProperty name="width" value="0.05" units="cm"/>
+      <inkml:brushProperty name="height" value="0.05" units="cm"/>
+      <inkml:brushProperty name="color" value="#E71224"/>
+      <inkml:brushProperty name="ignorePressure" value="1"/>
+    </inkml:brush>
+  </inkml:definitions>
+  <inkml:trace contextRef="#ctx0" brushRef="#br0">0 0,'1'8,"-1"0,2-1,-1 1,1 0,0-1,0 0,1 1,0-1,1 0,0 0,0-1,0 1,0-1,1 0,0 0,5 3,11 12,1-2,2-1,17 12,-40-30,35 19,-29-16,0 1,0-1,0 1,0 0,-1 1,1 0,25 14,-16-12,-6-1</inkml:trace>
+</inkml:ink>
+</file>
+
+<file path=ppt/ink/ink2.xml><?xml version="1.0" encoding="utf-8"?>
+<inkml:ink xmlns:inkml="http://www.w3.org/2003/InkML">
+  <inkml:definitions>
+    <inkml:context xml:id="ctx0">
+      <inkml:inkSource xml:id="inkSrc0">
+        <inkml:traceFormat>
+          <inkml:channel name="X" type="integer" min="-2.14748E9" max="2.14748E9" units="cm"/>
+          <inkml:channel name="Y" type="integer" min="-2.14748E9" max="2.14748E9" units="cm"/>
+        </inkml:traceFormat>
+        <inkml:channelProperties>
+          <inkml:channelProperty channel="X" name="resolution" value="1000" units="1/cm"/>
+          <inkml:channelProperty channel="Y" name="resolution" value="1000" units="1/cm"/>
+        </inkml:channelProperties>
+      </inkml:inkSource>
+      <inkml:timestamp xml:id="ts0" timeString="2020-08-18T04:46:06.124"/>
+    </inkml:context>
+    <inkml:brush xml:id="br0">
+      <inkml:brushProperty name="width" value="0.05" units="cm"/>
+      <inkml:brushProperty name="height" value="0.05" units="cm"/>
+      <inkml:brushProperty name="color" value="#E71224"/>
+      <inkml:brushProperty name="ignorePressure" value="1"/>
+    </inkml:brush>
+  </inkml:definitions>
+  <inkml:trace contextRef="#ctx0" brushRef="#br0">1 4761,'0'-431,"1"417,1 0,0 0,1 0,1 0,3-9,-2 7,-1 0,0 0,1-16,11-132,-11 88,-5 54,2 1,0-1,4-12,0-3,-2 0,-2 0,-1 0,-4-37,0-14,3-1126,-19 1065,18 135,-1 0,0-1,-1 1,-1 0,-3-8,3 8,0-1,0 1,1-1,1 0,0-6,-7-58,0-9,9-343,1 412,1 0,1 1,1-1,5-17,-3 18,-2-1,0 1,-1-1,0-19,-1 2,1 0,2 0,3-6,-1 5,-1 1,-2-1,-2-3,16-127,-17 82,1 16,-6-39,-14 5,12 76,1 0,1-1,1 1,2-3,-8-49,-1 8,10 56</inkml:trace>
+</inkml:ink>
+</file>
+
+<file path=ppt/ink/ink20.xml><?xml version="1.0" encoding="utf-8"?>
+<inkml:ink xmlns:inkml="http://www.w3.org/2003/InkML">
+  <inkml:definitions>
+    <inkml:context xml:id="ctx0">
+      <inkml:inkSource xml:id="inkSrc0">
+        <inkml:traceFormat>
+          <inkml:channel name="X" type="integer" min="-2.14748E9" max="2.14748E9" units="cm"/>
+          <inkml:channel name="Y" type="integer" min="-2.14748E9" max="2.14748E9" units="cm"/>
+        </inkml:traceFormat>
+        <inkml:channelProperties>
+          <inkml:channelProperty channel="X" name="resolution" value="1000" units="1/cm"/>
+          <inkml:channelProperty channel="Y" name="resolution" value="1000" units="1/cm"/>
+        </inkml:channelProperties>
+      </inkml:inkSource>
+      <inkml:timestamp xml:id="ts0" timeString="2020-08-18T04:46:14.232"/>
+    </inkml:context>
+    <inkml:brush xml:id="br0">
+      <inkml:brushProperty name="width" value="0.05" units="cm"/>
+      <inkml:brushProperty name="height" value="0.05" units="cm"/>
+      <inkml:brushProperty name="color" value="#E71224"/>
+      <inkml:brushProperty name="ignorePressure" value="1"/>
+    </inkml:brush>
+  </inkml:definitions>
+  <inkml:trace contextRef="#ctx0" brushRef="#br0">0 0,'0'13,"1"0,1 0,0-1,0 1,1 0,1-1,0 0,1 0,0 0,1-1,0 1,0-1,2-1,-1 1,1-1,1 0,3 2,18 31,-25-32</inkml:trace>
+</inkml:ink>
+</file>
+
+<file path=ppt/ink/ink21.xml><?xml version="1.0" encoding="utf-8"?>
+<inkml:ink xmlns:inkml="http://www.w3.org/2003/InkML">
+  <inkml:definitions>
+    <inkml:context xml:id="ctx0">
+      <inkml:inkSource xml:id="inkSrc0">
+        <inkml:traceFormat>
+          <inkml:channel name="X" type="integer" min="-2.14748E9" max="2.14748E9" units="cm"/>
+          <inkml:channel name="Y" type="integer" min="-2.14748E9" max="2.14748E9" units="cm"/>
+        </inkml:traceFormat>
+        <inkml:channelProperties>
+          <inkml:channelProperty channel="X" name="resolution" value="1000" units="1/cm"/>
+          <inkml:channelProperty channel="Y" name="resolution" value="1000" units="1/cm"/>
+        </inkml:channelProperties>
+      </inkml:inkSource>
+      <inkml:timestamp xml:id="ts0" timeString="2020-08-18T04:46:18.663"/>
+    </inkml:context>
+    <inkml:brush xml:id="br0">
+      <inkml:brushProperty name="width" value="0.05" units="cm"/>
+      <inkml:brushProperty name="height" value="0.05" units="cm"/>
+      <inkml:brushProperty name="color" value="#E71224"/>
+      <inkml:brushProperty name="ignorePressure" value="1"/>
+    </inkml:brush>
+  </inkml:definitions>
+  <inkml:trace contextRef="#ctx0" brushRef="#br0">0 1,'30'37,"-25"-29,0-1,1 1,0-1,1-1,2 3,6 2,1 0,0-2,1 1,0-2,8 3,33 17,-38-19,-1-1,2-1,18 5,-26-9,0 0,0 2,0-1,0 2,-1-1,0 2,0 0,0 0,-1 1,7 7,-8-7,-1-1</inkml:trace>
+</inkml:ink>
+</file>
+
+<file path=ppt/ink/ink22.xml><?xml version="1.0" encoding="utf-8"?>
+<inkml:ink xmlns:inkml="http://www.w3.org/2003/InkML">
+  <inkml:definitions>
+    <inkml:context xml:id="ctx0">
+      <inkml:inkSource xml:id="inkSrc0">
+        <inkml:traceFormat>
+          <inkml:channel name="X" type="integer" min="-2.14748E9" max="2.14748E9" units="cm"/>
+          <inkml:channel name="Y" type="integer" min="-2.14748E9" max="2.14748E9" units="cm"/>
+        </inkml:traceFormat>
+        <inkml:channelProperties>
+          <inkml:channelProperty channel="X" name="resolution" value="1000" units="1/cm"/>
+          <inkml:channelProperty channel="Y" name="resolution" value="1000" units="1/cm"/>
+        </inkml:channelProperties>
+      </inkml:inkSource>
+      <inkml:timestamp xml:id="ts0" timeString="2020-08-18T04:43:04.583"/>
+    </inkml:context>
+    <inkml:brush xml:id="br0">
+      <inkml:brushProperty name="width" value="0.05" units="cm"/>
+      <inkml:brushProperty name="height" value="0.05" units="cm"/>
+      <inkml:brushProperty name="color" value="#E71224"/>
+      <inkml:brushProperty name="ignorePressure" value="1"/>
+    </inkml:brush>
+  </inkml:definitions>
+  <inkml:trace contextRef="#ctx0" brushRef="#br0">1 230,'6'-2,"-1"0,1 0,-1 0,0 0,0-1,0 0,0 0,0 0,-1-1,1 0,-1 1,0-1,1-1,27-21,-8 9,0-1,-1-1,-1 0,-1-2,-1-1,11-15,-24 28</inkml:trace>
+</inkml:ink>
+</file>
+
+<file path=ppt/ink/ink23.xml><?xml version="1.0" encoding="utf-8"?>
+<inkml:ink xmlns:inkml="http://www.w3.org/2003/InkML">
+  <inkml:definitions>
+    <inkml:context xml:id="ctx0">
+      <inkml:inkSource xml:id="inkSrc0">
+        <inkml:traceFormat>
+          <inkml:channel name="X" type="integer" min="-2.14748E9" max="2.14748E9" units="cm"/>
+          <inkml:channel name="Y" type="integer" min="-2.14748E9" max="2.14748E9" units="cm"/>
+        </inkml:traceFormat>
+        <inkml:channelProperties>
+          <inkml:channelProperty channel="X" name="resolution" value="1000" units="1/cm"/>
+          <inkml:channelProperty channel="Y" name="resolution" value="1000" units="1/cm"/>
+        </inkml:channelProperties>
+      </inkml:inkSource>
+      <inkml:timestamp xml:id="ts0" timeString="2020-08-18T04:43:05.426"/>
+    </inkml:context>
+    <inkml:brush xml:id="br0">
+      <inkml:brushProperty name="width" value="0.05" units="cm"/>
+      <inkml:brushProperty name="height" value="0.05" units="cm"/>
+      <inkml:brushProperty name="color" value="#E71224"/>
+      <inkml:brushProperty name="ignorePressure" value="1"/>
+    </inkml:brush>
+  </inkml:definitions>
+  <inkml:trace contextRef="#ctx0" brushRef="#br0">0 218,'5'-1,"0"-1,0 0,0 0,0 0,0 0,-1-1,1 1,-1-1,1-1,-1 1,0 0,0-1,2-3,18-13,64-37,-41 28,-2-2,-1-2,-35 26</inkml:trace>
+</inkml:ink>
+</file>
+
+<file path=ppt/ink/ink24.xml><?xml version="1.0" encoding="utf-8"?>
+<inkml:ink xmlns:inkml="http://www.w3.org/2003/InkML">
+  <inkml:definitions>
+    <inkml:context xml:id="ctx0">
+      <inkml:inkSource xml:id="inkSrc0">
+        <inkml:traceFormat>
+          <inkml:channel name="X" type="integer" min="-2.14748E9" max="2.14748E9" units="cm"/>
+          <inkml:channel name="Y" type="integer" min="-2.14748E9" max="2.14748E9" units="cm"/>
+        </inkml:traceFormat>
+        <inkml:channelProperties>
+          <inkml:channelProperty channel="X" name="resolution" value="1000" units="1/cm"/>
+          <inkml:channelProperty channel="Y" name="resolution" value="1000" units="1/cm"/>
+        </inkml:channelProperties>
+      </inkml:inkSource>
+      <inkml:timestamp xml:id="ts0" timeString="2020-08-18T04:43:06.805"/>
+    </inkml:context>
+    <inkml:brush xml:id="br0">
+      <inkml:brushProperty name="width" value="0.05" units="cm"/>
+      <inkml:brushProperty name="height" value="0.05" units="cm"/>
+      <inkml:brushProperty name="color" value="#E71224"/>
+      <inkml:brushProperty name="ignorePressure" value="1"/>
+    </inkml:brush>
+  </inkml:definitions>
+  <inkml:trace contextRef="#ctx0" brushRef="#br0">1 250,'0'-4,"1"0,0 1,0-1,0 0,0 0,1 0,-1 1,1-1,0 0,0 1,1 0,-1-1,0 1,1 0,0 0,0 1,0-1,0 0,0 1,2-1,12-8,0 0,1 1,10-4,-12 7,138-81,-93 56,-52 26</inkml:trace>
+</inkml:ink>
+</file>
+
+<file path=ppt/ink/ink25.xml><?xml version="1.0" encoding="utf-8"?>
+<inkml:ink xmlns:inkml="http://www.w3.org/2003/InkML">
+  <inkml:definitions>
+    <inkml:context xml:id="ctx0">
+      <inkml:inkSource xml:id="inkSrc0">
+        <inkml:traceFormat>
+          <inkml:channel name="X" type="integer" min="-2.14748E9" max="2.14748E9" units="cm"/>
+          <inkml:channel name="Y" type="integer" min="-2.14748E9" max="2.14748E9" units="cm"/>
+        </inkml:traceFormat>
+        <inkml:channelProperties>
+          <inkml:channelProperty channel="X" name="resolution" value="1000" units="1/cm"/>
+          <inkml:channelProperty channel="Y" name="resolution" value="1000" units="1/cm"/>
+        </inkml:channelProperties>
+      </inkml:inkSource>
+      <inkml:timestamp xml:id="ts0" timeString="2020-08-18T04:43:07.725"/>
+    </inkml:context>
+    <inkml:brush xml:id="br0">
+      <inkml:brushProperty name="width" value="0.05" units="cm"/>
+      <inkml:brushProperty name="height" value="0.05" units="cm"/>
+      <inkml:brushProperty name="color" value="#E71224"/>
+      <inkml:brushProperty name="ignorePressure" value="1"/>
+    </inkml:brush>
+  </inkml:definitions>
+  <inkml:trace contextRef="#ctx0" brushRef="#br0">0 198,'4'-4,"-1"-1,1 1,1 0,-1 0,0 0,1 1,0-1,-1 1,2 0,4-2,-7 3,71-39,-36 21,0-3,-1-1,15-14,-43 31</inkml:trace>
+</inkml:ink>
+</file>
+
+<file path=ppt/ink/ink26.xml><?xml version="1.0" encoding="utf-8"?>
+<inkml:ink xmlns:inkml="http://www.w3.org/2003/InkML">
+  <inkml:definitions>
+    <inkml:context xml:id="ctx0">
+      <inkml:inkSource xml:id="inkSrc0">
+        <inkml:traceFormat>
+          <inkml:channel name="X" type="integer" min="-2.14748E9" max="2.14748E9" units="cm"/>
+          <inkml:channel name="Y" type="integer" min="-2.14748E9" max="2.14748E9" units="cm"/>
+        </inkml:traceFormat>
+        <inkml:channelProperties>
+          <inkml:channelProperty channel="X" name="resolution" value="1000" units="1/cm"/>
+          <inkml:channelProperty channel="Y" name="resolution" value="1000" units="1/cm"/>
+        </inkml:channelProperties>
+      </inkml:inkSource>
+      <inkml:timestamp xml:id="ts0" timeString="2020-08-18T04:43:08.615"/>
+    </inkml:context>
+    <inkml:brush xml:id="br0">
+      <inkml:brushProperty name="width" value="0.05" units="cm"/>
+      <inkml:brushProperty name="height" value="0.05" units="cm"/>
+      <inkml:brushProperty name="color" value="#E71224"/>
+      <inkml:brushProperty name="ignorePressure" value="1"/>
+    </inkml:brush>
+  </inkml:definitions>
+  <inkml:trace contextRef="#ctx0" brushRef="#br0">0 126,'8'-1,"0"0,0-1,-1 0,1 0,-1-1,1 1,-1-2,0 1,38-14,-19 9,1-1,-2-1,0-1,8-5,28-13,-50 24</inkml:trace>
+</inkml:ink>
+</file>
+
+<file path=ppt/ink/ink27.xml><?xml version="1.0" encoding="utf-8"?>
+<inkml:ink xmlns:inkml="http://www.w3.org/2003/InkML">
+  <inkml:definitions>
+    <inkml:context xml:id="ctx0">
+      <inkml:inkSource xml:id="inkSrc0">
+        <inkml:traceFormat>
+          <inkml:channel name="X" type="integer" min="-2.14748E9" max="2.14748E9" units="cm"/>
+          <inkml:channel name="Y" type="integer" min="-2.14748E9" max="2.14748E9" units="cm"/>
+        </inkml:traceFormat>
+        <inkml:channelProperties>
+          <inkml:channelProperty channel="X" name="resolution" value="1000" units="1/cm"/>
+          <inkml:channelProperty channel="Y" name="resolution" value="1000" units="1/cm"/>
+        </inkml:channelProperties>
+      </inkml:inkSource>
+      <inkml:timestamp xml:id="ts0" timeString="2020-08-18T04:43:09.255"/>
+    </inkml:context>
+    <inkml:brush xml:id="br0">
+      <inkml:brushProperty name="width" value="0.05" units="cm"/>
+      <inkml:brushProperty name="height" value="0.05" units="cm"/>
+      <inkml:brushProperty name="color" value="#E71224"/>
+      <inkml:brushProperty name="ignorePressure" value="1"/>
+    </inkml:brush>
+  </inkml:definitions>
+  <inkml:trace contextRef="#ctx0" brushRef="#br0">0 184,'5'-3,"1"1,-1-1,0 0,0 0,0-1,-1 1,1-1,-1 0,0-1,0 1,3-4,1-1,24-23,1 2,37-25,-58 48,-1 2</inkml:trace>
+</inkml:ink>
+</file>
+
+<file path=ppt/ink/ink28.xml><?xml version="1.0" encoding="utf-8"?>
+<inkml:ink xmlns:inkml="http://www.w3.org/2003/InkML">
+  <inkml:definitions>
+    <inkml:context xml:id="ctx0">
+      <inkml:inkSource xml:id="inkSrc0">
+        <inkml:traceFormat>
+          <inkml:channel name="X" type="integer" min="-2.14748E9" max="2.14748E9" units="cm"/>
+          <inkml:channel name="Y" type="integer" min="-2.14748E9" max="2.14748E9" units="cm"/>
+        </inkml:traceFormat>
+        <inkml:channelProperties>
+          <inkml:channelProperty channel="X" name="resolution" value="1000" units="1/cm"/>
+          <inkml:channelProperty channel="Y" name="resolution" value="1000" units="1/cm"/>
+        </inkml:channelProperties>
+      </inkml:inkSource>
+      <inkml:timestamp xml:id="ts0" timeString="2020-08-18T04:43:10.191"/>
+    </inkml:context>
+    <inkml:brush xml:id="br0">
+      <inkml:brushProperty name="width" value="0.05" units="cm"/>
+      <inkml:brushProperty name="height" value="0.05" units="cm"/>
+      <inkml:brushProperty name="color" value="#E71224"/>
+      <inkml:brushProperty name="ignorePressure" value="1"/>
+    </inkml:brush>
+  </inkml:definitions>
+  <inkml:trace contextRef="#ctx0" brushRef="#br0">1 389,'11'-2,"1"0,0-1,-1 0,1-1,-1 0,0 0,-1-1,1-1,2-2,33-14,25-17,-57 29,0 2,1 0,0 1,1 0,0 1,6-3,0-1,0-1,-1-1,2-2,13-7,67-42,-91 54,0 0,0 0,-1-2,-1 0,45-35,-45 40</inkml:trace>
+</inkml:ink>
+</file>
+
+<file path=ppt/ink/ink29.xml><?xml version="1.0" encoding="utf-8"?>
+<inkml:ink xmlns:inkml="http://www.w3.org/2003/InkML">
+  <inkml:definitions>
+    <inkml:context xml:id="ctx0">
+      <inkml:inkSource xml:id="inkSrc0">
+        <inkml:traceFormat>
+          <inkml:channel name="X" type="integer" min="-2.14748E9" max="2.14748E9" units="cm"/>
+          <inkml:channel name="Y" type="integer" min="-2.14748E9" max="2.14748E9" units="cm"/>
+        </inkml:traceFormat>
+        <inkml:channelProperties>
+          <inkml:channelProperty channel="X" name="resolution" value="1000" units="1/cm"/>
+          <inkml:channelProperty channel="Y" name="resolution" value="1000" units="1/cm"/>
+        </inkml:channelProperties>
+      </inkml:inkSource>
+      <inkml:timestamp xml:id="ts0" timeString="2020-08-18T04:43:10.927"/>
+    </inkml:context>
+    <inkml:brush xml:id="br0">
+      <inkml:brushProperty name="width" value="0.05" units="cm"/>
+      <inkml:brushProperty name="height" value="0.05" units="cm"/>
+      <inkml:brushProperty name="color" value="#E71224"/>
+      <inkml:brushProperty name="ignorePressure" value="1"/>
+    </inkml:brush>
+  </inkml:definitions>
+  <inkml:trace contextRef="#ctx0" brushRef="#br0">0 331,'1'-2,"0"1,0-1,0 0,0 1,0 0,0-1,0 1,0-1,1 1,-1 0,1 0,-1 0,1 0,-1 0,1 0,-1 0,2 0,35-17,-33 15,178-78,-138 60,-1-2,6-5,48-26,-53 30,-30 15,-1 1,2 1,-1 0,13-3,-1 0,-16 6</inkml:trace>
+</inkml:ink>
+</file>
+
+<file path=ppt/ink/ink3.xml><?xml version="1.0" encoding="utf-8"?>
+<inkml:ink xmlns:inkml="http://www.w3.org/2003/InkML">
+  <inkml:definitions>
+    <inkml:context xml:id="ctx0">
+      <inkml:inkSource xml:id="inkSrc0">
+        <inkml:traceFormat>
+          <inkml:channel name="X" type="integer" min="-2.14748E9" max="2.14748E9" units="cm"/>
+          <inkml:channel name="Y" type="integer" min="-2.14748E9" max="2.14748E9" units="cm"/>
+        </inkml:traceFormat>
+        <inkml:channelProperties>
+          <inkml:channelProperty channel="X" name="resolution" value="1000" units="1/cm"/>
+          <inkml:channelProperty channel="Y" name="resolution" value="1000" units="1/cm"/>
+        </inkml:channelProperties>
+      </inkml:inkSource>
+      <inkml:timestamp xml:id="ts0" timeString="2020-08-18T04:42:53.149"/>
+    </inkml:context>
+    <inkml:brush xml:id="br0">
+      <inkml:brushProperty name="width" value="0.05" units="cm"/>
+      <inkml:brushProperty name="height" value="0.05" units="cm"/>
+      <inkml:brushProperty name="color" value="#E71224"/>
+      <inkml:brushProperty name="ignorePressure" value="1"/>
+    </inkml:brush>
+  </inkml:definitions>
+  <inkml:trace contextRef="#ctx0" brushRef="#br0">375 298,'-52'-54,"27"27,-1 0,-1 2,-1 1,-1 1,-21-11,4 2,37 24,-1 1,0 0,0 1,0 0,-1 1,-7-4,5 5</inkml:trace>
+</inkml:ink>
+</file>
+
+<file path=ppt/ink/ink30.xml><?xml version="1.0" encoding="utf-8"?>
+<inkml:ink xmlns:inkml="http://www.w3.org/2003/InkML">
+  <inkml:definitions>
+    <inkml:context xml:id="ctx0">
+      <inkml:inkSource xml:id="inkSrc0">
+        <inkml:traceFormat>
+          <inkml:channel name="X" type="integer" min="-2.14748E9" max="2.14748E9" units="cm"/>
+          <inkml:channel name="Y" type="integer" min="-2.14748E9" max="2.14748E9" units="cm"/>
+        </inkml:traceFormat>
+        <inkml:channelProperties>
+          <inkml:channelProperty channel="X" name="resolution" value="1000" units="1/cm"/>
+          <inkml:channelProperty channel="Y" name="resolution" value="1000" units="1/cm"/>
+        </inkml:channelProperties>
+      </inkml:inkSource>
+      <inkml:timestamp xml:id="ts0" timeString="2020-08-18T04:43:11.581"/>
+    </inkml:context>
+    <inkml:brush xml:id="br0">
+      <inkml:brushProperty name="width" value="0.05" units="cm"/>
+      <inkml:brushProperty name="height" value="0.05" units="cm"/>
+      <inkml:brushProperty name="color" value="#E71224"/>
+      <inkml:brushProperty name="ignorePressure" value="1"/>
+    </inkml:brush>
+  </inkml:definitions>
+  <inkml:trace contextRef="#ctx0" brushRef="#br0">1 156,'5'-1,"1"0,0-1,-1 0,1-1,-1 1,0-1,0 0,4-3,16-7,181-70,-135 54,-60 21</inkml:trace>
+</inkml:ink>
+</file>
+
+<file path=ppt/ink/ink31.xml><?xml version="1.0" encoding="utf-8"?>
+<inkml:ink xmlns:inkml="http://www.w3.org/2003/InkML">
+  <inkml:definitions>
+    <inkml:context xml:id="ctx0">
+      <inkml:inkSource xml:id="inkSrc0">
+        <inkml:traceFormat>
+          <inkml:channel name="X" type="integer" min="-2.14748E9" max="2.14748E9" units="cm"/>
+          <inkml:channel name="Y" type="integer" min="-2.14748E9" max="2.14748E9" units="cm"/>
+        </inkml:traceFormat>
+        <inkml:channelProperties>
+          <inkml:channelProperty channel="X" name="resolution" value="1000" units="1/cm"/>
+          <inkml:channelProperty channel="Y" name="resolution" value="1000" units="1/cm"/>
+        </inkml:channelProperties>
+      </inkml:inkSource>
+      <inkml:timestamp xml:id="ts0" timeString="2020-08-18T04:43:18.338"/>
+    </inkml:context>
+    <inkml:brush xml:id="br0">
+      <inkml:brushProperty name="width" value="0.05" units="cm"/>
+      <inkml:brushProperty name="height" value="0.05" units="cm"/>
+      <inkml:brushProperty name="color" value="#E71224"/>
+      <inkml:brushProperty name="ignorePressure" value="1"/>
+    </inkml:brush>
+  </inkml:definitions>
+  <inkml:trace contextRef="#ctx0" brushRef="#br0">1 585,'0'-6,"1"1,-1-1,1 0,0 1,1 0,0-1,-1 1,2 0,-1 0,1 0,-1 0,1 0,0 1,1-1,-1 1,2-1,9-10,2 1,0 1,14-10,32-26,-10 8,-42 35,-1 0,0-1,0 0,0-1,-1 0,0-1,1 0,1 0,0 1,1 0,0 1,0 0,0 1,5-2,16-10,-16 9,-9 5,0 0,0-1,0 1,-1-1,1-1,-1 1,0-1,-1 0,0 0,1-2,19-30,-19 27,2-1,0 1,0 1,1-1,0 1,6-5,5-2,-13 8</inkml:trace>
+</inkml:ink>
+</file>
+
+<file path=ppt/ink/ink32.xml><?xml version="1.0" encoding="utf-8"?>
+<inkml:ink xmlns:inkml="http://www.w3.org/2003/InkML">
+  <inkml:definitions>
+    <inkml:context xml:id="ctx0">
+      <inkml:inkSource xml:id="inkSrc0">
+        <inkml:traceFormat>
+          <inkml:channel name="X" type="integer" min="-2.14748E9" max="2.14748E9" units="cm"/>
+          <inkml:channel name="Y" type="integer" min="-2.14748E9" max="2.14748E9" units="cm"/>
+        </inkml:traceFormat>
+        <inkml:channelProperties>
+          <inkml:channelProperty channel="X" name="resolution" value="1000" units="1/cm"/>
+          <inkml:channelProperty channel="Y" name="resolution" value="1000" units="1/cm"/>
+        </inkml:channelProperties>
+      </inkml:inkSource>
+      <inkml:timestamp xml:id="ts0" timeString="2020-08-18T04:43:19.308"/>
+    </inkml:context>
+    <inkml:brush xml:id="br0">
+      <inkml:brushProperty name="width" value="0.05" units="cm"/>
+      <inkml:brushProperty name="height" value="0.05" units="cm"/>
+      <inkml:brushProperty name="color" value="#E71224"/>
+      <inkml:brushProperty name="ignorePressure" value="1"/>
+    </inkml:brush>
+  </inkml:definitions>
+  <inkml:trace contextRef="#ctx0" brushRef="#br0">0 419,'2'-4,"1"1,-1-1,1 1,-1 0,1 0,0 0,0 0,1 0,-1 1,0-1,1 1,0 0,0 0,11-8,47-38,-40 33,-2 0,0-2,5-5,-17 14,1 1,0 0,1 0,-1 1,1 1,5-2,-4 1,0 0,-1 0,0-1,0 0,3-4,45-31,-18 14,-18 12,-4 2,0 0,-1 0,6-9,-14 13</inkml:trace>
+</inkml:ink>
+</file>
+
+<file path=ppt/ink/ink33.xml><?xml version="1.0" encoding="utf-8"?>
+<inkml:ink xmlns:inkml="http://www.w3.org/2003/InkML">
+  <inkml:definitions>
+    <inkml:context xml:id="ctx0">
+      <inkml:inkSource xml:id="inkSrc0">
+        <inkml:traceFormat>
+          <inkml:channel name="X" type="integer" min="-2.14748E9" max="2.14748E9" units="cm"/>
+          <inkml:channel name="Y" type="integer" min="-2.14748E9" max="2.14748E9" units="cm"/>
+        </inkml:traceFormat>
+        <inkml:channelProperties>
+          <inkml:channelProperty channel="X" name="resolution" value="1000" units="1/cm"/>
+          <inkml:channelProperty channel="Y" name="resolution" value="1000" units="1/cm"/>
+        </inkml:channelProperties>
+      </inkml:inkSource>
+      <inkml:timestamp xml:id="ts0" timeString="2020-08-18T04:43:20.376"/>
+    </inkml:context>
+    <inkml:brush xml:id="br0">
+      <inkml:brushProperty name="width" value="0.05" units="cm"/>
+      <inkml:brushProperty name="height" value="0.05" units="cm"/>
+      <inkml:brushProperty name="color" value="#E71224"/>
+      <inkml:brushProperty name="ignorePressure" value="1"/>
+    </inkml:brush>
+  </inkml:definitions>
+  <inkml:trace contextRef="#ctx0" brushRef="#br0">1 332,'0'-1,"0"0,0-1,1 1,-1 0,1-1,-1 1,1 0,-1 0,1-1,0 1,0 0,0 0,0 0,0 0,0 0,0 0,0 0,0 0,0 1,0-1,1 0,34-17,-13 7,117-78,-79 47,-2-2,11-14,-36 19,-25 32</inkml:trace>
+</inkml:ink>
+</file>
+
+<file path=ppt/ink/ink34.xml><?xml version="1.0" encoding="utf-8"?>
+<inkml:ink xmlns:inkml="http://www.w3.org/2003/InkML">
+  <inkml:definitions>
+    <inkml:context xml:id="ctx0">
+      <inkml:inkSource xml:id="inkSrc0">
+        <inkml:traceFormat>
+          <inkml:channel name="X" type="integer" min="-2.14748E9" max="2.14748E9" units="cm"/>
+          <inkml:channel name="Y" type="integer" min="-2.14748E9" max="2.14748E9" units="cm"/>
+        </inkml:traceFormat>
+        <inkml:channelProperties>
+          <inkml:channelProperty channel="X" name="resolution" value="1000" units="1/cm"/>
+          <inkml:channelProperty channel="Y" name="resolution" value="1000" units="1/cm"/>
+        </inkml:channelProperties>
+      </inkml:inkSource>
+      <inkml:timestamp xml:id="ts0" timeString="2020-08-18T04:43:21.314"/>
+    </inkml:context>
+    <inkml:brush xml:id="br0">
+      <inkml:brushProperty name="width" value="0.05" units="cm"/>
+      <inkml:brushProperty name="height" value="0.05" units="cm"/>
+      <inkml:brushProperty name="color" value="#E71224"/>
+      <inkml:brushProperty name="ignorePressure" value="1"/>
+    </inkml:brush>
+  </inkml:definitions>
+  <inkml:trace contextRef="#ctx0" brushRef="#br0">0 180,'4'-2,"0"1,-1-1,1 0,-1 0,0 0,1 0,-1 0,0-1,0 1,-1-1,1 0,1-1,16-14,19-10,-1-1,-2-2,9-6,-37 30</inkml:trace>
+</inkml:ink>
+</file>
+
+<file path=ppt/ink/ink35.xml><?xml version="1.0" encoding="utf-8"?>
+<inkml:ink xmlns:inkml="http://www.w3.org/2003/InkML">
+  <inkml:definitions>
+    <inkml:context xml:id="ctx0">
+      <inkml:inkSource xml:id="inkSrc0">
+        <inkml:traceFormat>
+          <inkml:channel name="X" type="integer" min="-2.14748E9" max="2.14748E9" units="cm"/>
+          <inkml:channel name="Y" type="integer" min="-2.14748E9" max="2.14748E9" units="cm"/>
+        </inkml:traceFormat>
+        <inkml:channelProperties>
+          <inkml:channelProperty channel="X" name="resolution" value="1000" units="1/cm"/>
+          <inkml:channelProperty channel="Y" name="resolution" value="1000" units="1/cm"/>
+        </inkml:channelProperties>
+      </inkml:inkSource>
+      <inkml:timestamp xml:id="ts0" timeString="2020-08-18T04:43:21.925"/>
+    </inkml:context>
+    <inkml:brush xml:id="br0">
+      <inkml:brushProperty name="width" value="0.05" units="cm"/>
+      <inkml:brushProperty name="height" value="0.05" units="cm"/>
+      <inkml:brushProperty name="color" value="#E71224"/>
+      <inkml:brushProperty name="ignorePressure" value="1"/>
+    </inkml:brush>
+  </inkml:definitions>
+  <inkml:trace contextRef="#ctx0" brushRef="#br0">1 68,'3'0,"1"-4,3 0,1-3,1-1,0-1,2 0,-2-1,1 1,-1 1</inkml:trace>
+</inkml:ink>
+</file>
+
+<file path=ppt/ink/ink36.xml><?xml version="1.0" encoding="utf-8"?>
+<inkml:ink xmlns:inkml="http://www.w3.org/2003/InkML">
+  <inkml:definitions>
+    <inkml:context xml:id="ctx0">
+      <inkml:inkSource xml:id="inkSrc0">
+        <inkml:traceFormat>
+          <inkml:channel name="X" type="integer" min="-2.14748E9" max="2.14748E9" units="cm"/>
+          <inkml:channel name="Y" type="integer" min="-2.14748E9" max="2.14748E9" units="cm"/>
+        </inkml:traceFormat>
+        <inkml:channelProperties>
+          <inkml:channelProperty channel="X" name="resolution" value="1000" units="1/cm"/>
+          <inkml:channelProperty channel="Y" name="resolution" value="1000" units="1/cm"/>
+        </inkml:channelProperties>
+      </inkml:inkSource>
+      <inkml:timestamp xml:id="ts0" timeString="2020-08-18T04:46:20.228"/>
+    </inkml:context>
+    <inkml:brush xml:id="br0">
+      <inkml:brushProperty name="width" value="0.05" units="cm"/>
+      <inkml:brushProperty name="height" value="0.05" units="cm"/>
+      <inkml:brushProperty name="color" value="#E71224"/>
+      <inkml:brushProperty name="ignorePressure" value="1"/>
+    </inkml:brush>
+  </inkml:definitions>
+  <inkml:trace contextRef="#ctx0" brushRef="#br0">740 2,'-18'0,"-1"-1,0 0,-1 2,1 0,0 1,0 1,0 1,0 1,1 0,-18 9,18-6,0 2,1 1,0 0,-8 8,-21 5,40-21,-1-1,0 2,1-1,0 1,0 0,-6 4,2 0,0-1,0 0,-1-1,-9 5,11-7,-1 1,2 0,-1 1,0 0,1 0,-7 7,-2 4,-1-1,-1-1,-11 7,-27 21,50-36,1 0,1 0,-1 0,1 1,-2 3,-4 7,4-9</inkml:trace>
+</inkml:ink>
+</file>
+
+<file path=ppt/ink/ink37.xml><?xml version="1.0" encoding="utf-8"?>
+<inkml:ink xmlns:inkml="http://www.w3.org/2003/InkML">
+  <inkml:definitions>
+    <inkml:context xml:id="ctx0">
+      <inkml:inkSource xml:id="inkSrc0">
+        <inkml:traceFormat>
+          <inkml:channel name="X" type="integer" min="-2.14748E9" max="2.14748E9" units="cm"/>
+          <inkml:channel name="Y" type="integer" min="-2.14748E9" max="2.14748E9" units="cm"/>
+        </inkml:traceFormat>
+        <inkml:channelProperties>
+          <inkml:channelProperty channel="X" name="resolution" value="1000" units="1/cm"/>
+          <inkml:channelProperty channel="Y" name="resolution" value="1000" units="1/cm"/>
+        </inkml:channelProperties>
+      </inkml:inkSource>
+      <inkml:timestamp xml:id="ts0" timeString="2020-08-18T04:46:21.224"/>
+    </inkml:context>
+    <inkml:brush xml:id="br0">
+      <inkml:brushProperty name="width" value="0.05" units="cm"/>
+      <inkml:brushProperty name="height" value="0.05" units="cm"/>
+      <inkml:brushProperty name="color" value="#E71224"/>
+      <inkml:brushProperty name="ignorePressure" value="1"/>
+    </inkml:brush>
+  </inkml:definitions>
+  <inkml:trace contextRef="#ctx0" brushRef="#br0">1155 2,'-21'0,"2"-1,-1 0,0 2,0 0,0 1,1 1,-1 1,1 1,0 0,0 2,-6 3,-30 15,29-13,0 0,-19 14,-12 1,46-23,0 1,0 0,0 1,-7 5,-38 25,-2-3,-15 6,-67 37,96-52,33-19,-1 1,1 0,1 1,-1 0,1 1,0 1,-44 35,40-34,1 0,0 1,1 1,0 0,1 0,0 2,-39 44,44-48</inkml:trace>
+</inkml:ink>
+</file>
+
+<file path=ppt/ink/ink38.xml><?xml version="1.0" encoding="utf-8"?>
+<inkml:ink xmlns:inkml="http://www.w3.org/2003/InkML">
+  <inkml:definitions>
+    <inkml:context xml:id="ctx0">
+      <inkml:inkSource xml:id="inkSrc0">
+        <inkml:traceFormat>
+          <inkml:channel name="X" type="integer" min="-2.14748E9" max="2.14748E9" units="cm"/>
+          <inkml:channel name="Y" type="integer" min="-2.14748E9" max="2.14748E9" units="cm"/>
+        </inkml:traceFormat>
+        <inkml:channelProperties>
+          <inkml:channelProperty channel="X" name="resolution" value="1000" units="1/cm"/>
+          <inkml:channelProperty channel="Y" name="resolution" value="1000" units="1/cm"/>
+        </inkml:channelProperties>
+      </inkml:inkSource>
+      <inkml:timestamp xml:id="ts0" timeString="2020-08-18T04:46:22.163"/>
+    </inkml:context>
+    <inkml:brush xml:id="br0">
+      <inkml:brushProperty name="width" value="0.05" units="cm"/>
+      <inkml:brushProperty name="height" value="0.05" units="cm"/>
+      <inkml:brushProperty name="color" value="#E71224"/>
+      <inkml:brushProperty name="ignorePressure" value="1"/>
+    </inkml:brush>
+  </inkml:definitions>
+  <inkml:trace contextRef="#ctx0" brushRef="#br0">827 1,'-6'1,"1"0,-1 1,1-1,0 1,-1 1,1-1,0 1,0 0,1 0,-1 0,1 1,-1 0,-14 9,-4 2,-68 43,-91 42,42-17,92-57,1 1,-22 18,65-41,1-1,-1 0,1 1,0 0,0-1,0 1,1 0,-1 1,0 0,-22 31,19-30,1 1,0 0,0 0,0 0,1 1,0-1,-3 9,4-7,-1 0,-1-1,0 1,0-1,-1 0,-3 3,1-3</inkml:trace>
+</inkml:ink>
+</file>
+
+<file path=ppt/ink/ink39.xml><?xml version="1.0" encoding="utf-8"?>
+<inkml:ink xmlns:inkml="http://www.w3.org/2003/InkML">
+  <inkml:definitions>
+    <inkml:context xml:id="ctx0">
+      <inkml:inkSource xml:id="inkSrc0">
+        <inkml:traceFormat>
+          <inkml:channel name="X" type="integer" min="-2.14748E9" max="2.14748E9" units="cm"/>
+          <inkml:channel name="Y" type="integer" min="-2.14748E9" max="2.14748E9" units="cm"/>
+        </inkml:traceFormat>
+        <inkml:channelProperties>
+          <inkml:channelProperty channel="X" name="resolution" value="1000" units="1/cm"/>
+          <inkml:channelProperty channel="Y" name="resolution" value="1000" units="1/cm"/>
+        </inkml:channelProperties>
+      </inkml:inkSource>
+      <inkml:timestamp xml:id="ts0" timeString="2020-08-18T04:46:23.023"/>
+    </inkml:context>
+    <inkml:brush xml:id="br0">
+      <inkml:brushProperty name="width" value="0.05" units="cm"/>
+      <inkml:brushProperty name="height" value="0.05" units="cm"/>
+      <inkml:brushProperty name="color" value="#E71224"/>
+      <inkml:brushProperty name="ignorePressure" value="1"/>
+    </inkml:brush>
+  </inkml:definitions>
+  <inkml:trace contextRef="#ctx0" brushRef="#br0">871 1,'-22'25,"9"-13,1 1,-2 0,1-1,-2-1,1 0,-2-1,1 0,-14 5,8-4,2 1,0 0,0 1,1 1,0 2,-8 7,0-1,-2-2,-1 0,-1-2,-6 5,-26 13,41-25,1 1,1 0,0 1,-10 10,22-17,0-1,0 0,0-1,-1 1,-6 1,7-2,-1 0,0 0,1 0,0 1,0 0,-2 3,-16 16,1 1,2 1,0 0,2 2,-6 11,19-26</inkml:trace>
+</inkml:ink>
+</file>
+
+<file path=ppt/ink/ink4.xml><?xml version="1.0" encoding="utf-8"?>
+<inkml:ink xmlns:inkml="http://www.w3.org/2003/InkML">
+  <inkml:definitions>
+    <inkml:context xml:id="ctx0">
+      <inkml:inkSource xml:id="inkSrc0">
+        <inkml:traceFormat>
+          <inkml:channel name="X" type="integer" min="-2.14748E9" max="2.14748E9" units="cm"/>
+          <inkml:channel name="Y" type="integer" min="-2.14748E9" max="2.14748E9" units="cm"/>
+        </inkml:traceFormat>
+        <inkml:channelProperties>
+          <inkml:channelProperty channel="X" name="resolution" value="1000" units="1/cm"/>
+          <inkml:channelProperty channel="Y" name="resolution" value="1000" units="1/cm"/>
+        </inkml:channelProperties>
+      </inkml:inkSource>
+      <inkml:timestamp xml:id="ts0" timeString="2020-08-18T04:42:54.012"/>
+    </inkml:context>
+    <inkml:brush xml:id="br0">
+      <inkml:brushProperty name="width" value="0.05" units="cm"/>
+      <inkml:brushProperty name="height" value="0.05" units="cm"/>
+      <inkml:brushProperty name="color" value="#E71224"/>
+      <inkml:brushProperty name="ignorePressure" value="1"/>
+    </inkml:brush>
+  </inkml:definitions>
+  <inkml:trace contextRef="#ctx0" brushRef="#br0">660 423,'-11'1,"-1"-1,1 0,0-1,-1 0,1-1,0 0,0-1,0 0,1-1,-1 0,-8-5,-179-94,196 101,-22-8,0-2,1-1,0-1,1-1,1-1,0-1,-9-10,3-2,2-1,1-1,-15-26,32 47,-1 2</inkml:trace>
+</inkml:ink>
+</file>
+
+<file path=ppt/ink/ink40.xml><?xml version="1.0" encoding="utf-8"?>
+<inkml:ink xmlns:inkml="http://www.w3.org/2003/InkML">
+  <inkml:definitions>
+    <inkml:context xml:id="ctx0">
+      <inkml:inkSource xml:id="inkSrc0">
+        <inkml:traceFormat>
+          <inkml:channel name="X" type="integer" min="-2.14748E9" max="2.14748E9" units="cm"/>
+          <inkml:channel name="Y" type="integer" min="-2.14748E9" max="2.14748E9" units="cm"/>
+        </inkml:traceFormat>
+        <inkml:channelProperties>
+          <inkml:channelProperty channel="X" name="resolution" value="1000" units="1/cm"/>
+          <inkml:channelProperty channel="Y" name="resolution" value="1000" units="1/cm"/>
+        </inkml:channelProperties>
+      </inkml:inkSource>
+      <inkml:timestamp xml:id="ts0" timeString="2020-08-18T04:46:23.943"/>
+    </inkml:context>
+    <inkml:brush xml:id="br0">
+      <inkml:brushProperty name="width" value="0.05" units="cm"/>
+      <inkml:brushProperty name="height" value="0.05" units="cm"/>
+      <inkml:brushProperty name="color" value="#E71224"/>
+      <inkml:brushProperty name="ignorePressure" value="1"/>
+    </inkml:brush>
+  </inkml:definitions>
+  <inkml:trace contextRef="#ctx0" brushRef="#br0">376 0,'0'3,"0"-1,-1 1,0-1,1 0,-1 1,0-1,0 0,-1 1,1-1,0 0,-1 0,1 0,-1 0,1 0,-1 0,0-1,0 1,0-1,0 1,0-1,-55 32,18-11,-37 37,65-48,0 0,1 1,0 0,1 0,0 1,-3 8,3-7,-13 26,19-33,1-1,-2 0,1 0,0 0,-1 0,0-1,-1 0,1 0,-1 0,0 0,0 0,0-1,-6 4,0-3</inkml:trace>
+</inkml:ink>
+</file>
+
+<file path=ppt/ink/ink41.xml><?xml version="1.0" encoding="utf-8"?>
+<inkml:ink xmlns:inkml="http://www.w3.org/2003/InkML">
+  <inkml:definitions>
+    <inkml:context xml:id="ctx0">
+      <inkml:inkSource xml:id="inkSrc0">
+        <inkml:traceFormat>
+          <inkml:channel name="X" type="integer" min="-2.14748E9" max="2.14748E9" units="cm"/>
+          <inkml:channel name="Y" type="integer" min="-2.14748E9" max="2.14748E9" units="cm"/>
+        </inkml:traceFormat>
+        <inkml:channelProperties>
+          <inkml:channelProperty channel="X" name="resolution" value="1000" units="1/cm"/>
+          <inkml:channelProperty channel="Y" name="resolution" value="1000" units="1/cm"/>
+        </inkml:channelProperties>
+      </inkml:inkSource>
+      <inkml:timestamp xml:id="ts0" timeString="2020-08-18T04:46:24.633"/>
+    </inkml:context>
+    <inkml:brush xml:id="br0">
+      <inkml:brushProperty name="width" value="0.05" units="cm"/>
+      <inkml:brushProperty name="height" value="0.05" units="cm"/>
+      <inkml:brushProperty name="color" value="#E71224"/>
+      <inkml:brushProperty name="ignorePressure" value="1"/>
+    </inkml:brush>
+  </inkml:definitions>
+  <inkml:trace contextRef="#ctx0" brushRef="#br0">597 3,'-52'-1,"23"-1,1 2,-1 2,-21 3,42-4,-1 1,0 1,1-1,0 1,-1 1,1-1,1 2,-1-1,0 1,1 0,0 0,0 1,1 0,-1 1,-16 14,1-1,-2-1,-1-1,-3 1,4-4,1 2,1 1,0 0,-17 20,12-10,14-17</inkml:trace>
+</inkml:ink>
+</file>
+
+<file path=ppt/ink/ink42.xml><?xml version="1.0" encoding="utf-8"?>
+<inkml:ink xmlns:inkml="http://www.w3.org/2003/InkML">
+  <inkml:definitions>
+    <inkml:context xml:id="ctx0">
+      <inkml:inkSource xml:id="inkSrc0">
+        <inkml:traceFormat>
+          <inkml:channel name="X" type="integer" min="-2.14748E9" max="2.14748E9" units="cm"/>
+          <inkml:channel name="Y" type="integer" min="-2.14748E9" max="2.14748E9" units="cm"/>
+        </inkml:traceFormat>
+        <inkml:channelProperties>
+          <inkml:channelProperty channel="X" name="resolution" value="1000" units="1/cm"/>
+          <inkml:channelProperty channel="Y" name="resolution" value="1000" units="1/cm"/>
+        </inkml:channelProperties>
+      </inkml:inkSource>
+      <inkml:timestamp xml:id="ts0" timeString="2020-08-18T04:46:25.261"/>
+    </inkml:context>
+    <inkml:brush xml:id="br0">
+      <inkml:brushProperty name="width" value="0.05" units="cm"/>
+      <inkml:brushProperty name="height" value="0.05" units="cm"/>
+      <inkml:brushProperty name="color" value="#E71224"/>
+      <inkml:brushProperty name="ignorePressure" value="1"/>
+    </inkml:brush>
+  </inkml:definitions>
+  <inkml:trace contextRef="#ctx0" brushRef="#br0">527 1,'-18'-1,"0"1,0 2,0-1,0 2,0 1,1 0,0 1,-1 1,2 0,-1 1,1 1,0 1,1 0,0 1,0 1,1 0,-6 7,-193 186,203-195</inkml:trace>
+</inkml:ink>
+</file>
+
+<file path=ppt/ink/ink43.xml><?xml version="1.0" encoding="utf-8"?>
+<inkml:ink xmlns:inkml="http://www.w3.org/2003/InkML">
+  <inkml:definitions>
+    <inkml:context xml:id="ctx0">
+      <inkml:inkSource xml:id="inkSrc0">
+        <inkml:traceFormat>
+          <inkml:channel name="X" type="integer" min="-2.14748E9" max="2.14748E9" units="cm"/>
+          <inkml:channel name="Y" type="integer" min="-2.14748E9" max="2.14748E9" units="cm"/>
+        </inkml:traceFormat>
+        <inkml:channelProperties>
+          <inkml:channelProperty channel="X" name="resolution" value="1000" units="1/cm"/>
+          <inkml:channelProperty channel="Y" name="resolution" value="1000" units="1/cm"/>
+        </inkml:channelProperties>
+      </inkml:inkSource>
+      <inkml:timestamp xml:id="ts0" timeString="2020-08-18T04:46:25.874"/>
+    </inkml:context>
+    <inkml:brush xml:id="br0">
+      <inkml:brushProperty name="width" value="0.05" units="cm"/>
+      <inkml:brushProperty name="height" value="0.05" units="cm"/>
+      <inkml:brushProperty name="color" value="#E71224"/>
+      <inkml:brushProperty name="ignorePressure" value="1"/>
+    </inkml:brush>
+  </inkml:definitions>
+  <inkml:trace contextRef="#ctx0" brushRef="#br0">492 1,'-18'0,"0"1,0 1,0 1,0 1,0 0,1 2,0-1,0 2,0 1,1 0,0 1,-2 2,-26 19,2 3,1 2,-15 17,-18 15,65-59</inkml:trace>
+</inkml:ink>
+</file>
+
+<file path=ppt/ink/ink44.xml><?xml version="1.0" encoding="utf-8"?>
+<inkml:ink xmlns:inkml="http://www.w3.org/2003/InkML">
+  <inkml:definitions>
+    <inkml:context xml:id="ctx0">
+      <inkml:inkSource xml:id="inkSrc0">
+        <inkml:traceFormat>
+          <inkml:channel name="X" type="integer" min="-2.14748E9" max="2.14748E9" units="cm"/>
+          <inkml:channel name="Y" type="integer" min="-2.14748E9" max="2.14748E9" units="cm"/>
+        </inkml:traceFormat>
+        <inkml:channelProperties>
+          <inkml:channelProperty channel="X" name="resolution" value="1000" units="1/cm"/>
+          <inkml:channelProperty channel="Y" name="resolution" value="1000" units="1/cm"/>
+        </inkml:channelProperties>
+      </inkml:inkSource>
+      <inkml:timestamp xml:id="ts0" timeString="2020-08-18T04:46:26.687"/>
+    </inkml:context>
+    <inkml:brush xml:id="br0">
+      <inkml:brushProperty name="width" value="0.05" units="cm"/>
+      <inkml:brushProperty name="height" value="0.05" units="cm"/>
+      <inkml:brushProperty name="color" value="#E71224"/>
+      <inkml:brushProperty name="ignorePressure" value="1"/>
+    </inkml:brush>
+  </inkml:definitions>
+  <inkml:trace contextRef="#ctx0" brushRef="#br0">287 0,'-22'1,"1"0,0 1,0 2,1 0,-1 1,-15 6,25-6,1 1,0 0,0 0,0 1,1 1,0 0,0 0,0 1,-20 17,21-18</inkml:trace>
+</inkml:ink>
+</file>
+
+<file path=ppt/ink/ink45.xml><?xml version="1.0" encoding="utf-8"?>
+<inkml:ink xmlns:inkml="http://www.w3.org/2003/InkML">
+  <inkml:definitions>
+    <inkml:context xml:id="ctx0">
+      <inkml:inkSource xml:id="inkSrc0">
+        <inkml:traceFormat>
+          <inkml:channel name="X" type="integer" min="-2.14748E9" max="2.14748E9" units="cm"/>
+          <inkml:channel name="Y" type="integer" min="-2.14748E9" max="2.14748E9" units="cm"/>
+        </inkml:traceFormat>
+        <inkml:channelProperties>
+          <inkml:channelProperty channel="X" name="resolution" value="1000" units="1/cm"/>
+          <inkml:channelProperty channel="Y" name="resolution" value="1000" units="1/cm"/>
+        </inkml:channelProperties>
+      </inkml:inkSource>
+      <inkml:timestamp xml:id="ts0" timeString="2020-08-18T04:46:27.548"/>
+    </inkml:context>
+    <inkml:brush xml:id="br0">
+      <inkml:brushProperty name="width" value="0.05" units="cm"/>
+      <inkml:brushProperty name="height" value="0.05" units="cm"/>
+      <inkml:brushProperty name="color" value="#E71224"/>
+      <inkml:brushProperty name="ignorePressure" value="1"/>
+    </inkml:brush>
+  </inkml:definitions>
+  <inkml:trace contextRef="#ctx0" brushRef="#br0">161 0,'-3'0,"-5"0,-3 0,-4 0,-2 0,-1 0,-1 0,2 3,2 1,0 0,2 3,3-1</inkml:trace>
+</inkml:ink>
+</file>
+
+<file path=ppt/ink/ink5.xml><?xml version="1.0" encoding="utf-8"?>
+<inkml:ink xmlns:inkml="http://www.w3.org/2003/InkML">
+  <inkml:definitions>
+    <inkml:context xml:id="ctx0">
+      <inkml:inkSource xml:id="inkSrc0">
+        <inkml:traceFormat>
+          <inkml:channel name="X" type="integer" min="-2.14748E9" max="2.14748E9" units="cm"/>
+          <inkml:channel name="Y" type="integer" min="-2.14748E9" max="2.14748E9" units="cm"/>
+        </inkml:traceFormat>
+        <inkml:channelProperties>
+          <inkml:channelProperty channel="X" name="resolution" value="1000" units="1/cm"/>
+          <inkml:channelProperty channel="Y" name="resolution" value="1000" units="1/cm"/>
+        </inkml:channelProperties>
+      </inkml:inkSource>
+      <inkml:timestamp xml:id="ts0" timeString="2020-08-18T04:42:54.910"/>
+    </inkml:context>
+    <inkml:brush xml:id="br0">
+      <inkml:brushProperty name="width" value="0.05" units="cm"/>
+      <inkml:brushProperty name="height" value="0.05" units="cm"/>
+      <inkml:brushProperty name="color" value="#E71224"/>
+      <inkml:brushProperty name="ignorePressure" value="1"/>
+    </inkml:brush>
+  </inkml:definitions>
+  <inkml:trace contextRef="#ctx0" brushRef="#br0">342 405,'-4'-1,"-1"0,1 0,0 0,0-1,0 1,0-1,0 0,0 0,0-1,0 1,1-1,0 0,-1 0,1-1,-44-48,-17-44,30 43,-2 1,-2 2,-8-4,36 44,1 3</inkml:trace>
+</inkml:ink>
+</file>
+
+<file path=ppt/ink/ink6.xml><?xml version="1.0" encoding="utf-8"?>
+<inkml:ink xmlns:inkml="http://www.w3.org/2003/InkML">
+  <inkml:definitions>
+    <inkml:context xml:id="ctx0">
+      <inkml:inkSource xml:id="inkSrc0">
+        <inkml:traceFormat>
+          <inkml:channel name="X" type="integer" min="-2.14748E9" max="2.14748E9" units="cm"/>
+          <inkml:channel name="Y" type="integer" min="-2.14748E9" max="2.14748E9" units="cm"/>
+        </inkml:traceFormat>
+        <inkml:channelProperties>
+          <inkml:channelProperty channel="X" name="resolution" value="1000" units="1/cm"/>
+          <inkml:channelProperty channel="Y" name="resolution" value="1000" units="1/cm"/>
+        </inkml:channelProperties>
+      </inkml:inkSource>
+      <inkml:timestamp xml:id="ts0" timeString="2020-08-18T04:42:56.759"/>
+    </inkml:context>
+    <inkml:brush xml:id="br0">
+      <inkml:brushProperty name="width" value="0.05" units="cm"/>
+      <inkml:brushProperty name="height" value="0.05" units="cm"/>
+      <inkml:brushProperty name="color" value="#E71224"/>
+      <inkml:brushProperty name="ignorePressure" value="1"/>
+    </inkml:brush>
+  </inkml:definitions>
+  <inkml:trace contextRef="#ctx0" brushRef="#br0">346 456,'-3'0,"0"0,0 0,0-1,1 1,-1-1,0 1,0-1,0 0,1 0,-1 0,0-1,1 1,-1 0,1-1,0 0,-1 0,1 0,0 0,-2-2,-1-3,0 0,0-1,1 0,0 0,-2-7,2 6,0 0,0 1,-1-1,0 1,-3-3,-8-12,1 0,0-1,2-1,-3-7,0-1,-1 0,-6-3,17 26,-2 0,1 1,-1 0,0 1,-1 0,0 0,0 1,-8-5,6 4,2 1</inkml:trace>
+</inkml:ink>
+</file>
+
+<file path=ppt/ink/ink7.xml><?xml version="1.0" encoding="utf-8"?>
+<inkml:ink xmlns:inkml="http://www.w3.org/2003/InkML">
+  <inkml:definitions>
+    <inkml:context xml:id="ctx0">
+      <inkml:inkSource xml:id="inkSrc0">
+        <inkml:traceFormat>
+          <inkml:channel name="X" type="integer" min="-2.14748E9" max="2.14748E9" units="cm"/>
+          <inkml:channel name="Y" type="integer" min="-2.14748E9" max="2.14748E9" units="cm"/>
+        </inkml:traceFormat>
+        <inkml:channelProperties>
+          <inkml:channelProperty channel="X" name="resolution" value="1000" units="1/cm"/>
+          <inkml:channelProperty channel="Y" name="resolution" value="1000" units="1/cm"/>
+        </inkml:channelProperties>
+      </inkml:inkSource>
+      <inkml:timestamp xml:id="ts0" timeString="2020-08-18T04:42:55.693"/>
+    </inkml:context>
+    <inkml:brush xml:id="br0">
+      <inkml:brushProperty name="width" value="0.05" units="cm"/>
+      <inkml:brushProperty name="height" value="0.05" units="cm"/>
+      <inkml:brushProperty name="color" value="#E71224"/>
+      <inkml:brushProperty name="ignorePressure" value="1"/>
+    </inkml:brush>
+  </inkml:definitions>
+  <inkml:trace contextRef="#ctx0" brushRef="#br0">268 124,'-12'-10,"0"0,-1 1,0 1,0 0,-1 1,0 0,0 1,-1 1,1 0,-1 1,-10-1,-23-9,12-5,27 13</inkml:trace>
+</inkml:ink>
+</file>
+
+<file path=ppt/ink/ink8.xml><?xml version="1.0" encoding="utf-8"?>
+<inkml:ink xmlns:inkml="http://www.w3.org/2003/InkML">
+  <inkml:definitions>
+    <inkml:context xml:id="ctx0">
+      <inkml:inkSource xml:id="inkSrc0">
+        <inkml:traceFormat>
+          <inkml:channel name="X" type="integer" min="-2.14748E9" max="2.14748E9" units="cm"/>
+          <inkml:channel name="Y" type="integer" min="-2.14748E9" max="2.14748E9" units="cm"/>
+        </inkml:traceFormat>
+        <inkml:channelProperties>
+          <inkml:channelProperty channel="X" name="resolution" value="1000" units="1/cm"/>
+          <inkml:channelProperty channel="Y" name="resolution" value="1000" units="1/cm"/>
+        </inkml:channelProperties>
+      </inkml:inkSource>
+      <inkml:timestamp xml:id="ts0" timeString="2020-08-18T04:42:57.536"/>
+    </inkml:context>
+    <inkml:brush xml:id="br0">
+      <inkml:brushProperty name="width" value="0.05" units="cm"/>
+      <inkml:brushProperty name="height" value="0.05" units="cm"/>
+      <inkml:brushProperty name="color" value="#E71224"/>
+      <inkml:brushProperty name="ignorePressure" value="1"/>
+    </inkml:brush>
+  </inkml:definitions>
+  <inkml:trace contextRef="#ctx0" brushRef="#br0">192 367,'0'-14,"-1"0,-1 0,0 0,-1 1,-1-1,0 1,0-1,-2 1,1 1,-7-10,-1 1,-1 0,-1 1,0 0,-2 2,-11-11,25 26,0-1,0 0,1 0,-1 0,1 0,0-1,0 1,0-3,-15-26,9 25</inkml:trace>
+</inkml:ink>
+</file>
+
+<file path=ppt/ink/ink9.xml><?xml version="1.0" encoding="utf-8"?>
+<inkml:ink xmlns:inkml="http://www.w3.org/2003/InkML">
+  <inkml:definitions>
+    <inkml:context xml:id="ctx0">
+      <inkml:inkSource xml:id="inkSrc0">
+        <inkml:traceFormat>
+          <inkml:channel name="X" type="integer" min="-2.14748E9" max="2.14748E9" units="cm"/>
+          <inkml:channel name="Y" type="integer" min="-2.14748E9" max="2.14748E9" units="cm"/>
+        </inkml:traceFormat>
+        <inkml:channelProperties>
+          <inkml:channelProperty channel="X" name="resolution" value="1000" units="1/cm"/>
+          <inkml:channelProperty channel="Y" name="resolution" value="1000" units="1/cm"/>
+        </inkml:channelProperties>
+      </inkml:inkSource>
+      <inkml:timestamp xml:id="ts0" timeString="2020-08-18T04:42:59.331"/>
+    </inkml:context>
+    <inkml:brush xml:id="br0">
+      <inkml:brushProperty name="width" value="0.05" units="cm"/>
+      <inkml:brushProperty name="height" value="0.05" units="cm"/>
+      <inkml:brushProperty name="color" value="#E71224"/>
+      <inkml:brushProperty name="ignorePressure" value="1"/>
+    </inkml:brush>
+  </inkml:definitions>
+  <inkml:trace contextRef="#ctx0" brushRef="#br0">835 1387,'-10'1,"-1"-1,1 0,-1-1,1 0,-1 0,-7-3,13 3,1-1,0 0,0 0,-1 0,1-1,1 0,-1 1,0-1,1-1,-1 1,1 0,0-1,0 0,-1-2,-75-100,-65-96,115 155,1 0,3-2,-2-8,17 31,-31-84,8 10,18 60,3 1,-4-23,7 33,-1 0,-1 1,-2 0,-1 1,0 1,-6-6,1 1,9 12,-4-7,-2 2,0-1,-7-5,18 22,-1-1,1 1,0-1,1 0,-3-8,-4-9,6 15</inkml:trace>
+</inkml:ink>
 </file>
 
 <file path=ppt/notesMasters/notesMaster1.xml><?xml version="1.0" encoding="utf-8"?>
@@ -1227,6 +2444,115 @@
     </p:spTree>
     <p:extLst>
       <p:ext uri="{BB962C8B-B14F-4D97-AF65-F5344CB8AC3E}">
+        <p14:creationId xmlns:p14="http://schemas.microsoft.com/office/powerpoint/2010/main" val="123237266"/>
+      </p:ext>
+    </p:extLst>
+  </p:cSld>
+  <p:clrMapOvr>
+    <a:masterClrMapping/>
+  </p:clrMapOvr>
+</p:notes>
+</file>
+
+<file path=ppt/notesSlides/notesSlide6.xml><?xml version="1.0" encoding="utf-8"?>
+<p:notes xmlns:a="http://schemas.openxmlformats.org/drawingml/2006/main" xmlns:r="http://schemas.openxmlformats.org/officeDocument/2006/relationships" xmlns:p="http://schemas.openxmlformats.org/presentationml/2006/main" showMasterSp="0" showMasterPhAnim="0">
+  <p:cSld>
+    <p:spTree>
+      <p:nvGrpSpPr>
+        <p:cNvPr id="1" name="Shape 94"/>
+        <p:cNvGrpSpPr/>
+        <p:nvPr/>
+      </p:nvGrpSpPr>
+      <p:grpSpPr>
+        <a:xfrm>
+          <a:off x="0" y="0"/>
+          <a:ext cx="0" cy="0"/>
+          <a:chOff x="0" y="0"/>
+          <a:chExt cx="0" cy="0"/>
+        </a:xfrm>
+      </p:grpSpPr>
+      <p:sp>
+        <p:nvSpPr>
+          <p:cNvPr id="95" name="Google Shape;95;g7204e5ea14_0_5:notes"/>
+          <p:cNvSpPr txBox="1">
+            <a:spLocks noGrp="1"/>
+          </p:cNvSpPr>
+          <p:nvPr>
+            <p:ph type="body" idx="1"/>
+          </p:nvPr>
+        </p:nvSpPr>
+        <p:spPr>
+          <a:xfrm>
+            <a:off x="685800" y="4343400"/>
+            <a:ext cx="5486400" cy="4114800"/>
+          </a:xfrm>
+          <a:prstGeom prst="rect">
+            <a:avLst/>
+          </a:prstGeom>
+        </p:spPr>
+        <p:txBody>
+          <a:bodyPr spcFirstLastPara="1" wrap="square" lIns="91425" tIns="91425" rIns="91425" bIns="91425" anchor="t" anchorCtr="0">
+            <a:noAutofit/>
+          </a:bodyPr>
+          <a:lstStyle/>
+          <a:p>
+            <a:pPr marL="0" lvl="0" indent="0" algn="l" rtl="0">
+              <a:spcBef>
+                <a:spcPts val="0"/>
+              </a:spcBef>
+              <a:spcAft>
+                <a:spcPts val="0"/>
+              </a:spcAft>
+              <a:buNone/>
+            </a:pPr>
+            <a:endParaRPr dirty="0"/>
+          </a:p>
+        </p:txBody>
+      </p:sp>
+      <p:sp>
+        <p:nvSpPr>
+          <p:cNvPr id="96" name="Google Shape;96;g7204e5ea14_0_5:notes"/>
+          <p:cNvSpPr>
+            <a:spLocks noGrp="1" noRot="1" noChangeAspect="1"/>
+          </p:cNvSpPr>
+          <p:nvPr>
+            <p:ph type="sldImg" idx="2"/>
+          </p:nvPr>
+        </p:nvSpPr>
+        <p:spPr>
+          <a:xfrm>
+            <a:off x="381000" y="685800"/>
+            <a:ext cx="6096000" cy="3429000"/>
+          </a:xfrm>
+          <a:custGeom>
+            <a:avLst/>
+            <a:gdLst/>
+            <a:ahLst/>
+            <a:cxnLst/>
+            <a:rect l="l" t="t" r="r" b="b"/>
+            <a:pathLst>
+              <a:path w="120000" h="120000" extrusionOk="0">
+                <a:moveTo>
+                  <a:pt x="0" y="0"/>
+                </a:moveTo>
+                <a:lnTo>
+                  <a:pt x="120000" y="0"/>
+                </a:lnTo>
+                <a:lnTo>
+                  <a:pt x="120000" y="120000"/>
+                </a:lnTo>
+                <a:lnTo>
+                  <a:pt x="0" y="120000"/>
+                </a:lnTo>
+                <a:close/>
+              </a:path>
+            </a:pathLst>
+          </a:custGeom>
+        </p:spPr>
+      </p:sp>
+    </p:spTree>
+    <p:extLst>
+      <p:ext uri="{BB962C8B-B14F-4D97-AF65-F5344CB8AC3E}">
         <p14:creationId xmlns:p14="http://schemas.microsoft.com/office/powerpoint/2010/main" val="2846925126"/>
       </p:ext>
     </p:extLst>
@@ -1237,7 +2563,116 @@
 </p:notes>
 </file>
 
-<file path=ppt/notesSlides/notesSlide6.xml><?xml version="1.0" encoding="utf-8"?>
+<file path=ppt/notesSlides/notesSlide7.xml><?xml version="1.0" encoding="utf-8"?>
+<p:notes xmlns:a="http://schemas.openxmlformats.org/drawingml/2006/main" xmlns:r="http://schemas.openxmlformats.org/officeDocument/2006/relationships" xmlns:p="http://schemas.openxmlformats.org/presentationml/2006/main" showMasterSp="0" showMasterPhAnim="0">
+  <p:cSld>
+    <p:spTree>
+      <p:nvGrpSpPr>
+        <p:cNvPr id="1" name="Shape 94"/>
+        <p:cNvGrpSpPr/>
+        <p:nvPr/>
+      </p:nvGrpSpPr>
+      <p:grpSpPr>
+        <a:xfrm>
+          <a:off x="0" y="0"/>
+          <a:ext cx="0" cy="0"/>
+          <a:chOff x="0" y="0"/>
+          <a:chExt cx="0" cy="0"/>
+        </a:xfrm>
+      </p:grpSpPr>
+      <p:sp>
+        <p:nvSpPr>
+          <p:cNvPr id="95" name="Google Shape;95;g7204e5ea14_0_5:notes"/>
+          <p:cNvSpPr txBox="1">
+            <a:spLocks noGrp="1"/>
+          </p:cNvSpPr>
+          <p:nvPr>
+            <p:ph type="body" idx="1"/>
+          </p:nvPr>
+        </p:nvSpPr>
+        <p:spPr>
+          <a:xfrm>
+            <a:off x="685800" y="4343400"/>
+            <a:ext cx="5486400" cy="4114800"/>
+          </a:xfrm>
+          <a:prstGeom prst="rect">
+            <a:avLst/>
+          </a:prstGeom>
+        </p:spPr>
+        <p:txBody>
+          <a:bodyPr spcFirstLastPara="1" wrap="square" lIns="91425" tIns="91425" rIns="91425" bIns="91425" anchor="t" anchorCtr="0">
+            <a:noAutofit/>
+          </a:bodyPr>
+          <a:lstStyle/>
+          <a:p>
+            <a:pPr marL="0" lvl="0" indent="0" algn="l" rtl="0">
+              <a:spcBef>
+                <a:spcPts val="0"/>
+              </a:spcBef>
+              <a:spcAft>
+                <a:spcPts val="0"/>
+              </a:spcAft>
+              <a:buNone/>
+            </a:pPr>
+            <a:endParaRPr dirty="0"/>
+          </a:p>
+        </p:txBody>
+      </p:sp>
+      <p:sp>
+        <p:nvSpPr>
+          <p:cNvPr id="96" name="Google Shape;96;g7204e5ea14_0_5:notes"/>
+          <p:cNvSpPr>
+            <a:spLocks noGrp="1" noRot="1" noChangeAspect="1"/>
+          </p:cNvSpPr>
+          <p:nvPr>
+            <p:ph type="sldImg" idx="2"/>
+          </p:nvPr>
+        </p:nvSpPr>
+        <p:spPr>
+          <a:xfrm>
+            <a:off x="381000" y="685800"/>
+            <a:ext cx="6096000" cy="3429000"/>
+          </a:xfrm>
+          <a:custGeom>
+            <a:avLst/>
+            <a:gdLst/>
+            <a:ahLst/>
+            <a:cxnLst/>
+            <a:rect l="l" t="t" r="r" b="b"/>
+            <a:pathLst>
+              <a:path w="120000" h="120000" extrusionOk="0">
+                <a:moveTo>
+                  <a:pt x="0" y="0"/>
+                </a:moveTo>
+                <a:lnTo>
+                  <a:pt x="120000" y="0"/>
+                </a:lnTo>
+                <a:lnTo>
+                  <a:pt x="120000" y="120000"/>
+                </a:lnTo>
+                <a:lnTo>
+                  <a:pt x="0" y="120000"/>
+                </a:lnTo>
+                <a:close/>
+              </a:path>
+            </a:pathLst>
+          </a:custGeom>
+        </p:spPr>
+      </p:sp>
+    </p:spTree>
+    <p:extLst>
+      <p:ext uri="{BB962C8B-B14F-4D97-AF65-F5344CB8AC3E}">
+        <p14:creationId xmlns:p14="http://schemas.microsoft.com/office/powerpoint/2010/main" val="3702097250"/>
+      </p:ext>
+    </p:extLst>
+  </p:cSld>
+  <p:clrMapOvr>
+    <a:masterClrMapping/>
+  </p:clrMapOvr>
+</p:notes>
+</file>
+
+<file path=ppt/notesSlides/notesSlide8.xml><?xml version="1.0" encoding="utf-8"?>
 <p:notes xmlns:a="http://schemas.openxmlformats.org/drawingml/2006/main" xmlns:r="http://schemas.openxmlformats.org/officeDocument/2006/relationships" xmlns:p="http://schemas.openxmlformats.org/presentationml/2006/main" showMasterSp="0" showMasterPhAnim="0">
   <p:cSld>
     <p:spTree>
@@ -1346,7 +2781,7 @@
 </p:notes>
 </file>
 
-<file path=ppt/notesSlides/notesSlide7.xml><?xml version="1.0" encoding="utf-8"?>
+<file path=ppt/notesSlides/notesSlide9.xml><?xml version="1.0" encoding="utf-8"?>
 <p:notes xmlns:a="http://schemas.openxmlformats.org/drawingml/2006/main" xmlns:r="http://schemas.openxmlformats.org/officeDocument/2006/relationships" xmlns:p="http://schemas.openxmlformats.org/presentationml/2006/main" showMasterSp="0" showMasterPhAnim="0">
   <p:cSld>
     <p:spTree>
@@ -15546,7 +16981,7 @@
         <p:spPr>
           <a:xfrm>
             <a:off x="611841" y="1176618"/>
-            <a:ext cx="7241241" cy="3590645"/>
+            <a:ext cx="7335371" cy="3765176"/>
           </a:xfrm>
           <a:prstGeom prst="rect">
             <a:avLst/>
@@ -15623,6 +17058,24 @@
             </a:r>
           </a:p>
           <a:p>
+            <a:pPr marL="1657350" lvl="3" indent="-171450" algn="l">
+              <a:spcBef>
+                <a:spcPts val="0"/>
+              </a:spcBef>
+              <a:buClr>
+                <a:srgbClr val="000000"/>
+              </a:buClr>
+              <a:buSzPts val="1800"/>
+              <a:buFont typeface="Arial" panose="020B0604020202020204" pitchFamily="34" charset="0"/>
+              <a:buChar char="•"/>
+            </a:pPr>
+            <a:endParaRPr lang="en-US" sz="1000" dirty="0">
+              <a:solidFill>
+                <a:srgbClr val="000000"/>
+              </a:solidFill>
+            </a:endParaRPr>
+          </a:p>
+          <a:p>
             <a:pPr marL="1200150" lvl="2" indent="-171450" algn="l">
               <a:spcBef>
                 <a:spcPts val="0"/>
@@ -15681,6 +17134,24 @@
             </a:r>
           </a:p>
           <a:p>
+            <a:pPr marL="1657350" lvl="3" indent="-171450" algn="l">
+              <a:spcBef>
+                <a:spcPts val="0"/>
+              </a:spcBef>
+              <a:buClr>
+                <a:srgbClr val="000000"/>
+              </a:buClr>
+              <a:buSzPts val="1800"/>
+              <a:buFont typeface="Arial" panose="020B0604020202020204" pitchFamily="34" charset="0"/>
+              <a:buChar char="•"/>
+            </a:pPr>
+            <a:endParaRPr lang="en-US" sz="1000" dirty="0">
+              <a:solidFill>
+                <a:srgbClr val="000000"/>
+              </a:solidFill>
+            </a:endParaRPr>
+          </a:p>
+          <a:p>
             <a:pPr marL="1200150" lvl="2" indent="-171450" algn="l">
               <a:spcBef>
                 <a:spcPts val="0"/>
@@ -15719,7 +17190,62 @@
                   <a:srgbClr val="000000"/>
                 </a:solidFill>
               </a:rPr>
-              <a:t>Computer performance limitations</a:t>
+              <a:t>Taking the average of all performance across 5 years along with the standard deviate which is used show a consistent rise or fall in stock market health on that day</a:t>
+            </a:r>
+          </a:p>
+          <a:p>
+            <a:pPr marL="1657350" lvl="3" indent="-171450" algn="l">
+              <a:spcBef>
+                <a:spcPts val="0"/>
+              </a:spcBef>
+              <a:buClr>
+                <a:srgbClr val="000000"/>
+              </a:buClr>
+              <a:buSzPts val="1800"/>
+              <a:buFont typeface="Arial" panose="020B0604020202020204" pitchFamily="34" charset="0"/>
+              <a:buChar char="•"/>
+            </a:pPr>
+            <a:endParaRPr lang="en-US" sz="1000" dirty="0">
+              <a:solidFill>
+                <a:srgbClr val="000000"/>
+              </a:solidFill>
+            </a:endParaRPr>
+          </a:p>
+          <a:p>
+            <a:pPr marL="1200150" lvl="2" indent="-171450" algn="l">
+              <a:spcBef>
+                <a:spcPts val="0"/>
+              </a:spcBef>
+              <a:buClr>
+                <a:srgbClr val="000000"/>
+              </a:buClr>
+              <a:buSzPts val="1800"/>
+              <a:buFont typeface="Arial" panose="020B0604020202020204" pitchFamily="34" charset="0"/>
+              <a:buChar char="•"/>
+            </a:pPr>
+            <a:r>
+              <a:rPr lang="en-US" sz="1050" dirty="0">
+                <a:solidFill>
+                  <a:srgbClr val="000000"/>
+                </a:solidFill>
+              </a:rPr>
+              <a:t>I then create a </a:t>
+            </a:r>
+            <a:r>
+              <a:rPr lang="en-US" sz="1050" dirty="0" err="1">
+                <a:solidFill>
+                  <a:srgbClr val="000000"/>
+                </a:solidFill>
+              </a:rPr>
+              <a:t>DataFrame</a:t>
+            </a:r>
+            <a:r>
+              <a:rPr lang="en-US" sz="1050" dirty="0">
+                <a:solidFill>
+                  <a:srgbClr val="000000"/>
+                </a:solidFill>
+              </a:rPr>
+              <a:t> to be a response variable for my later model</a:t>
             </a:r>
           </a:p>
           <a:p>
@@ -15740,64 +17266,11 @@
                   <a:srgbClr val="000000"/>
                 </a:solidFill>
               </a:rPr>
-              <a:t>Taking the average of all performance across 5 years will show a </a:t>
-            </a:r>
-            <a:r>
-              <a:rPr lang="en-US" sz="1000" dirty="0" err="1">
-                <a:solidFill>
-                  <a:srgbClr val="000000"/>
-                </a:solidFill>
-              </a:rPr>
-              <a:t>consistant</a:t>
-            </a:r>
-            <a:r>
-              <a:rPr lang="en-US" sz="1000" dirty="0">
-                <a:solidFill>
-                  <a:srgbClr val="000000"/>
-                </a:solidFill>
-              </a:rPr>
-              <a:t> rise or fall in stock market health</a:t>
+              <a:t>This response variable is a classification of the following stock market day</a:t>
             </a:r>
           </a:p>
           <a:p>
-            <a:pPr marL="1200150" lvl="2" indent="-171450" algn="l">
-              <a:spcBef>
-                <a:spcPts val="0"/>
-              </a:spcBef>
-              <a:buClr>
-                <a:srgbClr val="000000"/>
-              </a:buClr>
-              <a:buSzPts val="1800"/>
-              <a:buFont typeface="Arial" panose="020B0604020202020204" pitchFamily="34" charset="0"/>
-              <a:buChar char="•"/>
-            </a:pPr>
-            <a:r>
-              <a:rPr lang="en-US" sz="1050" dirty="0">
-                <a:solidFill>
-                  <a:srgbClr val="000000"/>
-                </a:solidFill>
-              </a:rPr>
-              <a:t>I then create a </a:t>
-            </a:r>
-            <a:r>
-              <a:rPr lang="en-US" sz="1050" dirty="0" err="1">
-                <a:solidFill>
-                  <a:srgbClr val="000000"/>
-                </a:solidFill>
-              </a:rPr>
-              <a:t>DataFrame</a:t>
-            </a:r>
-            <a:r>
-              <a:rPr lang="en-US" sz="1050" dirty="0">
-                <a:solidFill>
-                  <a:srgbClr val="000000"/>
-                </a:solidFill>
-              </a:rPr>
-              <a:t> to be a response variable for my later model</a:t>
-            </a:r>
-          </a:p>
-          <a:p>
-            <a:pPr marL="1657350" lvl="3" indent="-171450" algn="l">
+            <a:pPr marL="2114550" lvl="4" indent="-171450" algn="l">
               <a:spcBef>
                 <a:spcPts val="0"/>
               </a:spcBef>
@@ -15814,11 +17287,11 @@
                   <a:srgbClr val="000000"/>
                 </a:solidFill>
               </a:rPr>
-              <a:t>This response variable is a classification of the following stock market day</a:t>
+              <a:t>Buy, Pass, Sell</a:t>
             </a:r>
           </a:p>
           <a:p>
-            <a:pPr marL="2114550" lvl="4" indent="-171450" algn="l">
+            <a:pPr marL="1657350" lvl="3" indent="-171450" algn="l">
               <a:spcBef>
                 <a:spcPts val="0"/>
               </a:spcBef>
@@ -15835,7 +17308,7 @@
                   <a:srgbClr val="000000"/>
                 </a:solidFill>
               </a:rPr>
-              <a:t>Buy, Pass, Sell</a:t>
+              <a:t>This is done by taking the mean and standard deviation for, open, high, low, close information for the S&amp;P 500 over the last 5 years</a:t>
             </a:r>
           </a:p>
           <a:p>
@@ -15856,7 +17329,7 @@
                   <a:srgbClr val="000000"/>
                 </a:solidFill>
               </a:rPr>
-              <a:t>This is done by taking the mean, open, high, low, close information for the S&amp;P 500 over the last 5 years</a:t>
+              <a:t>So If the current days mean, open, high, low, close are all higher than the mean + ½ standard deviation then next day will be a predicated sell day</a:t>
             </a:r>
           </a:p>
           <a:p>
@@ -15871,56 +17344,11 @@
               <a:buFont typeface="Arial" panose="020B0604020202020204" pitchFamily="34" charset="0"/>
               <a:buChar char="•"/>
             </a:pPr>
-            <a:r>
-              <a:rPr lang="en-US" sz="1000" dirty="0">
-                <a:solidFill>
-                  <a:srgbClr val="000000"/>
-                </a:solidFill>
-              </a:rPr>
-              <a:t>If the current days mean, open, high, low, close are all higher than the next day will be predicated sell day</a:t>
-            </a:r>
-          </a:p>
-          <a:p>
-            <a:pPr marL="1657350" lvl="3" indent="-171450" algn="l">
-              <a:spcBef>
-                <a:spcPts val="0"/>
-              </a:spcBef>
-              <a:buClr>
+            <a:endParaRPr lang="en-US" sz="1000" dirty="0">
+              <a:solidFill>
                 <a:srgbClr val="000000"/>
-              </a:buClr>
-              <a:buSzPts val="1800"/>
-              <a:buFont typeface="Arial" panose="020B0604020202020204" pitchFamily="34" charset="0"/>
-              <a:buChar char="•"/>
-            </a:pPr>
-            <a:r>
-              <a:rPr lang="en-US" sz="1000" dirty="0">
-                <a:solidFill>
-                  <a:srgbClr val="000000"/>
-                </a:solidFill>
-              </a:rPr>
-              <a:t>If it is lower in all features it is a predicated buy day</a:t>
-            </a:r>
-          </a:p>
-          <a:p>
-            <a:pPr marL="1657350" lvl="3" indent="-171450" algn="l">
-              <a:spcBef>
-                <a:spcPts val="0"/>
-              </a:spcBef>
-              <a:buClr>
-                <a:srgbClr val="000000"/>
-              </a:buClr>
-              <a:buSzPts val="1800"/>
-              <a:buFont typeface="Arial" panose="020B0604020202020204" pitchFamily="34" charset="0"/>
-              <a:buChar char="•"/>
-            </a:pPr>
-            <a:r>
-              <a:rPr lang="en-US" sz="1000" dirty="0">
-                <a:solidFill>
-                  <a:srgbClr val="000000"/>
-                </a:solidFill>
-              </a:rPr>
-              <a:t>Otherwise it is a predicated pass day </a:t>
-            </a:r>
+              </a:solidFill>
+            </a:endParaRPr>
           </a:p>
           <a:p>
             <a:pPr marL="1200150" lvl="2" indent="-171450" algn="l">
@@ -16162,26 +17590,7 @@
           </a:bodyPr>
           <a:lstStyle/>
           <a:p>
-            <a:pPr marL="1028700" lvl="2" indent="0" algn="l">
-              <a:spcBef>
-                <a:spcPts val="0"/>
-              </a:spcBef>
-              <a:buClr>
-                <a:srgbClr val="000000"/>
-              </a:buClr>
-              <a:buSzPts val="1800"/>
-            </a:pPr>
-            <a:r>
-              <a:rPr lang="en-US" sz="2000" dirty="0">
-                <a:solidFill>
-                  <a:srgbClr val="000000"/>
-                </a:solidFill>
-              </a:rPr>
-              <a:t>Logistical Regression</a:t>
-            </a:r>
-          </a:p>
-          <a:p>
-            <a:pPr lvl="2" indent="-342900" algn="l">
+            <a:pPr marL="1200150" lvl="2" indent="-171450" algn="l">
               <a:spcBef>
                 <a:spcPts val="0"/>
               </a:spcBef>
@@ -16192,68 +17601,7 @@
               <a:buFont typeface="Arial" panose="020B0604020202020204" pitchFamily="34" charset="0"/>
               <a:buChar char="•"/>
             </a:pPr>
-            <a:r>
-              <a:rPr lang="en-US" sz="2000" dirty="0">
-                <a:solidFill>
-                  <a:srgbClr val="000000"/>
-                </a:solidFill>
-              </a:rPr>
-              <a:t>A simple multi class logistical Regression is used</a:t>
-            </a:r>
-          </a:p>
-          <a:p>
-            <a:pPr lvl="3" indent="-342900" algn="l">
-              <a:spcBef>
-                <a:spcPts val="0"/>
-              </a:spcBef>
-              <a:buClr>
-                <a:srgbClr val="000000"/>
-              </a:buClr>
-              <a:buSzPts val="1800"/>
-              <a:buFont typeface="Arial" panose="020B0604020202020204" pitchFamily="34" charset="0"/>
-              <a:buChar char="•"/>
-            </a:pPr>
-            <a:r>
-              <a:rPr lang="en-US" sz="1600" dirty="0">
-                <a:solidFill>
-                  <a:srgbClr val="000000"/>
-                </a:solidFill>
-              </a:rPr>
-              <a:t>Predictors being the open, high, low, close mean value data from the previous days historical report</a:t>
-            </a:r>
-          </a:p>
-          <a:p>
-            <a:pPr lvl="3" indent="-342900" algn="l">
-              <a:spcBef>
-                <a:spcPts val="0"/>
-              </a:spcBef>
-              <a:buClr>
-                <a:srgbClr val="000000"/>
-              </a:buClr>
-              <a:buSzPts val="1800"/>
-              <a:buFont typeface="Arial" panose="020B0604020202020204" pitchFamily="34" charset="0"/>
-              <a:buChar char="•"/>
-            </a:pPr>
-            <a:r>
-              <a:rPr lang="en-US" sz="1600" dirty="0">
-                <a:solidFill>
-                  <a:srgbClr val="000000"/>
-                </a:solidFill>
-              </a:rPr>
-              <a:t>The Response is a classification for Buy, Pass, or Sell</a:t>
-            </a:r>
-          </a:p>
-          <a:p>
-            <a:pPr marL="1028700" lvl="2" indent="0" algn="l">
-              <a:spcBef>
-                <a:spcPts val="0"/>
-              </a:spcBef>
-              <a:buClr>
-                <a:srgbClr val="000000"/>
-              </a:buClr>
-              <a:buSzPts val="1800"/>
-            </a:pPr>
-            <a:endParaRPr lang="en-US" sz="2000" dirty="0">
+            <a:endParaRPr lang="en-US" sz="1400" dirty="0">
               <a:solidFill>
                 <a:srgbClr val="000000"/>
               </a:solidFill>
@@ -16269,63 +17617,7 @@
               </a:buClr>
               <a:buSzPts val="1800"/>
             </a:pPr>
-            <a:r>
-              <a:rPr lang="en-US" sz="2000" dirty="0">
-                <a:solidFill>
-                  <a:srgbClr val="000000"/>
-                </a:solidFill>
-              </a:rPr>
-              <a:t>Visualization</a:t>
-            </a:r>
-          </a:p>
-          <a:p>
-            <a:pPr lvl="2" indent="-342900" algn="l">
-              <a:spcBef>
-                <a:spcPts val="0"/>
-              </a:spcBef>
-              <a:buClr>
-                <a:srgbClr val="000000"/>
-              </a:buClr>
-              <a:buSzPts val="1800"/>
-              <a:buFont typeface="Arial" panose="020B0604020202020204" pitchFamily="34" charset="0"/>
-              <a:buChar char="•"/>
-            </a:pPr>
-            <a:r>
-              <a:rPr lang="en-US" sz="2000" dirty="0">
-                <a:solidFill>
-                  <a:srgbClr val="000000"/>
-                </a:solidFill>
-              </a:rPr>
-              <a:t>A confusion matrix is then made and utilized with a  Seaborn Heatmap for data visualization</a:t>
-            </a:r>
-          </a:p>
-          <a:p>
-            <a:pPr marL="1028700" lvl="2" indent="0" algn="l">
-              <a:spcBef>
-                <a:spcPts val="0"/>
-              </a:spcBef>
-              <a:buClr>
-                <a:srgbClr val="000000"/>
-              </a:buClr>
-              <a:buSzPts val="1800"/>
-            </a:pPr>
-            <a:endParaRPr lang="en-US" sz="2000" dirty="0">
-              <a:solidFill>
-                <a:srgbClr val="000000"/>
-              </a:solidFill>
-            </a:endParaRPr>
-          </a:p>
-          <a:p>
-            <a:pPr marL="1028700" lvl="2" indent="0" algn="l">
-              <a:spcBef>
-                <a:spcPts val="0"/>
-              </a:spcBef>
-              <a:buClr>
-                <a:srgbClr val="000000"/>
-              </a:buClr>
-              <a:buSzPts val="1800"/>
-            </a:pPr>
-            <a:endParaRPr sz="1000" dirty="0">
+            <a:endParaRPr lang="en-US" sz="1000" dirty="0">
               <a:solidFill>
                 <a:srgbClr val="000000"/>
               </a:solidFill>
@@ -16430,10 +17722,2552 @@
           </a:p>
         </p:txBody>
       </p:sp>
+      <p:pic>
+        <p:nvPicPr>
+          <p:cNvPr id="3" name="Picture 2" descr="A close up of a lamp&#10;&#10;Description automatically generated">
+            <a:extLst>
+              <a:ext uri="{FF2B5EF4-FFF2-40B4-BE49-F238E27FC236}">
+                <a16:creationId xmlns:a16="http://schemas.microsoft.com/office/drawing/2014/main" id="{CC814A5E-1C85-4A9A-B45C-ABC5B86EF2BC}"/>
+              </a:ext>
+            </a:extLst>
+          </p:cNvPr>
+          <p:cNvPicPr>
+            <a:picLocks noChangeAspect="1"/>
+          </p:cNvPicPr>
+          <p:nvPr/>
+        </p:nvPicPr>
+        <p:blipFill>
+          <a:blip r:embed="rId4"/>
+          <a:stretch>
+            <a:fillRect/>
+          </a:stretch>
+        </p:blipFill>
+        <p:spPr>
+          <a:xfrm>
+            <a:off x="1895475" y="1147762"/>
+            <a:ext cx="5353050" cy="2847975"/>
+          </a:xfrm>
+          <a:prstGeom prst="rect">
+            <a:avLst/>
+          </a:prstGeom>
+        </p:spPr>
+      </p:pic>
+      <p:sp>
+        <p:nvSpPr>
+          <p:cNvPr id="4" name="TextBox 3">
+            <a:extLst>
+              <a:ext uri="{FF2B5EF4-FFF2-40B4-BE49-F238E27FC236}">
+                <a16:creationId xmlns:a16="http://schemas.microsoft.com/office/drawing/2014/main" id="{83983F48-86C2-4E47-AFC0-2A2BF1A1463B}"/>
+              </a:ext>
+            </a:extLst>
+          </p:cNvPr>
+          <p:cNvSpPr txBox="1"/>
+          <p:nvPr/>
+        </p:nvSpPr>
+        <p:spPr>
+          <a:xfrm>
+            <a:off x="3058926" y="3210485"/>
+            <a:ext cx="826994" cy="307777"/>
+          </a:xfrm>
+          <a:prstGeom prst="rect">
+            <a:avLst/>
+          </a:prstGeom>
+          <a:noFill/>
+        </p:spPr>
+        <p:txBody>
+          <a:bodyPr wrap="square" rtlCol="0">
+            <a:spAutoFit/>
+          </a:bodyPr>
+          <a:lstStyle/>
+          <a:p>
+            <a:r>
+              <a:rPr lang="en-US" dirty="0"/>
+              <a:t>Sell</a:t>
+            </a:r>
+          </a:p>
+        </p:txBody>
+      </p:sp>
+      <p:sp>
+        <p:nvSpPr>
+          <p:cNvPr id="6" name="TextBox 5">
+            <a:extLst>
+              <a:ext uri="{FF2B5EF4-FFF2-40B4-BE49-F238E27FC236}">
+                <a16:creationId xmlns:a16="http://schemas.microsoft.com/office/drawing/2014/main" id="{C0865FA6-71D9-4397-B76A-C80C670A90D9}"/>
+              </a:ext>
+            </a:extLst>
+          </p:cNvPr>
+          <p:cNvSpPr txBox="1"/>
+          <p:nvPr/>
+        </p:nvSpPr>
+        <p:spPr>
+          <a:xfrm>
+            <a:off x="4010585" y="3210484"/>
+            <a:ext cx="658906" cy="307777"/>
+          </a:xfrm>
+          <a:prstGeom prst="rect">
+            <a:avLst/>
+          </a:prstGeom>
+          <a:noFill/>
+        </p:spPr>
+        <p:txBody>
+          <a:bodyPr wrap="square" rtlCol="0">
+            <a:spAutoFit/>
+          </a:bodyPr>
+          <a:lstStyle/>
+          <a:p>
+            <a:r>
+              <a:rPr lang="en-US" dirty="0"/>
+              <a:t>Pass</a:t>
+            </a:r>
+          </a:p>
+        </p:txBody>
+      </p:sp>
+      <p:sp>
+        <p:nvSpPr>
+          <p:cNvPr id="7" name="TextBox 6">
+            <a:extLst>
+              <a:ext uri="{FF2B5EF4-FFF2-40B4-BE49-F238E27FC236}">
+                <a16:creationId xmlns:a16="http://schemas.microsoft.com/office/drawing/2014/main" id="{9CAE8C84-E3BA-4597-BCCD-53AC2AC38E78}"/>
+              </a:ext>
+            </a:extLst>
+          </p:cNvPr>
+          <p:cNvSpPr txBox="1"/>
+          <p:nvPr/>
+        </p:nvSpPr>
+        <p:spPr>
+          <a:xfrm>
+            <a:off x="5049371" y="3210485"/>
+            <a:ext cx="632012" cy="307777"/>
+          </a:xfrm>
+          <a:prstGeom prst="rect">
+            <a:avLst/>
+          </a:prstGeom>
+          <a:noFill/>
+        </p:spPr>
+        <p:txBody>
+          <a:bodyPr wrap="square" rtlCol="0">
+            <a:spAutoFit/>
+          </a:bodyPr>
+          <a:lstStyle/>
+          <a:p>
+            <a:r>
+              <a:rPr lang="en-US" dirty="0"/>
+              <a:t>Buy</a:t>
+            </a:r>
+          </a:p>
+        </p:txBody>
+      </p:sp>
+      <mc:AlternateContent xmlns:mc="http://schemas.openxmlformats.org/markup-compatibility/2006" xmlns:p14="http://schemas.microsoft.com/office/powerpoint/2010/main">
+        <mc:Choice Requires="p14">
+          <p:contentPart p14:bwMode="auto" r:id="rId5">
+            <p14:nvContentPartPr>
+              <p14:cNvPr id="126" name="Ink 125">
+                <a:extLst>
+                  <a:ext uri="{FF2B5EF4-FFF2-40B4-BE49-F238E27FC236}">
+                    <a16:creationId xmlns:a16="http://schemas.microsoft.com/office/drawing/2014/main" id="{C1469113-1620-4F05-9A13-95ED2E2EBF5F}"/>
+                  </a:ext>
+                </a:extLst>
+              </p14:cNvPr>
+              <p14:cNvContentPartPr/>
+              <p14:nvPr/>
+            </p14:nvContentPartPr>
+            <p14:xfrm>
+              <a:off x="3883860" y="1936726"/>
+              <a:ext cx="76680" cy="1647000"/>
+            </p14:xfrm>
+          </p:contentPart>
+        </mc:Choice>
+        <mc:Fallback xmlns="">
+          <p:pic>
+            <p:nvPicPr>
+              <p:cNvPr id="126" name="Ink 125">
+                <a:extLst>
+                  <a:ext uri="{FF2B5EF4-FFF2-40B4-BE49-F238E27FC236}">
+                    <a16:creationId xmlns:a16="http://schemas.microsoft.com/office/drawing/2014/main" id="{C1469113-1620-4F05-9A13-95ED2E2EBF5F}"/>
+                  </a:ext>
+                </a:extLst>
+              </p:cNvPr>
+              <p:cNvPicPr/>
+              <p:nvPr/>
+            </p:nvPicPr>
+            <p:blipFill>
+              <a:blip r:embed="rId6"/>
+              <a:stretch>
+                <a:fillRect/>
+              </a:stretch>
+            </p:blipFill>
+            <p:spPr>
+              <a:xfrm>
+                <a:off x="3874860" y="1928086"/>
+                <a:ext cx="94320" cy="1664640"/>
+              </a:xfrm>
+              <a:prstGeom prst="rect">
+                <a:avLst/>
+              </a:prstGeom>
+            </p:spPr>
+          </p:pic>
+        </mc:Fallback>
+      </mc:AlternateContent>
+      <mc:AlternateContent xmlns:mc="http://schemas.openxmlformats.org/markup-compatibility/2006" xmlns:p14="http://schemas.microsoft.com/office/powerpoint/2010/main">
+        <mc:Choice Requires="p14">
+          <p:contentPart p14:bwMode="auto" r:id="rId7">
+            <p14:nvContentPartPr>
+              <p14:cNvPr id="127" name="Ink 126">
+                <a:extLst>
+                  <a:ext uri="{FF2B5EF4-FFF2-40B4-BE49-F238E27FC236}">
+                    <a16:creationId xmlns:a16="http://schemas.microsoft.com/office/drawing/2014/main" id="{A962C31E-59BD-4A95-B94F-201C56225212}"/>
+                  </a:ext>
+                </a:extLst>
+              </p14:cNvPr>
+              <p14:cNvContentPartPr/>
+              <p14:nvPr/>
+            </p14:nvContentPartPr>
+            <p14:xfrm>
+              <a:off x="4712580" y="1889926"/>
+              <a:ext cx="35280" cy="1713960"/>
+            </p14:xfrm>
+          </p:contentPart>
+        </mc:Choice>
+        <mc:Fallback xmlns="">
+          <p:pic>
+            <p:nvPicPr>
+              <p:cNvPr id="127" name="Ink 126">
+                <a:extLst>
+                  <a:ext uri="{FF2B5EF4-FFF2-40B4-BE49-F238E27FC236}">
+                    <a16:creationId xmlns:a16="http://schemas.microsoft.com/office/drawing/2014/main" id="{A962C31E-59BD-4A95-B94F-201C56225212}"/>
+                  </a:ext>
+                </a:extLst>
+              </p:cNvPr>
+              <p:cNvPicPr/>
+              <p:nvPr/>
+            </p:nvPicPr>
+            <p:blipFill>
+              <a:blip r:embed="rId8"/>
+              <a:stretch>
+                <a:fillRect/>
+              </a:stretch>
+            </p:blipFill>
+            <p:spPr>
+              <a:xfrm>
+                <a:off x="4703940" y="1881286"/>
+                <a:ext cx="52920" cy="1731600"/>
+              </a:xfrm>
+              <a:prstGeom prst="rect">
+                <a:avLst/>
+              </a:prstGeom>
+            </p:spPr>
+          </p:pic>
+        </mc:Fallback>
+      </mc:AlternateContent>
+      <p:grpSp>
+        <p:nvGrpSpPr>
+          <p:cNvPr id="151" name="Group 150">
+            <a:extLst>
+              <a:ext uri="{FF2B5EF4-FFF2-40B4-BE49-F238E27FC236}">
+                <a16:creationId xmlns:a16="http://schemas.microsoft.com/office/drawing/2014/main" id="{1A67C344-0223-4C1D-9C9D-C496D97F08E5}"/>
+              </a:ext>
+            </a:extLst>
+          </p:cNvPr>
+          <p:cNvGrpSpPr/>
+          <p:nvPr/>
+        </p:nvGrpSpPr>
+        <p:grpSpPr>
+          <a:xfrm>
+            <a:off x="2796300" y="2191606"/>
+            <a:ext cx="1119600" cy="1392120"/>
+            <a:chOff x="2796300" y="2191606"/>
+            <a:chExt cx="1119600" cy="1392120"/>
+          </a:xfrm>
+        </p:grpSpPr>
+        <mc:AlternateContent xmlns:mc="http://schemas.openxmlformats.org/markup-compatibility/2006" xmlns:p14="http://schemas.microsoft.com/office/powerpoint/2010/main">
+          <mc:Choice Requires="p14">
+            <p:contentPart p14:bwMode="auto" r:id="rId9">
+              <p14:nvContentPartPr>
+                <p14:cNvPr id="18" name="Ink 17">
+                  <a:extLst>
+                    <a:ext uri="{FF2B5EF4-FFF2-40B4-BE49-F238E27FC236}">
+                      <a16:creationId xmlns:a16="http://schemas.microsoft.com/office/drawing/2014/main" id="{6995AA24-987A-4D02-91DD-3447B3CCB634}"/>
+                    </a:ext>
+                  </a:extLst>
+                </p14:cNvPr>
+                <p14:cNvContentPartPr/>
+                <p14:nvPr/>
+              </p14:nvContentPartPr>
+              <p14:xfrm>
+                <a:off x="2796300" y="3469606"/>
+                <a:ext cx="135360" cy="107280"/>
+              </p14:xfrm>
+            </p:contentPart>
+          </mc:Choice>
+          <mc:Fallback xmlns="">
+            <p:pic>
+              <p:nvPicPr>
+                <p:cNvPr id="18" name="Ink 17">
+                  <a:extLst>
+                    <a:ext uri="{FF2B5EF4-FFF2-40B4-BE49-F238E27FC236}">
+                      <a16:creationId xmlns:a16="http://schemas.microsoft.com/office/drawing/2014/main" id="{6995AA24-987A-4D02-91DD-3447B3CCB634}"/>
+                    </a:ext>
+                  </a:extLst>
+                </p:cNvPr>
+                <p:cNvPicPr/>
+                <p:nvPr/>
+              </p:nvPicPr>
+              <p:blipFill>
+                <a:blip r:embed="rId10"/>
+                <a:stretch>
+                  <a:fillRect/>
+                </a:stretch>
+              </p:blipFill>
+              <p:spPr>
+                <a:xfrm>
+                  <a:off x="2787660" y="3460606"/>
+                  <a:ext cx="153000" cy="124920"/>
+                </a:xfrm>
+                <a:prstGeom prst="rect">
+                  <a:avLst/>
+                </a:prstGeom>
+              </p:spPr>
+            </p:pic>
+          </mc:Fallback>
+        </mc:AlternateContent>
+        <mc:AlternateContent xmlns:mc="http://schemas.openxmlformats.org/markup-compatibility/2006" xmlns:p14="http://schemas.microsoft.com/office/powerpoint/2010/main">
+          <mc:Choice Requires="p14">
+            <p:contentPart p14:bwMode="auto" r:id="rId11">
+              <p14:nvContentPartPr>
+                <p14:cNvPr id="19" name="Ink 18">
+                  <a:extLst>
+                    <a:ext uri="{FF2B5EF4-FFF2-40B4-BE49-F238E27FC236}">
+                      <a16:creationId xmlns:a16="http://schemas.microsoft.com/office/drawing/2014/main" id="{61CA280A-CE5A-4D7F-9601-AFA3DA238B7C}"/>
+                    </a:ext>
+                  </a:extLst>
+                </p14:cNvPr>
+                <p14:cNvContentPartPr/>
+                <p14:nvPr/>
+              </p14:nvContentPartPr>
+              <p14:xfrm>
+                <a:off x="2956140" y="3431086"/>
+                <a:ext cx="237600" cy="152640"/>
+              </p14:xfrm>
+            </p:contentPart>
+          </mc:Choice>
+          <mc:Fallback xmlns="">
+            <p:pic>
+              <p:nvPicPr>
+                <p:cNvPr id="19" name="Ink 18">
+                  <a:extLst>
+                    <a:ext uri="{FF2B5EF4-FFF2-40B4-BE49-F238E27FC236}">
+                      <a16:creationId xmlns:a16="http://schemas.microsoft.com/office/drawing/2014/main" id="{61CA280A-CE5A-4D7F-9601-AFA3DA238B7C}"/>
+                    </a:ext>
+                  </a:extLst>
+                </p:cNvPr>
+                <p:cNvPicPr/>
+                <p:nvPr/>
+              </p:nvPicPr>
+              <p:blipFill>
+                <a:blip r:embed="rId12"/>
+                <a:stretch>
+                  <a:fillRect/>
+                </a:stretch>
+              </p:blipFill>
+              <p:spPr>
+                <a:xfrm>
+                  <a:off x="2947500" y="3422446"/>
+                  <a:ext cx="255240" cy="170280"/>
+                </a:xfrm>
+                <a:prstGeom prst="rect">
+                  <a:avLst/>
+                </a:prstGeom>
+              </p:spPr>
+            </p:pic>
+          </mc:Fallback>
+        </mc:AlternateContent>
+        <mc:AlternateContent xmlns:mc="http://schemas.openxmlformats.org/markup-compatibility/2006" xmlns:p14="http://schemas.microsoft.com/office/powerpoint/2010/main">
+          <mc:Choice Requires="p14">
+            <p:contentPart p14:bwMode="auto" r:id="rId13">
+              <p14:nvContentPartPr>
+                <p14:cNvPr id="20" name="Ink 19">
+                  <a:extLst>
+                    <a:ext uri="{FF2B5EF4-FFF2-40B4-BE49-F238E27FC236}">
+                      <a16:creationId xmlns:a16="http://schemas.microsoft.com/office/drawing/2014/main" id="{99BDFAAF-87B7-454A-97AF-36D39EA8CF05}"/>
+                    </a:ext>
+                  </a:extLst>
+                </p14:cNvPr>
+                <p14:cNvContentPartPr/>
+                <p14:nvPr/>
+              </p14:nvContentPartPr>
+              <p14:xfrm>
+                <a:off x="3285540" y="3437566"/>
+                <a:ext cx="123480" cy="146160"/>
+              </p14:xfrm>
+            </p:contentPart>
+          </mc:Choice>
+          <mc:Fallback xmlns="">
+            <p:pic>
+              <p:nvPicPr>
+                <p:cNvPr id="20" name="Ink 19">
+                  <a:extLst>
+                    <a:ext uri="{FF2B5EF4-FFF2-40B4-BE49-F238E27FC236}">
+                      <a16:creationId xmlns:a16="http://schemas.microsoft.com/office/drawing/2014/main" id="{99BDFAAF-87B7-454A-97AF-36D39EA8CF05}"/>
+                    </a:ext>
+                  </a:extLst>
+                </p:cNvPr>
+                <p:cNvPicPr/>
+                <p:nvPr/>
+              </p:nvPicPr>
+              <p:blipFill>
+                <a:blip r:embed="rId14"/>
+                <a:stretch>
+                  <a:fillRect/>
+                </a:stretch>
+              </p:blipFill>
+              <p:spPr>
+                <a:xfrm>
+                  <a:off x="3276540" y="3428566"/>
+                  <a:ext cx="141120" cy="163800"/>
+                </a:xfrm>
+                <a:prstGeom prst="rect">
+                  <a:avLst/>
+                </a:prstGeom>
+              </p:spPr>
+            </p:pic>
+          </mc:Fallback>
+        </mc:AlternateContent>
+        <mc:AlternateContent xmlns:mc="http://schemas.openxmlformats.org/markup-compatibility/2006" xmlns:p14="http://schemas.microsoft.com/office/powerpoint/2010/main">
+          <mc:Choice Requires="p14">
+            <p:contentPart p14:bwMode="auto" r:id="rId15">
+              <p14:nvContentPartPr>
+                <p14:cNvPr id="22" name="Ink 21">
+                  <a:extLst>
+                    <a:ext uri="{FF2B5EF4-FFF2-40B4-BE49-F238E27FC236}">
+                      <a16:creationId xmlns:a16="http://schemas.microsoft.com/office/drawing/2014/main" id="{D2605D0B-B345-4D14-8156-F9E8A3E89F70}"/>
+                    </a:ext>
+                  </a:extLst>
+                </p14:cNvPr>
+                <p14:cNvContentPartPr/>
+                <p14:nvPr/>
+              </p14:nvContentPartPr>
+              <p14:xfrm>
+                <a:off x="3472380" y="3378886"/>
+                <a:ext cx="124560" cy="164520"/>
+              </p14:xfrm>
+            </p:contentPart>
+          </mc:Choice>
+          <mc:Fallback xmlns="">
+            <p:pic>
+              <p:nvPicPr>
+                <p:cNvPr id="22" name="Ink 21">
+                  <a:extLst>
+                    <a:ext uri="{FF2B5EF4-FFF2-40B4-BE49-F238E27FC236}">
+                      <a16:creationId xmlns:a16="http://schemas.microsoft.com/office/drawing/2014/main" id="{D2605D0B-B345-4D14-8156-F9E8A3E89F70}"/>
+                    </a:ext>
+                  </a:extLst>
+                </p:cNvPr>
+                <p:cNvPicPr/>
+                <p:nvPr/>
+              </p:nvPicPr>
+              <p:blipFill>
+                <a:blip r:embed="rId16"/>
+                <a:stretch>
+                  <a:fillRect/>
+                </a:stretch>
+              </p:blipFill>
+              <p:spPr>
+                <a:xfrm>
+                  <a:off x="3463740" y="3369886"/>
+                  <a:ext cx="142200" cy="182160"/>
+                </a:xfrm>
+                <a:prstGeom prst="rect">
+                  <a:avLst/>
+                </a:prstGeom>
+              </p:spPr>
+            </p:pic>
+          </mc:Fallback>
+        </mc:AlternateContent>
+        <mc:AlternateContent xmlns:mc="http://schemas.openxmlformats.org/markup-compatibility/2006" xmlns:p14="http://schemas.microsoft.com/office/powerpoint/2010/main">
+          <mc:Choice Requires="p14">
+            <p:contentPart p14:bwMode="auto" r:id="rId17">
+              <p14:nvContentPartPr>
+                <p14:cNvPr id="21" name="Ink 20">
+                  <a:extLst>
+                    <a:ext uri="{FF2B5EF4-FFF2-40B4-BE49-F238E27FC236}">
+                      <a16:creationId xmlns:a16="http://schemas.microsoft.com/office/drawing/2014/main" id="{F3E87D97-D4D2-4836-AF48-09AA1C44FC40}"/>
+                    </a:ext>
+                  </a:extLst>
+                </p14:cNvPr>
+                <p14:cNvContentPartPr/>
+                <p14:nvPr/>
+              </p14:nvContentPartPr>
+              <p14:xfrm>
+                <a:off x="3164220" y="3223006"/>
+                <a:ext cx="96840" cy="44640"/>
+              </p14:xfrm>
+            </p:contentPart>
+          </mc:Choice>
+          <mc:Fallback xmlns="">
+            <p:pic>
+              <p:nvPicPr>
+                <p:cNvPr id="21" name="Ink 20">
+                  <a:extLst>
+                    <a:ext uri="{FF2B5EF4-FFF2-40B4-BE49-F238E27FC236}">
+                      <a16:creationId xmlns:a16="http://schemas.microsoft.com/office/drawing/2014/main" id="{F3E87D97-D4D2-4836-AF48-09AA1C44FC40}"/>
+                    </a:ext>
+                  </a:extLst>
+                </p:cNvPr>
+                <p:cNvPicPr/>
+                <p:nvPr/>
+              </p:nvPicPr>
+              <p:blipFill>
+                <a:blip r:embed="rId18"/>
+                <a:stretch>
+                  <a:fillRect/>
+                </a:stretch>
+              </p:blipFill>
+              <p:spPr>
+                <a:xfrm>
+                  <a:off x="3155580" y="3214366"/>
+                  <a:ext cx="114480" cy="62280"/>
+                </a:xfrm>
+                <a:prstGeom prst="rect">
+                  <a:avLst/>
+                </a:prstGeom>
+              </p:spPr>
+            </p:pic>
+          </mc:Fallback>
+        </mc:AlternateContent>
+        <mc:AlternateContent xmlns:mc="http://schemas.openxmlformats.org/markup-compatibility/2006" xmlns:p14="http://schemas.microsoft.com/office/powerpoint/2010/main">
+          <mc:Choice Requires="p14">
+            <p:contentPart p14:bwMode="auto" r:id="rId19">
+              <p14:nvContentPartPr>
+                <p14:cNvPr id="23" name="Ink 22">
+                  <a:extLst>
+                    <a:ext uri="{FF2B5EF4-FFF2-40B4-BE49-F238E27FC236}">
+                      <a16:creationId xmlns:a16="http://schemas.microsoft.com/office/drawing/2014/main" id="{90ADB8AB-0086-46AF-A978-FC76157E05FC}"/>
+                    </a:ext>
+                  </a:extLst>
+                </p14:cNvPr>
+                <p14:cNvContentPartPr/>
+                <p14:nvPr/>
+              </p14:nvContentPartPr>
+              <p14:xfrm>
+                <a:off x="3312540" y="3128686"/>
+                <a:ext cx="69480" cy="132120"/>
+              </p14:xfrm>
+            </p:contentPart>
+          </mc:Choice>
+          <mc:Fallback xmlns="">
+            <p:pic>
+              <p:nvPicPr>
+                <p:cNvPr id="23" name="Ink 22">
+                  <a:extLst>
+                    <a:ext uri="{FF2B5EF4-FFF2-40B4-BE49-F238E27FC236}">
+                      <a16:creationId xmlns:a16="http://schemas.microsoft.com/office/drawing/2014/main" id="{90ADB8AB-0086-46AF-A978-FC76157E05FC}"/>
+                    </a:ext>
+                  </a:extLst>
+                </p:cNvPr>
+                <p:cNvPicPr/>
+                <p:nvPr/>
+              </p:nvPicPr>
+              <p:blipFill>
+                <a:blip r:embed="rId20"/>
+                <a:stretch>
+                  <a:fillRect/>
+                </a:stretch>
+              </p:blipFill>
+              <p:spPr>
+                <a:xfrm>
+                  <a:off x="3303540" y="3120046"/>
+                  <a:ext cx="87120" cy="149760"/>
+                </a:xfrm>
+                <a:prstGeom prst="rect">
+                  <a:avLst/>
+                </a:prstGeom>
+              </p:spPr>
+            </p:pic>
+          </mc:Fallback>
+        </mc:AlternateContent>
+        <mc:AlternateContent xmlns:mc="http://schemas.openxmlformats.org/markup-compatibility/2006" xmlns:p14="http://schemas.microsoft.com/office/powerpoint/2010/main">
+          <mc:Choice Requires="p14">
+            <p:contentPart p14:bwMode="auto" r:id="rId21">
+              <p14:nvContentPartPr>
+                <p14:cNvPr id="26" name="Ink 25">
+                  <a:extLst>
+                    <a:ext uri="{FF2B5EF4-FFF2-40B4-BE49-F238E27FC236}">
+                      <a16:creationId xmlns:a16="http://schemas.microsoft.com/office/drawing/2014/main" id="{4B950554-7375-4894-B872-CAF7E64B570C}"/>
+                    </a:ext>
+                  </a:extLst>
+                </p14:cNvPr>
+                <p14:cNvContentPartPr/>
+                <p14:nvPr/>
+              </p14:nvContentPartPr>
+              <p14:xfrm>
+                <a:off x="3363660" y="2942926"/>
+                <a:ext cx="300600" cy="499680"/>
+              </p14:xfrm>
+            </p:contentPart>
+          </mc:Choice>
+          <mc:Fallback xmlns="">
+            <p:pic>
+              <p:nvPicPr>
+                <p:cNvPr id="26" name="Ink 25">
+                  <a:extLst>
+                    <a:ext uri="{FF2B5EF4-FFF2-40B4-BE49-F238E27FC236}">
+                      <a16:creationId xmlns:a16="http://schemas.microsoft.com/office/drawing/2014/main" id="{4B950554-7375-4894-B872-CAF7E64B570C}"/>
+                    </a:ext>
+                  </a:extLst>
+                </p:cNvPr>
+                <p:cNvPicPr/>
+                <p:nvPr/>
+              </p:nvPicPr>
+              <p:blipFill>
+                <a:blip r:embed="rId22"/>
+                <a:stretch>
+                  <a:fillRect/>
+                </a:stretch>
+              </p:blipFill>
+              <p:spPr>
+                <a:xfrm>
+                  <a:off x="3355020" y="2934286"/>
+                  <a:ext cx="318240" cy="517320"/>
+                </a:xfrm>
+                <a:prstGeom prst="rect">
+                  <a:avLst/>
+                </a:prstGeom>
+              </p:spPr>
+            </p:pic>
+          </mc:Fallback>
+        </mc:AlternateContent>
+        <mc:AlternateContent xmlns:mc="http://schemas.openxmlformats.org/markup-compatibility/2006" xmlns:p14="http://schemas.microsoft.com/office/powerpoint/2010/main">
+          <mc:Choice Requires="p14">
+            <p:contentPart p14:bwMode="auto" r:id="rId23">
+              <p14:nvContentPartPr>
+                <p14:cNvPr id="107" name="Ink 106">
+                  <a:extLst>
+                    <a:ext uri="{FF2B5EF4-FFF2-40B4-BE49-F238E27FC236}">
+                      <a16:creationId xmlns:a16="http://schemas.microsoft.com/office/drawing/2014/main" id="{B1F012EC-B5EF-401B-A0B3-939CA5DDF938}"/>
+                    </a:ext>
+                  </a:extLst>
+                </p14:cNvPr>
+                <p14:cNvContentPartPr/>
+                <p14:nvPr/>
+              </p14:nvContentPartPr>
+              <p14:xfrm>
+                <a:off x="3441060" y="2844646"/>
+                <a:ext cx="182880" cy="254880"/>
+              </p14:xfrm>
+            </p:contentPart>
+          </mc:Choice>
+          <mc:Fallback xmlns="">
+            <p:pic>
+              <p:nvPicPr>
+                <p:cNvPr id="107" name="Ink 106">
+                  <a:extLst>
+                    <a:ext uri="{FF2B5EF4-FFF2-40B4-BE49-F238E27FC236}">
+                      <a16:creationId xmlns:a16="http://schemas.microsoft.com/office/drawing/2014/main" id="{B1F012EC-B5EF-401B-A0B3-939CA5DDF938}"/>
+                    </a:ext>
+                  </a:extLst>
+                </p:cNvPr>
+                <p:cNvPicPr/>
+                <p:nvPr/>
+              </p:nvPicPr>
+              <p:blipFill>
+                <a:blip r:embed="rId24"/>
+                <a:stretch>
+                  <a:fillRect/>
+                </a:stretch>
+              </p:blipFill>
+              <p:spPr>
+                <a:xfrm>
+                  <a:off x="3432420" y="2836006"/>
+                  <a:ext cx="200520" cy="272520"/>
+                </a:xfrm>
+                <a:prstGeom prst="rect">
+                  <a:avLst/>
+                </a:prstGeom>
+              </p:spPr>
+            </p:pic>
+          </mc:Fallback>
+        </mc:AlternateContent>
+        <mc:AlternateContent xmlns:mc="http://schemas.openxmlformats.org/markup-compatibility/2006" xmlns:p14="http://schemas.microsoft.com/office/powerpoint/2010/main">
+          <mc:Choice Requires="p14">
+            <p:contentPart p14:bwMode="auto" r:id="rId25">
+              <p14:nvContentPartPr>
+                <p14:cNvPr id="109" name="Ink 108">
+                  <a:extLst>
+                    <a:ext uri="{FF2B5EF4-FFF2-40B4-BE49-F238E27FC236}">
+                      <a16:creationId xmlns:a16="http://schemas.microsoft.com/office/drawing/2014/main" id="{BAFE1B7E-F6C5-4493-9679-AF16D00B59C9}"/>
+                    </a:ext>
+                  </a:extLst>
+                </p14:cNvPr>
+                <p14:cNvContentPartPr/>
+                <p14:nvPr/>
+              </p14:nvContentPartPr>
+              <p14:xfrm>
+                <a:off x="3479580" y="2759686"/>
+                <a:ext cx="117360" cy="151560"/>
+              </p14:xfrm>
+            </p:contentPart>
+          </mc:Choice>
+          <mc:Fallback xmlns="">
+            <p:pic>
+              <p:nvPicPr>
+                <p:cNvPr id="109" name="Ink 108">
+                  <a:extLst>
+                    <a:ext uri="{FF2B5EF4-FFF2-40B4-BE49-F238E27FC236}">
+                      <a16:creationId xmlns:a16="http://schemas.microsoft.com/office/drawing/2014/main" id="{BAFE1B7E-F6C5-4493-9679-AF16D00B59C9}"/>
+                    </a:ext>
+                  </a:extLst>
+                </p:cNvPr>
+                <p:cNvPicPr/>
+                <p:nvPr/>
+              </p:nvPicPr>
+              <p:blipFill>
+                <a:blip r:embed="rId26"/>
+                <a:stretch>
+                  <a:fillRect/>
+                </a:stretch>
+              </p:blipFill>
+              <p:spPr>
+                <a:xfrm>
+                  <a:off x="3470940" y="2751046"/>
+                  <a:ext cx="135000" cy="169200"/>
+                </a:xfrm>
+                <a:prstGeom prst="rect">
+                  <a:avLst/>
+                </a:prstGeom>
+              </p:spPr>
+            </p:pic>
+          </mc:Fallback>
+        </mc:AlternateContent>
+        <mc:AlternateContent xmlns:mc="http://schemas.openxmlformats.org/markup-compatibility/2006" xmlns:p14="http://schemas.microsoft.com/office/powerpoint/2010/main">
+          <mc:Choice Requires="p14">
+            <p:contentPart p14:bwMode="auto" r:id="rId27">
+              <p14:nvContentPartPr>
+                <p14:cNvPr id="118" name="Ink 117">
+                  <a:extLst>
+                    <a:ext uri="{FF2B5EF4-FFF2-40B4-BE49-F238E27FC236}">
+                      <a16:creationId xmlns:a16="http://schemas.microsoft.com/office/drawing/2014/main" id="{13A5E41E-479C-4E62-BE21-638D90C287EF}"/>
+                    </a:ext>
+                  </a:extLst>
+                </p14:cNvPr>
+                <p14:cNvContentPartPr/>
+                <p14:nvPr/>
+              </p14:nvContentPartPr>
+              <p14:xfrm>
+                <a:off x="3531420" y="2667526"/>
+                <a:ext cx="99360" cy="163080"/>
+              </p14:xfrm>
+            </p:contentPart>
+          </mc:Choice>
+          <mc:Fallback xmlns="">
+            <p:pic>
+              <p:nvPicPr>
+                <p:cNvPr id="118" name="Ink 117">
+                  <a:extLst>
+                    <a:ext uri="{FF2B5EF4-FFF2-40B4-BE49-F238E27FC236}">
+                      <a16:creationId xmlns:a16="http://schemas.microsoft.com/office/drawing/2014/main" id="{13A5E41E-479C-4E62-BE21-638D90C287EF}"/>
+                    </a:ext>
+                  </a:extLst>
+                </p:cNvPr>
+                <p:cNvPicPr/>
+                <p:nvPr/>
+              </p:nvPicPr>
+              <p:blipFill>
+                <a:blip r:embed="rId28"/>
+                <a:stretch>
+                  <a:fillRect/>
+                </a:stretch>
+              </p:blipFill>
+              <p:spPr>
+                <a:xfrm>
+                  <a:off x="3522780" y="2658886"/>
+                  <a:ext cx="117000" cy="180720"/>
+                </a:xfrm>
+                <a:prstGeom prst="rect">
+                  <a:avLst/>
+                </a:prstGeom>
+              </p:spPr>
+            </p:pic>
+          </mc:Fallback>
+        </mc:AlternateContent>
+        <mc:AlternateContent xmlns:mc="http://schemas.openxmlformats.org/markup-compatibility/2006" xmlns:p14="http://schemas.microsoft.com/office/powerpoint/2010/main">
+          <mc:Choice Requires="p14">
+            <p:contentPart p14:bwMode="auto" r:id="rId29">
+              <p14:nvContentPartPr>
+                <p14:cNvPr id="119" name="Ink 118">
+                  <a:extLst>
+                    <a:ext uri="{FF2B5EF4-FFF2-40B4-BE49-F238E27FC236}">
+                      <a16:creationId xmlns:a16="http://schemas.microsoft.com/office/drawing/2014/main" id="{8610C4EE-F1C5-4E32-B767-6D39C0DB6D9F}"/>
+                    </a:ext>
+                  </a:extLst>
+                </p14:cNvPr>
+                <p14:cNvContentPartPr/>
+                <p14:nvPr/>
+              </p14:nvContentPartPr>
+              <p14:xfrm>
+                <a:off x="3565260" y="2593726"/>
+                <a:ext cx="58680" cy="75600"/>
+              </p14:xfrm>
+            </p:contentPart>
+          </mc:Choice>
+          <mc:Fallback xmlns="">
+            <p:pic>
+              <p:nvPicPr>
+                <p:cNvPr id="119" name="Ink 118">
+                  <a:extLst>
+                    <a:ext uri="{FF2B5EF4-FFF2-40B4-BE49-F238E27FC236}">
+                      <a16:creationId xmlns:a16="http://schemas.microsoft.com/office/drawing/2014/main" id="{8610C4EE-F1C5-4E32-B767-6D39C0DB6D9F}"/>
+                    </a:ext>
+                  </a:extLst>
+                </p:cNvPr>
+                <p:cNvPicPr/>
+                <p:nvPr/>
+              </p:nvPicPr>
+              <p:blipFill>
+                <a:blip r:embed="rId30"/>
+                <a:stretch>
+                  <a:fillRect/>
+                </a:stretch>
+              </p:blipFill>
+              <p:spPr>
+                <a:xfrm>
+                  <a:off x="3556620" y="2584726"/>
+                  <a:ext cx="76320" cy="93240"/>
+                </a:xfrm>
+                <a:prstGeom prst="rect">
+                  <a:avLst/>
+                </a:prstGeom>
+              </p:spPr>
+            </p:pic>
+          </mc:Fallback>
+        </mc:AlternateContent>
+        <mc:AlternateContent xmlns:mc="http://schemas.openxmlformats.org/markup-compatibility/2006" xmlns:p14="http://schemas.microsoft.com/office/powerpoint/2010/main">
+          <mc:Choice Requires="p14">
+            <p:contentPart p14:bwMode="auto" r:id="rId31">
+              <p14:nvContentPartPr>
+                <p14:cNvPr id="128" name="Ink 127">
+                  <a:extLst>
+                    <a:ext uri="{FF2B5EF4-FFF2-40B4-BE49-F238E27FC236}">
+                      <a16:creationId xmlns:a16="http://schemas.microsoft.com/office/drawing/2014/main" id="{6A295201-287D-4AB0-81DE-CA3FE11F437E}"/>
+                    </a:ext>
+                  </a:extLst>
+                </p14:cNvPr>
+                <p14:cNvContentPartPr/>
+                <p14:nvPr/>
+              </p14:nvContentPartPr>
+              <p14:xfrm>
+                <a:off x="3590100" y="3025366"/>
+                <a:ext cx="300240" cy="345240"/>
+              </p14:xfrm>
+            </p:contentPart>
+          </mc:Choice>
+          <mc:Fallback xmlns="">
+            <p:pic>
+              <p:nvPicPr>
+                <p:cNvPr id="128" name="Ink 127">
+                  <a:extLst>
+                    <a:ext uri="{FF2B5EF4-FFF2-40B4-BE49-F238E27FC236}">
+                      <a16:creationId xmlns:a16="http://schemas.microsoft.com/office/drawing/2014/main" id="{6A295201-287D-4AB0-81DE-CA3FE11F437E}"/>
+                    </a:ext>
+                  </a:extLst>
+                </p:cNvPr>
+                <p:cNvPicPr/>
+                <p:nvPr/>
+              </p:nvPicPr>
+              <p:blipFill>
+                <a:blip r:embed="rId32"/>
+                <a:stretch>
+                  <a:fillRect/>
+                </a:stretch>
+              </p:blipFill>
+              <p:spPr>
+                <a:xfrm>
+                  <a:off x="3581460" y="3016366"/>
+                  <a:ext cx="317880" cy="362880"/>
+                </a:xfrm>
+                <a:prstGeom prst="rect">
+                  <a:avLst/>
+                </a:prstGeom>
+              </p:spPr>
+            </p:pic>
+          </mc:Fallback>
+        </mc:AlternateContent>
+        <mc:AlternateContent xmlns:mc="http://schemas.openxmlformats.org/markup-compatibility/2006" xmlns:p14="http://schemas.microsoft.com/office/powerpoint/2010/main">
+          <mc:Choice Requires="p14">
+            <p:contentPart p14:bwMode="auto" r:id="rId33">
+              <p14:nvContentPartPr>
+                <p14:cNvPr id="129" name="Ink 128">
+                  <a:extLst>
+                    <a:ext uri="{FF2B5EF4-FFF2-40B4-BE49-F238E27FC236}">
+                      <a16:creationId xmlns:a16="http://schemas.microsoft.com/office/drawing/2014/main" id="{9752AE57-3E2C-4190-9B7E-CB4BACFDDD83}"/>
+                    </a:ext>
+                  </a:extLst>
+                </p14:cNvPr>
+                <p14:cNvContentPartPr/>
+                <p14:nvPr/>
+              </p14:nvContentPartPr>
+              <p14:xfrm>
+                <a:off x="3569940" y="2897566"/>
+                <a:ext cx="345960" cy="313560"/>
+              </p14:xfrm>
+            </p:contentPart>
+          </mc:Choice>
+          <mc:Fallback xmlns="">
+            <p:pic>
+              <p:nvPicPr>
+                <p:cNvPr id="129" name="Ink 128">
+                  <a:extLst>
+                    <a:ext uri="{FF2B5EF4-FFF2-40B4-BE49-F238E27FC236}">
+                      <a16:creationId xmlns:a16="http://schemas.microsoft.com/office/drawing/2014/main" id="{9752AE57-3E2C-4190-9B7E-CB4BACFDDD83}"/>
+                    </a:ext>
+                  </a:extLst>
+                </p:cNvPr>
+                <p:cNvPicPr/>
+                <p:nvPr/>
+              </p:nvPicPr>
+              <p:blipFill>
+                <a:blip r:embed="rId34"/>
+                <a:stretch>
+                  <a:fillRect/>
+                </a:stretch>
+              </p:blipFill>
+              <p:spPr>
+                <a:xfrm>
+                  <a:off x="3560940" y="2888566"/>
+                  <a:ext cx="363600" cy="331200"/>
+                </a:xfrm>
+                <a:prstGeom prst="rect">
+                  <a:avLst/>
+                </a:prstGeom>
+              </p:spPr>
+            </p:pic>
+          </mc:Fallback>
+        </mc:AlternateContent>
+        <mc:AlternateContent xmlns:mc="http://schemas.openxmlformats.org/markup-compatibility/2006" xmlns:p14="http://schemas.microsoft.com/office/powerpoint/2010/main">
+          <mc:Choice Requires="p14">
+            <p:contentPart p14:bwMode="auto" r:id="rId35">
+              <p14:nvContentPartPr>
+                <p14:cNvPr id="130" name="Ink 129">
+                  <a:extLst>
+                    <a:ext uri="{FF2B5EF4-FFF2-40B4-BE49-F238E27FC236}">
+                      <a16:creationId xmlns:a16="http://schemas.microsoft.com/office/drawing/2014/main" id="{3A0603CC-DD7D-4F9F-9092-558D0CA2813B}"/>
+                    </a:ext>
+                  </a:extLst>
+                </p14:cNvPr>
+                <p14:cNvContentPartPr/>
+                <p14:nvPr/>
+              </p14:nvContentPartPr>
+              <p14:xfrm>
+                <a:off x="3610260" y="2816926"/>
+                <a:ext cx="289440" cy="221400"/>
+              </p14:xfrm>
+            </p:contentPart>
+          </mc:Choice>
+          <mc:Fallback xmlns="">
+            <p:pic>
+              <p:nvPicPr>
+                <p:cNvPr id="130" name="Ink 129">
+                  <a:extLst>
+                    <a:ext uri="{FF2B5EF4-FFF2-40B4-BE49-F238E27FC236}">
+                      <a16:creationId xmlns:a16="http://schemas.microsoft.com/office/drawing/2014/main" id="{3A0603CC-DD7D-4F9F-9092-558D0CA2813B}"/>
+                    </a:ext>
+                  </a:extLst>
+                </p:cNvPr>
+                <p:cNvPicPr/>
+                <p:nvPr/>
+              </p:nvPicPr>
+              <p:blipFill>
+                <a:blip r:embed="rId36"/>
+                <a:stretch>
+                  <a:fillRect/>
+                </a:stretch>
+              </p:blipFill>
+              <p:spPr>
+                <a:xfrm>
+                  <a:off x="3601260" y="2807926"/>
+                  <a:ext cx="307080" cy="239040"/>
+                </a:xfrm>
+                <a:prstGeom prst="rect">
+                  <a:avLst/>
+                </a:prstGeom>
+              </p:spPr>
+            </p:pic>
+          </mc:Fallback>
+        </mc:AlternateContent>
+        <mc:AlternateContent xmlns:mc="http://schemas.openxmlformats.org/markup-compatibility/2006" xmlns:p14="http://schemas.microsoft.com/office/powerpoint/2010/main">
+          <mc:Choice Requires="p14">
+            <p:contentPart p14:bwMode="auto" r:id="rId37">
+              <p14:nvContentPartPr>
+                <p14:cNvPr id="131" name="Ink 130">
+                  <a:extLst>
+                    <a:ext uri="{FF2B5EF4-FFF2-40B4-BE49-F238E27FC236}">
+                      <a16:creationId xmlns:a16="http://schemas.microsoft.com/office/drawing/2014/main" id="{250453DA-B2A5-4D53-BA70-7F7973EBF6D6}"/>
+                    </a:ext>
+                  </a:extLst>
+                </p14:cNvPr>
+                <p14:cNvContentPartPr/>
+                <p14:nvPr/>
+              </p14:nvContentPartPr>
+              <p14:xfrm>
+                <a:off x="3596940" y="2668966"/>
+                <a:ext cx="266760" cy="237240"/>
+              </p14:xfrm>
+            </p:contentPart>
+          </mc:Choice>
+          <mc:Fallback xmlns="">
+            <p:pic>
+              <p:nvPicPr>
+                <p:cNvPr id="131" name="Ink 130">
+                  <a:extLst>
+                    <a:ext uri="{FF2B5EF4-FFF2-40B4-BE49-F238E27FC236}">
+                      <a16:creationId xmlns:a16="http://schemas.microsoft.com/office/drawing/2014/main" id="{250453DA-B2A5-4D53-BA70-7F7973EBF6D6}"/>
+                    </a:ext>
+                  </a:extLst>
+                </p:cNvPr>
+                <p:cNvPicPr/>
+                <p:nvPr/>
+              </p:nvPicPr>
+              <p:blipFill>
+                <a:blip r:embed="rId38"/>
+                <a:stretch>
+                  <a:fillRect/>
+                </a:stretch>
+              </p:blipFill>
+              <p:spPr>
+                <a:xfrm>
+                  <a:off x="3587940" y="2660326"/>
+                  <a:ext cx="284400" cy="254880"/>
+                </a:xfrm>
+                <a:prstGeom prst="rect">
+                  <a:avLst/>
+                </a:prstGeom>
+              </p:spPr>
+            </p:pic>
+          </mc:Fallback>
+        </mc:AlternateContent>
+        <mc:AlternateContent xmlns:mc="http://schemas.openxmlformats.org/markup-compatibility/2006" xmlns:p14="http://schemas.microsoft.com/office/powerpoint/2010/main">
+          <mc:Choice Requires="p14">
+            <p:contentPart p14:bwMode="auto" r:id="rId39">
+              <p14:nvContentPartPr>
+                <p14:cNvPr id="132" name="Ink 131">
+                  <a:extLst>
+                    <a:ext uri="{FF2B5EF4-FFF2-40B4-BE49-F238E27FC236}">
+                      <a16:creationId xmlns:a16="http://schemas.microsoft.com/office/drawing/2014/main" id="{45C77A12-8B7D-4331-A022-4CF041C10866}"/>
+                    </a:ext>
+                  </a:extLst>
+                </p14:cNvPr>
+                <p14:cNvContentPartPr/>
+                <p14:nvPr/>
+              </p14:nvContentPartPr>
+              <p14:xfrm>
+                <a:off x="3623580" y="2474206"/>
+                <a:ext cx="216720" cy="172440"/>
+              </p14:xfrm>
+            </p:contentPart>
+          </mc:Choice>
+          <mc:Fallback xmlns="">
+            <p:pic>
+              <p:nvPicPr>
+                <p:cNvPr id="132" name="Ink 131">
+                  <a:extLst>
+                    <a:ext uri="{FF2B5EF4-FFF2-40B4-BE49-F238E27FC236}">
+                      <a16:creationId xmlns:a16="http://schemas.microsoft.com/office/drawing/2014/main" id="{45C77A12-8B7D-4331-A022-4CF041C10866}"/>
+                    </a:ext>
+                  </a:extLst>
+                </p:cNvPr>
+                <p:cNvPicPr/>
+                <p:nvPr/>
+              </p:nvPicPr>
+              <p:blipFill>
+                <a:blip r:embed="rId40"/>
+                <a:stretch>
+                  <a:fillRect/>
+                </a:stretch>
+              </p:blipFill>
+              <p:spPr>
+                <a:xfrm>
+                  <a:off x="3614940" y="2465206"/>
+                  <a:ext cx="234360" cy="190080"/>
+                </a:xfrm>
+                <a:prstGeom prst="rect">
+                  <a:avLst/>
+                </a:prstGeom>
+              </p:spPr>
+            </p:pic>
+          </mc:Fallback>
+        </mc:AlternateContent>
+        <mc:AlternateContent xmlns:mc="http://schemas.openxmlformats.org/markup-compatibility/2006" xmlns:p14="http://schemas.microsoft.com/office/powerpoint/2010/main">
+          <mc:Choice Requires="p14">
+            <p:contentPart p14:bwMode="auto" r:id="rId41">
+              <p14:nvContentPartPr>
+                <p14:cNvPr id="133" name="Ink 132">
+                  <a:extLst>
+                    <a:ext uri="{FF2B5EF4-FFF2-40B4-BE49-F238E27FC236}">
+                      <a16:creationId xmlns:a16="http://schemas.microsoft.com/office/drawing/2014/main" id="{17399956-A106-48CE-BEB6-75AB3ED75339}"/>
+                    </a:ext>
+                  </a:extLst>
+                </p14:cNvPr>
+                <p14:cNvContentPartPr/>
+                <p14:nvPr/>
+              </p14:nvContentPartPr>
+              <p14:xfrm>
+                <a:off x="3717900" y="2319406"/>
+                <a:ext cx="110880" cy="104400"/>
+              </p14:xfrm>
+            </p:contentPart>
+          </mc:Choice>
+          <mc:Fallback xmlns="">
+            <p:pic>
+              <p:nvPicPr>
+                <p:cNvPr id="133" name="Ink 132">
+                  <a:extLst>
+                    <a:ext uri="{FF2B5EF4-FFF2-40B4-BE49-F238E27FC236}">
+                      <a16:creationId xmlns:a16="http://schemas.microsoft.com/office/drawing/2014/main" id="{17399956-A106-48CE-BEB6-75AB3ED75339}"/>
+                    </a:ext>
+                  </a:extLst>
+                </p:cNvPr>
+                <p:cNvPicPr/>
+                <p:nvPr/>
+              </p:nvPicPr>
+              <p:blipFill>
+                <a:blip r:embed="rId42"/>
+                <a:stretch>
+                  <a:fillRect/>
+                </a:stretch>
+              </p:blipFill>
+              <p:spPr>
+                <a:xfrm>
+                  <a:off x="3708900" y="2310406"/>
+                  <a:ext cx="128520" cy="122040"/>
+                </a:xfrm>
+                <a:prstGeom prst="rect">
+                  <a:avLst/>
+                </a:prstGeom>
+              </p:spPr>
+            </p:pic>
+          </mc:Fallback>
+        </mc:AlternateContent>
+        <mc:AlternateContent xmlns:mc="http://schemas.openxmlformats.org/markup-compatibility/2006" xmlns:p14="http://schemas.microsoft.com/office/powerpoint/2010/main">
+          <mc:Choice Requires="p14">
+            <p:contentPart p14:bwMode="auto" r:id="rId43">
+              <p14:nvContentPartPr>
+                <p14:cNvPr id="135" name="Ink 134">
+                  <a:extLst>
+                    <a:ext uri="{FF2B5EF4-FFF2-40B4-BE49-F238E27FC236}">
+                      <a16:creationId xmlns:a16="http://schemas.microsoft.com/office/drawing/2014/main" id="{F0492B72-60F0-4670-8972-3BF7964CF247}"/>
+                    </a:ext>
+                  </a:extLst>
+                </p14:cNvPr>
+                <p14:cNvContentPartPr/>
+                <p14:nvPr/>
+              </p14:nvContentPartPr>
+              <p14:xfrm>
+                <a:off x="3778380" y="2191606"/>
+                <a:ext cx="45360" cy="96120"/>
+              </p14:xfrm>
+            </p:contentPart>
+          </mc:Choice>
+          <mc:Fallback xmlns="">
+            <p:pic>
+              <p:nvPicPr>
+                <p:cNvPr id="135" name="Ink 134">
+                  <a:extLst>
+                    <a:ext uri="{FF2B5EF4-FFF2-40B4-BE49-F238E27FC236}">
+                      <a16:creationId xmlns:a16="http://schemas.microsoft.com/office/drawing/2014/main" id="{F0492B72-60F0-4670-8972-3BF7964CF247}"/>
+                    </a:ext>
+                  </a:extLst>
+                </p:cNvPr>
+                <p:cNvPicPr/>
+                <p:nvPr/>
+              </p:nvPicPr>
+              <p:blipFill>
+                <a:blip r:embed="rId44"/>
+                <a:stretch>
+                  <a:fillRect/>
+                </a:stretch>
+              </p:blipFill>
+              <p:spPr>
+                <a:xfrm>
+                  <a:off x="3769380" y="2182606"/>
+                  <a:ext cx="63000" cy="113760"/>
+                </a:xfrm>
+                <a:prstGeom prst="rect">
+                  <a:avLst/>
+                </a:prstGeom>
+              </p:spPr>
+            </p:pic>
+          </mc:Fallback>
+        </mc:AlternateContent>
+        <mc:AlternateContent xmlns:mc="http://schemas.openxmlformats.org/markup-compatibility/2006" xmlns:p14="http://schemas.microsoft.com/office/powerpoint/2010/main">
+          <mc:Choice Requires="p14">
+            <p:contentPart p14:bwMode="auto" r:id="rId45">
+              <p14:nvContentPartPr>
+                <p14:cNvPr id="139" name="Ink 138">
+                  <a:extLst>
+                    <a:ext uri="{FF2B5EF4-FFF2-40B4-BE49-F238E27FC236}">
+                      <a16:creationId xmlns:a16="http://schemas.microsoft.com/office/drawing/2014/main" id="{DB4D1693-751E-4B71-934E-EA5355E6149B}"/>
+                    </a:ext>
+                  </a:extLst>
+                </p14:cNvPr>
+                <p14:cNvContentPartPr/>
+                <p14:nvPr/>
+              </p14:nvContentPartPr>
+              <p14:xfrm>
+                <a:off x="3690900" y="2426686"/>
+                <a:ext cx="177120" cy="105480"/>
+              </p14:xfrm>
+            </p:contentPart>
+          </mc:Choice>
+          <mc:Fallback xmlns="">
+            <p:pic>
+              <p:nvPicPr>
+                <p:cNvPr id="139" name="Ink 138">
+                  <a:extLst>
+                    <a:ext uri="{FF2B5EF4-FFF2-40B4-BE49-F238E27FC236}">
+                      <a16:creationId xmlns:a16="http://schemas.microsoft.com/office/drawing/2014/main" id="{DB4D1693-751E-4B71-934E-EA5355E6149B}"/>
+                    </a:ext>
+                  </a:extLst>
+                </p:cNvPr>
+                <p:cNvPicPr/>
+                <p:nvPr/>
+              </p:nvPicPr>
+              <p:blipFill>
+                <a:blip r:embed="rId46"/>
+                <a:stretch>
+                  <a:fillRect/>
+                </a:stretch>
+              </p:blipFill>
+              <p:spPr>
+                <a:xfrm>
+                  <a:off x="3681900" y="2418046"/>
+                  <a:ext cx="194760" cy="123120"/>
+                </a:xfrm>
+                <a:prstGeom prst="rect">
+                  <a:avLst/>
+                </a:prstGeom>
+              </p:spPr>
+            </p:pic>
+          </mc:Fallback>
+        </mc:AlternateContent>
+      </p:grpSp>
+      <p:grpSp>
+        <p:nvGrpSpPr>
+          <p:cNvPr id="150" name="Group 149">
+            <a:extLst>
+              <a:ext uri="{FF2B5EF4-FFF2-40B4-BE49-F238E27FC236}">
+                <a16:creationId xmlns:a16="http://schemas.microsoft.com/office/drawing/2014/main" id="{5C514227-4FB3-4920-8A5F-5FC547671A77}"/>
+              </a:ext>
+            </a:extLst>
+          </p:cNvPr>
+          <p:cNvGrpSpPr/>
+          <p:nvPr/>
+        </p:nvGrpSpPr>
+        <p:grpSpPr>
+          <a:xfrm>
+            <a:off x="4690620" y="2010166"/>
+            <a:ext cx="1209600" cy="1566720"/>
+            <a:chOff x="4690620" y="2010166"/>
+            <a:chExt cx="1209600" cy="1566720"/>
+          </a:xfrm>
+        </p:grpSpPr>
+        <mc:AlternateContent xmlns:mc="http://schemas.openxmlformats.org/markup-compatibility/2006" xmlns:p14="http://schemas.microsoft.com/office/powerpoint/2010/main">
+          <mc:Choice Requires="p14">
+            <p:contentPart p14:bwMode="auto" r:id="rId47">
+              <p14:nvContentPartPr>
+                <p14:cNvPr id="29" name="Ink 28">
+                  <a:extLst>
+                    <a:ext uri="{FF2B5EF4-FFF2-40B4-BE49-F238E27FC236}">
+                      <a16:creationId xmlns:a16="http://schemas.microsoft.com/office/drawing/2014/main" id="{B2E584E0-4169-4DDE-8081-B5948D73AE7D}"/>
+                    </a:ext>
+                  </a:extLst>
+                </p14:cNvPr>
+                <p14:cNvContentPartPr/>
+                <p14:nvPr/>
+              </p14:nvContentPartPr>
+              <p14:xfrm>
+                <a:off x="5015340" y="3420286"/>
+                <a:ext cx="98640" cy="82800"/>
+              </p14:xfrm>
+            </p:contentPart>
+          </mc:Choice>
+          <mc:Fallback xmlns="">
+            <p:pic>
+              <p:nvPicPr>
+                <p:cNvPr id="29" name="Ink 28">
+                  <a:extLst>
+                    <a:ext uri="{FF2B5EF4-FFF2-40B4-BE49-F238E27FC236}">
+                      <a16:creationId xmlns:a16="http://schemas.microsoft.com/office/drawing/2014/main" id="{B2E584E0-4169-4DDE-8081-B5948D73AE7D}"/>
+                    </a:ext>
+                  </a:extLst>
+                </p:cNvPr>
+                <p:cNvPicPr/>
+                <p:nvPr/>
+              </p:nvPicPr>
+              <p:blipFill>
+                <a:blip r:embed="rId48"/>
+                <a:stretch>
+                  <a:fillRect/>
+                </a:stretch>
+              </p:blipFill>
+              <p:spPr>
+                <a:xfrm>
+                  <a:off x="5006700" y="3411286"/>
+                  <a:ext cx="116280" cy="100440"/>
+                </a:xfrm>
+                <a:prstGeom prst="rect">
+                  <a:avLst/>
+                </a:prstGeom>
+              </p:spPr>
+            </p:pic>
+          </mc:Fallback>
+        </mc:AlternateContent>
+        <mc:AlternateContent xmlns:mc="http://schemas.openxmlformats.org/markup-compatibility/2006" xmlns:p14="http://schemas.microsoft.com/office/powerpoint/2010/main">
+          <mc:Choice Requires="p14">
+            <p:contentPart p14:bwMode="auto" r:id="rId49">
+              <p14:nvContentPartPr>
+                <p14:cNvPr id="30" name="Ink 29">
+                  <a:extLst>
+                    <a:ext uri="{FF2B5EF4-FFF2-40B4-BE49-F238E27FC236}">
+                      <a16:creationId xmlns:a16="http://schemas.microsoft.com/office/drawing/2014/main" id="{6D1909CB-E9A2-4301-8A57-36BAF8A70053}"/>
+                    </a:ext>
+                  </a:extLst>
+                </p14:cNvPr>
+                <p14:cNvContentPartPr/>
+                <p14:nvPr/>
+              </p14:nvContentPartPr>
+              <p14:xfrm>
+                <a:off x="5203980" y="3189166"/>
+                <a:ext cx="116640" cy="78480"/>
+              </p14:xfrm>
+            </p:contentPart>
+          </mc:Choice>
+          <mc:Fallback xmlns="">
+            <p:pic>
+              <p:nvPicPr>
+                <p:cNvPr id="30" name="Ink 29">
+                  <a:extLst>
+                    <a:ext uri="{FF2B5EF4-FFF2-40B4-BE49-F238E27FC236}">
+                      <a16:creationId xmlns:a16="http://schemas.microsoft.com/office/drawing/2014/main" id="{6D1909CB-E9A2-4301-8A57-36BAF8A70053}"/>
+                    </a:ext>
+                  </a:extLst>
+                </p:cNvPr>
+                <p:cNvPicPr/>
+                <p:nvPr/>
+              </p:nvPicPr>
+              <p:blipFill>
+                <a:blip r:embed="rId50"/>
+                <a:stretch>
+                  <a:fillRect/>
+                </a:stretch>
+              </p:blipFill>
+              <p:spPr>
+                <a:xfrm>
+                  <a:off x="5194980" y="3180526"/>
+                  <a:ext cx="134280" cy="96120"/>
+                </a:xfrm>
+                <a:prstGeom prst="rect">
+                  <a:avLst/>
+                </a:prstGeom>
+              </p:spPr>
+            </p:pic>
+          </mc:Fallback>
+        </mc:AlternateContent>
+        <mc:AlternateContent xmlns:mc="http://schemas.openxmlformats.org/markup-compatibility/2006" xmlns:p14="http://schemas.microsoft.com/office/powerpoint/2010/main">
+          <mc:Choice Requires="p14">
+            <p:contentPart p14:bwMode="auto" r:id="rId51">
+              <p14:nvContentPartPr>
+                <p14:cNvPr id="31" name="Ink 30">
+                  <a:extLst>
+                    <a:ext uri="{FF2B5EF4-FFF2-40B4-BE49-F238E27FC236}">
+                      <a16:creationId xmlns:a16="http://schemas.microsoft.com/office/drawing/2014/main" id="{2D04AEAB-6F82-4D8F-9B98-8CA39C91DEBE}"/>
+                    </a:ext>
+                  </a:extLst>
+                </p14:cNvPr>
+                <p14:cNvContentPartPr/>
+                <p14:nvPr/>
+              </p14:nvContentPartPr>
+              <p14:xfrm>
+                <a:off x="5075820" y="3466366"/>
+                <a:ext cx="131400" cy="90360"/>
+              </p14:xfrm>
+            </p:contentPart>
+          </mc:Choice>
+          <mc:Fallback xmlns="">
+            <p:pic>
+              <p:nvPicPr>
+                <p:cNvPr id="31" name="Ink 30">
+                  <a:extLst>
+                    <a:ext uri="{FF2B5EF4-FFF2-40B4-BE49-F238E27FC236}">
+                      <a16:creationId xmlns:a16="http://schemas.microsoft.com/office/drawing/2014/main" id="{2D04AEAB-6F82-4D8F-9B98-8CA39C91DEBE}"/>
+                    </a:ext>
+                  </a:extLst>
+                </p:cNvPr>
+                <p:cNvPicPr/>
+                <p:nvPr/>
+              </p:nvPicPr>
+              <p:blipFill>
+                <a:blip r:embed="rId52"/>
+                <a:stretch>
+                  <a:fillRect/>
+                </a:stretch>
+              </p:blipFill>
+              <p:spPr>
+                <a:xfrm>
+                  <a:off x="5067180" y="3457726"/>
+                  <a:ext cx="149040" cy="108000"/>
+                </a:xfrm>
+                <a:prstGeom prst="rect">
+                  <a:avLst/>
+                </a:prstGeom>
+              </p:spPr>
+            </p:pic>
+          </mc:Fallback>
+        </mc:AlternateContent>
+        <mc:AlternateContent xmlns:mc="http://schemas.openxmlformats.org/markup-compatibility/2006" xmlns:p14="http://schemas.microsoft.com/office/powerpoint/2010/main">
+          <mc:Choice Requires="p14">
+            <p:contentPart p14:bwMode="auto" r:id="rId53">
+              <p14:nvContentPartPr>
+                <p14:cNvPr id="96" name="Ink 95">
+                  <a:extLst>
+                    <a:ext uri="{FF2B5EF4-FFF2-40B4-BE49-F238E27FC236}">
+                      <a16:creationId xmlns:a16="http://schemas.microsoft.com/office/drawing/2014/main" id="{D8A2F42E-CD4B-427E-BDC5-3F0651099E6A}"/>
+                    </a:ext>
+                  </a:extLst>
+                </p14:cNvPr>
+                <p14:cNvContentPartPr/>
+                <p14:nvPr/>
+              </p14:nvContentPartPr>
+              <p14:xfrm>
+                <a:off x="5297940" y="3236326"/>
+                <a:ext cx="110160" cy="71640"/>
+              </p14:xfrm>
+            </p:contentPart>
+          </mc:Choice>
+          <mc:Fallback xmlns="">
+            <p:pic>
+              <p:nvPicPr>
+                <p:cNvPr id="96" name="Ink 95">
+                  <a:extLst>
+                    <a:ext uri="{FF2B5EF4-FFF2-40B4-BE49-F238E27FC236}">
+                      <a16:creationId xmlns:a16="http://schemas.microsoft.com/office/drawing/2014/main" id="{D8A2F42E-CD4B-427E-BDC5-3F0651099E6A}"/>
+                    </a:ext>
+                  </a:extLst>
+                </p:cNvPr>
+                <p:cNvPicPr/>
+                <p:nvPr/>
+              </p:nvPicPr>
+              <p:blipFill>
+                <a:blip r:embed="rId54"/>
+                <a:stretch>
+                  <a:fillRect/>
+                </a:stretch>
+              </p:blipFill>
+              <p:spPr>
+                <a:xfrm>
+                  <a:off x="5288940" y="3227326"/>
+                  <a:ext cx="127800" cy="89280"/>
+                </a:xfrm>
+                <a:prstGeom prst="rect">
+                  <a:avLst/>
+                </a:prstGeom>
+              </p:spPr>
+            </p:pic>
+          </mc:Fallback>
+        </mc:AlternateContent>
+        <mc:AlternateContent xmlns:mc="http://schemas.openxmlformats.org/markup-compatibility/2006" xmlns:p14="http://schemas.microsoft.com/office/powerpoint/2010/main">
+          <mc:Choice Requires="p14">
+            <p:contentPart p14:bwMode="auto" r:id="rId55">
+              <p14:nvContentPartPr>
+                <p14:cNvPr id="97" name="Ink 96">
+                  <a:extLst>
+                    <a:ext uri="{FF2B5EF4-FFF2-40B4-BE49-F238E27FC236}">
+                      <a16:creationId xmlns:a16="http://schemas.microsoft.com/office/drawing/2014/main" id="{624EA542-1E8B-43AC-A3A7-6383AFB769F9}"/>
+                    </a:ext>
+                  </a:extLst>
+                </p14:cNvPr>
+                <p14:cNvContentPartPr/>
+                <p14:nvPr/>
+              </p14:nvContentPartPr>
+              <p14:xfrm>
+                <a:off x="5237460" y="3464206"/>
+                <a:ext cx="115920" cy="45360"/>
+              </p14:xfrm>
+            </p:contentPart>
+          </mc:Choice>
+          <mc:Fallback xmlns="">
+            <p:pic>
+              <p:nvPicPr>
+                <p:cNvPr id="97" name="Ink 96">
+                  <a:extLst>
+                    <a:ext uri="{FF2B5EF4-FFF2-40B4-BE49-F238E27FC236}">
+                      <a16:creationId xmlns:a16="http://schemas.microsoft.com/office/drawing/2014/main" id="{624EA542-1E8B-43AC-A3A7-6383AFB769F9}"/>
+                    </a:ext>
+                  </a:extLst>
+                </p:cNvPr>
+                <p:cNvPicPr/>
+                <p:nvPr/>
+              </p:nvPicPr>
+              <p:blipFill>
+                <a:blip r:embed="rId56"/>
+                <a:stretch>
+                  <a:fillRect/>
+                </a:stretch>
+              </p:blipFill>
+              <p:spPr>
+                <a:xfrm>
+                  <a:off x="5228460" y="3455566"/>
+                  <a:ext cx="133560" cy="63000"/>
+                </a:xfrm>
+                <a:prstGeom prst="rect">
+                  <a:avLst/>
+                </a:prstGeom>
+              </p:spPr>
+            </p:pic>
+          </mc:Fallback>
+        </mc:AlternateContent>
+        <mc:AlternateContent xmlns:mc="http://schemas.openxmlformats.org/markup-compatibility/2006" xmlns:p14="http://schemas.microsoft.com/office/powerpoint/2010/main">
+          <mc:Choice Requires="p14">
+            <p:contentPart p14:bwMode="auto" r:id="rId57">
+              <p14:nvContentPartPr>
+                <p14:cNvPr id="102" name="Ink 101">
+                  <a:extLst>
+                    <a:ext uri="{FF2B5EF4-FFF2-40B4-BE49-F238E27FC236}">
+                      <a16:creationId xmlns:a16="http://schemas.microsoft.com/office/drawing/2014/main" id="{E96B7FCD-9450-457F-9702-48283623C1CF}"/>
+                    </a:ext>
+                  </a:extLst>
+                </p14:cNvPr>
+                <p14:cNvContentPartPr/>
+                <p14:nvPr/>
+              </p14:nvContentPartPr>
+              <p14:xfrm>
+                <a:off x="5452740" y="3315526"/>
+                <a:ext cx="81360" cy="66600"/>
+              </p14:xfrm>
+            </p:contentPart>
+          </mc:Choice>
+          <mc:Fallback xmlns="">
+            <p:pic>
+              <p:nvPicPr>
+                <p:cNvPr id="102" name="Ink 101">
+                  <a:extLst>
+                    <a:ext uri="{FF2B5EF4-FFF2-40B4-BE49-F238E27FC236}">
+                      <a16:creationId xmlns:a16="http://schemas.microsoft.com/office/drawing/2014/main" id="{E96B7FCD-9450-457F-9702-48283623C1CF}"/>
+                    </a:ext>
+                  </a:extLst>
+                </p:cNvPr>
+                <p:cNvPicPr/>
+                <p:nvPr/>
+              </p:nvPicPr>
+              <p:blipFill>
+                <a:blip r:embed="rId58"/>
+                <a:stretch>
+                  <a:fillRect/>
+                </a:stretch>
+              </p:blipFill>
+              <p:spPr>
+                <a:xfrm>
+                  <a:off x="5443740" y="3306526"/>
+                  <a:ext cx="99000" cy="84240"/>
+                </a:xfrm>
+                <a:prstGeom prst="rect">
+                  <a:avLst/>
+                </a:prstGeom>
+              </p:spPr>
+            </p:pic>
+          </mc:Fallback>
+        </mc:AlternateContent>
+        <mc:AlternateContent xmlns:mc="http://schemas.openxmlformats.org/markup-compatibility/2006" xmlns:p14="http://schemas.microsoft.com/office/powerpoint/2010/main">
+          <mc:Choice Requires="p14">
+            <p:contentPart p14:bwMode="auto" r:id="rId59">
+              <p14:nvContentPartPr>
+                <p14:cNvPr id="103" name="Ink 102">
+                  <a:extLst>
+                    <a:ext uri="{FF2B5EF4-FFF2-40B4-BE49-F238E27FC236}">
+                      <a16:creationId xmlns:a16="http://schemas.microsoft.com/office/drawing/2014/main" id="{BC39408E-1BDC-431E-AB43-2ED8EC915D5C}"/>
+                    </a:ext>
+                  </a:extLst>
+                </p14:cNvPr>
+                <p14:cNvContentPartPr/>
+                <p14:nvPr/>
+              </p14:nvContentPartPr>
+              <p14:xfrm>
+                <a:off x="5378580" y="3396526"/>
+                <a:ext cx="249480" cy="140400"/>
+              </p14:xfrm>
+            </p:contentPart>
+          </mc:Choice>
+          <mc:Fallback xmlns="">
+            <p:pic>
+              <p:nvPicPr>
+                <p:cNvPr id="103" name="Ink 102">
+                  <a:extLst>
+                    <a:ext uri="{FF2B5EF4-FFF2-40B4-BE49-F238E27FC236}">
+                      <a16:creationId xmlns:a16="http://schemas.microsoft.com/office/drawing/2014/main" id="{BC39408E-1BDC-431E-AB43-2ED8EC915D5C}"/>
+                    </a:ext>
+                  </a:extLst>
+                </p:cNvPr>
+                <p:cNvPicPr/>
+                <p:nvPr/>
+              </p:nvPicPr>
+              <p:blipFill>
+                <a:blip r:embed="rId60"/>
+                <a:stretch>
+                  <a:fillRect/>
+                </a:stretch>
+              </p:blipFill>
+              <p:spPr>
+                <a:xfrm>
+                  <a:off x="5369940" y="3387526"/>
+                  <a:ext cx="267120" cy="158040"/>
+                </a:xfrm>
+                <a:prstGeom prst="rect">
+                  <a:avLst/>
+                </a:prstGeom>
+              </p:spPr>
+            </p:pic>
+          </mc:Fallback>
+        </mc:AlternateContent>
+        <mc:AlternateContent xmlns:mc="http://schemas.openxmlformats.org/markup-compatibility/2006" xmlns:p14="http://schemas.microsoft.com/office/powerpoint/2010/main">
+          <mc:Choice Requires="p14">
+            <p:contentPart p14:bwMode="auto" r:id="rId61">
+              <p14:nvContentPartPr>
+                <p14:cNvPr id="104" name="Ink 103">
+                  <a:extLst>
+                    <a:ext uri="{FF2B5EF4-FFF2-40B4-BE49-F238E27FC236}">
+                      <a16:creationId xmlns:a16="http://schemas.microsoft.com/office/drawing/2014/main" id="{16898FF5-0257-4CA3-ADEA-5172CC5C0352}"/>
+                    </a:ext>
+                  </a:extLst>
+                </p14:cNvPr>
+                <p14:cNvContentPartPr/>
+                <p14:nvPr/>
+              </p14:nvContentPartPr>
+              <p14:xfrm>
+                <a:off x="5546700" y="3457726"/>
+                <a:ext cx="237240" cy="119160"/>
+              </p14:xfrm>
+            </p:contentPart>
+          </mc:Choice>
+          <mc:Fallback xmlns="">
+            <p:pic>
+              <p:nvPicPr>
+                <p:cNvPr id="104" name="Ink 103">
+                  <a:extLst>
+                    <a:ext uri="{FF2B5EF4-FFF2-40B4-BE49-F238E27FC236}">
+                      <a16:creationId xmlns:a16="http://schemas.microsoft.com/office/drawing/2014/main" id="{16898FF5-0257-4CA3-ADEA-5172CC5C0352}"/>
+                    </a:ext>
+                  </a:extLst>
+                </p:cNvPr>
+                <p:cNvPicPr/>
+                <p:nvPr/>
+              </p:nvPicPr>
+              <p:blipFill>
+                <a:blip r:embed="rId62"/>
+                <a:stretch>
+                  <a:fillRect/>
+                </a:stretch>
+              </p:blipFill>
+              <p:spPr>
+                <a:xfrm>
+                  <a:off x="5537700" y="3449086"/>
+                  <a:ext cx="254880" cy="136800"/>
+                </a:xfrm>
+                <a:prstGeom prst="rect">
+                  <a:avLst/>
+                </a:prstGeom>
+              </p:spPr>
+            </p:pic>
+          </mc:Fallback>
+        </mc:AlternateContent>
+        <mc:AlternateContent xmlns:mc="http://schemas.openxmlformats.org/markup-compatibility/2006" xmlns:p14="http://schemas.microsoft.com/office/powerpoint/2010/main">
+          <mc:Choice Requires="p14">
+            <p:contentPart p14:bwMode="auto" r:id="rId63">
+              <p14:nvContentPartPr>
+                <p14:cNvPr id="105" name="Ink 104">
+                  <a:extLst>
+                    <a:ext uri="{FF2B5EF4-FFF2-40B4-BE49-F238E27FC236}">
+                      <a16:creationId xmlns:a16="http://schemas.microsoft.com/office/drawing/2014/main" id="{B4981B82-1137-45AD-AE5C-1EB0622C0A37}"/>
+                    </a:ext>
+                  </a:extLst>
+                </p14:cNvPr>
+                <p14:cNvContentPartPr/>
+                <p14:nvPr/>
+              </p14:nvContentPartPr>
+              <p14:xfrm>
+                <a:off x="5768460" y="3500206"/>
+                <a:ext cx="131760" cy="56520"/>
+              </p14:xfrm>
+            </p:contentPart>
+          </mc:Choice>
+          <mc:Fallback xmlns="">
+            <p:pic>
+              <p:nvPicPr>
+                <p:cNvPr id="105" name="Ink 104">
+                  <a:extLst>
+                    <a:ext uri="{FF2B5EF4-FFF2-40B4-BE49-F238E27FC236}">
+                      <a16:creationId xmlns:a16="http://schemas.microsoft.com/office/drawing/2014/main" id="{B4981B82-1137-45AD-AE5C-1EB0622C0A37}"/>
+                    </a:ext>
+                  </a:extLst>
+                </p:cNvPr>
+                <p:cNvPicPr/>
+                <p:nvPr/>
+              </p:nvPicPr>
+              <p:blipFill>
+                <a:blip r:embed="rId64"/>
+                <a:stretch>
+                  <a:fillRect/>
+                </a:stretch>
+              </p:blipFill>
+              <p:spPr>
+                <a:xfrm>
+                  <a:off x="5759460" y="3491206"/>
+                  <a:ext cx="149400" cy="74160"/>
+                </a:xfrm>
+                <a:prstGeom prst="rect">
+                  <a:avLst/>
+                </a:prstGeom>
+              </p:spPr>
+            </p:pic>
+          </mc:Fallback>
+        </mc:AlternateContent>
+        <mc:AlternateContent xmlns:mc="http://schemas.openxmlformats.org/markup-compatibility/2006" xmlns:p14="http://schemas.microsoft.com/office/powerpoint/2010/main">
+          <mc:Choice Requires="p14">
+            <p:contentPart p14:bwMode="auto" r:id="rId65">
+              <p14:nvContentPartPr>
+                <p14:cNvPr id="111" name="Ink 110">
+                  <a:extLst>
+                    <a:ext uri="{FF2B5EF4-FFF2-40B4-BE49-F238E27FC236}">
+                      <a16:creationId xmlns:a16="http://schemas.microsoft.com/office/drawing/2014/main" id="{BF4D49D1-37BA-490A-9C1D-5FC655326292}"/>
+                    </a:ext>
+                  </a:extLst>
+                </p14:cNvPr>
+                <p14:cNvContentPartPr/>
+                <p14:nvPr/>
+              </p14:nvContentPartPr>
+              <p14:xfrm>
+                <a:off x="5008500" y="3144526"/>
+                <a:ext cx="219600" cy="210600"/>
+              </p14:xfrm>
+            </p:contentPart>
+          </mc:Choice>
+          <mc:Fallback xmlns="">
+            <p:pic>
+              <p:nvPicPr>
+                <p:cNvPr id="111" name="Ink 110">
+                  <a:extLst>
+                    <a:ext uri="{FF2B5EF4-FFF2-40B4-BE49-F238E27FC236}">
+                      <a16:creationId xmlns:a16="http://schemas.microsoft.com/office/drawing/2014/main" id="{BF4D49D1-37BA-490A-9C1D-5FC655326292}"/>
+                    </a:ext>
+                  </a:extLst>
+                </p:cNvPr>
+                <p:cNvPicPr/>
+                <p:nvPr/>
+              </p:nvPicPr>
+              <p:blipFill>
+                <a:blip r:embed="rId66"/>
+                <a:stretch>
+                  <a:fillRect/>
+                </a:stretch>
+              </p:blipFill>
+              <p:spPr>
+                <a:xfrm>
+                  <a:off x="4999860" y="3135526"/>
+                  <a:ext cx="237240" cy="228240"/>
+                </a:xfrm>
+                <a:prstGeom prst="rect">
+                  <a:avLst/>
+                </a:prstGeom>
+              </p:spPr>
+            </p:pic>
+          </mc:Fallback>
+        </mc:AlternateContent>
+        <mc:AlternateContent xmlns:mc="http://schemas.openxmlformats.org/markup-compatibility/2006" xmlns:p14="http://schemas.microsoft.com/office/powerpoint/2010/main">
+          <mc:Choice Requires="p14">
+            <p:contentPart p14:bwMode="auto" r:id="rId67">
+              <p14:nvContentPartPr>
+                <p14:cNvPr id="113" name="Ink 112">
+                  <a:extLst>
+                    <a:ext uri="{FF2B5EF4-FFF2-40B4-BE49-F238E27FC236}">
+                      <a16:creationId xmlns:a16="http://schemas.microsoft.com/office/drawing/2014/main" id="{6F946271-A0C8-4DF1-AF86-AAF46A63A555}"/>
+                    </a:ext>
+                  </a:extLst>
+                </p14:cNvPr>
+                <p14:cNvContentPartPr/>
+                <p14:nvPr/>
+              </p14:nvContentPartPr>
+              <p14:xfrm>
+                <a:off x="4988700" y="3022486"/>
+                <a:ext cx="197280" cy="150840"/>
+              </p14:xfrm>
+            </p:contentPart>
+          </mc:Choice>
+          <mc:Fallback xmlns="">
+            <p:pic>
+              <p:nvPicPr>
+                <p:cNvPr id="113" name="Ink 112">
+                  <a:extLst>
+                    <a:ext uri="{FF2B5EF4-FFF2-40B4-BE49-F238E27FC236}">
+                      <a16:creationId xmlns:a16="http://schemas.microsoft.com/office/drawing/2014/main" id="{6F946271-A0C8-4DF1-AF86-AAF46A63A555}"/>
+                    </a:ext>
+                  </a:extLst>
+                </p:cNvPr>
+                <p:cNvPicPr/>
+                <p:nvPr/>
+              </p:nvPicPr>
+              <p:blipFill>
+                <a:blip r:embed="rId68"/>
+                <a:stretch>
+                  <a:fillRect/>
+                </a:stretch>
+              </p:blipFill>
+              <p:spPr>
+                <a:xfrm>
+                  <a:off x="4979700" y="3013846"/>
+                  <a:ext cx="214920" cy="168480"/>
+                </a:xfrm>
+                <a:prstGeom prst="rect">
+                  <a:avLst/>
+                </a:prstGeom>
+              </p:spPr>
+            </p:pic>
+          </mc:Fallback>
+        </mc:AlternateContent>
+        <mc:AlternateContent xmlns:mc="http://schemas.openxmlformats.org/markup-compatibility/2006" xmlns:p14="http://schemas.microsoft.com/office/powerpoint/2010/main">
+          <mc:Choice Requires="p14">
+            <p:contentPart p14:bwMode="auto" r:id="rId69">
+              <p14:nvContentPartPr>
+                <p14:cNvPr id="114" name="Ink 113">
+                  <a:extLst>
+                    <a:ext uri="{FF2B5EF4-FFF2-40B4-BE49-F238E27FC236}">
+                      <a16:creationId xmlns:a16="http://schemas.microsoft.com/office/drawing/2014/main" id="{8B3C5443-593E-4595-BF32-970EF0130D25}"/>
+                    </a:ext>
+                  </a:extLst>
+                </p14:cNvPr>
+                <p14:cNvContentPartPr/>
+                <p14:nvPr/>
+              </p14:nvContentPartPr>
+              <p14:xfrm>
+                <a:off x="5002020" y="2885686"/>
+                <a:ext cx="162360" cy="119880"/>
+              </p14:xfrm>
+            </p:contentPart>
+          </mc:Choice>
+          <mc:Fallback xmlns="">
+            <p:pic>
+              <p:nvPicPr>
+                <p:cNvPr id="114" name="Ink 113">
+                  <a:extLst>
+                    <a:ext uri="{FF2B5EF4-FFF2-40B4-BE49-F238E27FC236}">
+                      <a16:creationId xmlns:a16="http://schemas.microsoft.com/office/drawing/2014/main" id="{8B3C5443-593E-4595-BF32-970EF0130D25}"/>
+                    </a:ext>
+                  </a:extLst>
+                </p:cNvPr>
+                <p:cNvPicPr/>
+                <p:nvPr/>
+              </p:nvPicPr>
+              <p:blipFill>
+                <a:blip r:embed="rId70"/>
+                <a:stretch>
+                  <a:fillRect/>
+                </a:stretch>
+              </p:blipFill>
+              <p:spPr>
+                <a:xfrm>
+                  <a:off x="4993380" y="2876686"/>
+                  <a:ext cx="180000" cy="137520"/>
+                </a:xfrm>
+                <a:prstGeom prst="rect">
+                  <a:avLst/>
+                </a:prstGeom>
+              </p:spPr>
+            </p:pic>
+          </mc:Fallback>
+        </mc:AlternateContent>
+        <mc:AlternateContent xmlns:mc="http://schemas.openxmlformats.org/markup-compatibility/2006" xmlns:p14="http://schemas.microsoft.com/office/powerpoint/2010/main">
+          <mc:Choice Requires="p14">
+            <p:contentPart p14:bwMode="auto" r:id="rId71">
+              <p14:nvContentPartPr>
+                <p14:cNvPr id="115" name="Ink 114">
+                  <a:extLst>
+                    <a:ext uri="{FF2B5EF4-FFF2-40B4-BE49-F238E27FC236}">
+                      <a16:creationId xmlns:a16="http://schemas.microsoft.com/office/drawing/2014/main" id="{110AEDAC-E01C-4E61-A470-BD6DB3FA3DC2}"/>
+                    </a:ext>
+                  </a:extLst>
+                </p14:cNvPr>
+                <p14:cNvContentPartPr/>
+                <p14:nvPr/>
+              </p14:nvContentPartPr>
+              <p14:xfrm>
+                <a:off x="5056020" y="2785966"/>
+                <a:ext cx="82800" cy="64800"/>
+              </p14:xfrm>
+            </p:contentPart>
+          </mc:Choice>
+          <mc:Fallback xmlns="">
+            <p:pic>
+              <p:nvPicPr>
+                <p:cNvPr id="115" name="Ink 114">
+                  <a:extLst>
+                    <a:ext uri="{FF2B5EF4-FFF2-40B4-BE49-F238E27FC236}">
+                      <a16:creationId xmlns:a16="http://schemas.microsoft.com/office/drawing/2014/main" id="{110AEDAC-E01C-4E61-A470-BD6DB3FA3DC2}"/>
+                    </a:ext>
+                  </a:extLst>
+                </p:cNvPr>
+                <p:cNvPicPr/>
+                <p:nvPr/>
+              </p:nvPicPr>
+              <p:blipFill>
+                <a:blip r:embed="rId72"/>
+                <a:stretch>
+                  <a:fillRect/>
+                </a:stretch>
+              </p:blipFill>
+              <p:spPr>
+                <a:xfrm>
+                  <a:off x="5047020" y="2776966"/>
+                  <a:ext cx="100440" cy="82440"/>
+                </a:xfrm>
+                <a:prstGeom prst="rect">
+                  <a:avLst/>
+                </a:prstGeom>
+              </p:spPr>
+            </p:pic>
+          </mc:Fallback>
+        </mc:AlternateContent>
+        <mc:AlternateContent xmlns:mc="http://schemas.openxmlformats.org/markup-compatibility/2006" xmlns:p14="http://schemas.microsoft.com/office/powerpoint/2010/main">
+          <mc:Choice Requires="p14">
+            <p:contentPart p14:bwMode="auto" r:id="rId73">
+              <p14:nvContentPartPr>
+                <p14:cNvPr id="116" name="Ink 115">
+                  <a:extLst>
+                    <a:ext uri="{FF2B5EF4-FFF2-40B4-BE49-F238E27FC236}">
+                      <a16:creationId xmlns:a16="http://schemas.microsoft.com/office/drawing/2014/main" id="{D9DC420A-C3CE-4663-948F-A9799C02E964}"/>
+                    </a:ext>
+                  </a:extLst>
+                </p14:cNvPr>
+                <p14:cNvContentPartPr/>
+                <p14:nvPr/>
+              </p14:nvContentPartPr>
+              <p14:xfrm>
+                <a:off x="5075820" y="2745646"/>
+                <a:ext cx="28800" cy="24480"/>
+              </p14:xfrm>
+            </p:contentPart>
+          </mc:Choice>
+          <mc:Fallback xmlns="">
+            <p:pic>
+              <p:nvPicPr>
+                <p:cNvPr id="116" name="Ink 115">
+                  <a:extLst>
+                    <a:ext uri="{FF2B5EF4-FFF2-40B4-BE49-F238E27FC236}">
+                      <a16:creationId xmlns:a16="http://schemas.microsoft.com/office/drawing/2014/main" id="{D9DC420A-C3CE-4663-948F-A9799C02E964}"/>
+                    </a:ext>
+                  </a:extLst>
+                </p:cNvPr>
+                <p:cNvPicPr/>
+                <p:nvPr/>
+              </p:nvPicPr>
+              <p:blipFill>
+                <a:blip r:embed="rId74"/>
+                <a:stretch>
+                  <a:fillRect/>
+                </a:stretch>
+              </p:blipFill>
+              <p:spPr>
+                <a:xfrm>
+                  <a:off x="5067180" y="2736646"/>
+                  <a:ext cx="46440" cy="42120"/>
+                </a:xfrm>
+                <a:prstGeom prst="rect">
+                  <a:avLst/>
+                </a:prstGeom>
+              </p:spPr>
+            </p:pic>
+          </mc:Fallback>
+        </mc:AlternateContent>
+        <mc:AlternateContent xmlns:mc="http://schemas.openxmlformats.org/markup-compatibility/2006" xmlns:p14="http://schemas.microsoft.com/office/powerpoint/2010/main">
+          <mc:Choice Requires="p14">
+            <p:contentPart p14:bwMode="auto" r:id="rId75">
+              <p14:nvContentPartPr>
+                <p14:cNvPr id="140" name="Ink 139">
+                  <a:extLst>
+                    <a:ext uri="{FF2B5EF4-FFF2-40B4-BE49-F238E27FC236}">
+                      <a16:creationId xmlns:a16="http://schemas.microsoft.com/office/drawing/2014/main" id="{FE6DD8B5-650B-4B69-AF03-D6646BE668F0}"/>
+                    </a:ext>
+                  </a:extLst>
+                </p14:cNvPr>
+                <p14:cNvContentPartPr/>
+                <p14:nvPr/>
+              </p14:nvContentPartPr>
+              <p14:xfrm>
+                <a:off x="4816260" y="2769406"/>
+                <a:ext cx="266760" cy="150480"/>
+              </p14:xfrm>
+            </p:contentPart>
+          </mc:Choice>
+          <mc:Fallback xmlns="">
+            <p:pic>
+              <p:nvPicPr>
+                <p:cNvPr id="140" name="Ink 139">
+                  <a:extLst>
+                    <a:ext uri="{FF2B5EF4-FFF2-40B4-BE49-F238E27FC236}">
+                      <a16:creationId xmlns:a16="http://schemas.microsoft.com/office/drawing/2014/main" id="{FE6DD8B5-650B-4B69-AF03-D6646BE668F0}"/>
+                    </a:ext>
+                  </a:extLst>
+                </p:cNvPr>
+                <p:cNvPicPr/>
+                <p:nvPr/>
+              </p:nvPicPr>
+              <p:blipFill>
+                <a:blip r:embed="rId76"/>
+                <a:stretch>
+                  <a:fillRect/>
+                </a:stretch>
+              </p:blipFill>
+              <p:spPr>
+                <a:xfrm>
+                  <a:off x="4807260" y="2760406"/>
+                  <a:ext cx="284400" cy="168120"/>
+                </a:xfrm>
+                <a:prstGeom prst="rect">
+                  <a:avLst/>
+                </a:prstGeom>
+              </p:spPr>
+            </p:pic>
+          </mc:Fallback>
+        </mc:AlternateContent>
+        <mc:AlternateContent xmlns:mc="http://schemas.openxmlformats.org/markup-compatibility/2006" xmlns:p14="http://schemas.microsoft.com/office/powerpoint/2010/main">
+          <mc:Choice Requires="p14">
+            <p:contentPart p14:bwMode="auto" r:id="rId77">
+              <p14:nvContentPartPr>
+                <p14:cNvPr id="141" name="Ink 140">
+                  <a:extLst>
+                    <a:ext uri="{FF2B5EF4-FFF2-40B4-BE49-F238E27FC236}">
+                      <a16:creationId xmlns:a16="http://schemas.microsoft.com/office/drawing/2014/main" id="{6AEF66F6-709F-4AB7-9692-684AF75905ED}"/>
+                    </a:ext>
+                  </a:extLst>
+                </p14:cNvPr>
+                <p14:cNvContentPartPr/>
+                <p14:nvPr/>
+              </p14:nvContentPartPr>
+              <p14:xfrm>
+                <a:off x="4761180" y="2809726"/>
+                <a:ext cx="416160" cy="223560"/>
+              </p14:xfrm>
+            </p:contentPart>
+          </mc:Choice>
+          <mc:Fallback xmlns="">
+            <p:pic>
+              <p:nvPicPr>
+                <p:cNvPr id="141" name="Ink 140">
+                  <a:extLst>
+                    <a:ext uri="{FF2B5EF4-FFF2-40B4-BE49-F238E27FC236}">
+                      <a16:creationId xmlns:a16="http://schemas.microsoft.com/office/drawing/2014/main" id="{6AEF66F6-709F-4AB7-9692-684AF75905ED}"/>
+                    </a:ext>
+                  </a:extLst>
+                </p:cNvPr>
+                <p:cNvPicPr/>
+                <p:nvPr/>
+              </p:nvPicPr>
+              <p:blipFill>
+                <a:blip r:embed="rId78"/>
+                <a:stretch>
+                  <a:fillRect/>
+                </a:stretch>
+              </p:blipFill>
+              <p:spPr>
+                <a:xfrm>
+                  <a:off x="4752540" y="2800726"/>
+                  <a:ext cx="433800" cy="241200"/>
+                </a:xfrm>
+                <a:prstGeom prst="rect">
+                  <a:avLst/>
+                </a:prstGeom>
+              </p:spPr>
+            </p:pic>
+          </mc:Fallback>
+        </mc:AlternateContent>
+        <mc:AlternateContent xmlns:mc="http://schemas.openxmlformats.org/markup-compatibility/2006" xmlns:p14="http://schemas.microsoft.com/office/powerpoint/2010/main">
+          <mc:Choice Requires="p14">
+            <p:contentPart p14:bwMode="auto" r:id="rId79">
+              <p14:nvContentPartPr>
+                <p14:cNvPr id="142" name="Ink 141">
+                  <a:extLst>
+                    <a:ext uri="{FF2B5EF4-FFF2-40B4-BE49-F238E27FC236}">
+                      <a16:creationId xmlns:a16="http://schemas.microsoft.com/office/drawing/2014/main" id="{A56ACD99-AEC1-463B-8963-829BD70997B4}"/>
+                    </a:ext>
+                  </a:extLst>
+                </p14:cNvPr>
+                <p14:cNvContentPartPr/>
+                <p14:nvPr/>
+              </p14:nvContentPartPr>
+              <p14:xfrm>
+                <a:off x="4838940" y="2917726"/>
+                <a:ext cx="298080" cy="219600"/>
+              </p14:xfrm>
+            </p:contentPart>
+          </mc:Choice>
+          <mc:Fallback xmlns="">
+            <p:pic>
+              <p:nvPicPr>
+                <p:cNvPr id="142" name="Ink 141">
+                  <a:extLst>
+                    <a:ext uri="{FF2B5EF4-FFF2-40B4-BE49-F238E27FC236}">
+                      <a16:creationId xmlns:a16="http://schemas.microsoft.com/office/drawing/2014/main" id="{A56ACD99-AEC1-463B-8963-829BD70997B4}"/>
+                    </a:ext>
+                  </a:extLst>
+                </p:cNvPr>
+                <p:cNvPicPr/>
+                <p:nvPr/>
+              </p:nvPicPr>
+              <p:blipFill>
+                <a:blip r:embed="rId80"/>
+                <a:stretch>
+                  <a:fillRect/>
+                </a:stretch>
+              </p:blipFill>
+              <p:spPr>
+                <a:xfrm>
+                  <a:off x="4829940" y="2909086"/>
+                  <a:ext cx="315720" cy="237240"/>
+                </a:xfrm>
+                <a:prstGeom prst="rect">
+                  <a:avLst/>
+                </a:prstGeom>
+              </p:spPr>
+            </p:pic>
+          </mc:Fallback>
+        </mc:AlternateContent>
+        <mc:AlternateContent xmlns:mc="http://schemas.openxmlformats.org/markup-compatibility/2006" xmlns:p14="http://schemas.microsoft.com/office/powerpoint/2010/main">
+          <mc:Choice Requires="p14">
+            <p:contentPart p14:bwMode="auto" r:id="rId81">
+              <p14:nvContentPartPr>
+                <p14:cNvPr id="143" name="Ink 142">
+                  <a:extLst>
+                    <a:ext uri="{FF2B5EF4-FFF2-40B4-BE49-F238E27FC236}">
+                      <a16:creationId xmlns:a16="http://schemas.microsoft.com/office/drawing/2014/main" id="{F196EDCA-17CC-4811-9318-453C9D29B60F}"/>
+                    </a:ext>
+                  </a:extLst>
+                </p14:cNvPr>
+                <p14:cNvContentPartPr/>
+                <p14:nvPr/>
+              </p14:nvContentPartPr>
+              <p14:xfrm>
+                <a:off x="4762620" y="3139486"/>
+                <a:ext cx="313920" cy="248400"/>
+              </p14:xfrm>
+            </p:contentPart>
+          </mc:Choice>
+          <mc:Fallback xmlns="">
+            <p:pic>
+              <p:nvPicPr>
+                <p:cNvPr id="143" name="Ink 142">
+                  <a:extLst>
+                    <a:ext uri="{FF2B5EF4-FFF2-40B4-BE49-F238E27FC236}">
+                      <a16:creationId xmlns:a16="http://schemas.microsoft.com/office/drawing/2014/main" id="{F196EDCA-17CC-4811-9318-453C9D29B60F}"/>
+                    </a:ext>
+                  </a:extLst>
+                </p:cNvPr>
+                <p:cNvPicPr/>
+                <p:nvPr/>
+              </p:nvPicPr>
+              <p:blipFill>
+                <a:blip r:embed="rId82"/>
+                <a:stretch>
+                  <a:fillRect/>
+                </a:stretch>
+              </p:blipFill>
+              <p:spPr>
+                <a:xfrm>
+                  <a:off x="4753620" y="3130846"/>
+                  <a:ext cx="331560" cy="266040"/>
+                </a:xfrm>
+                <a:prstGeom prst="rect">
+                  <a:avLst/>
+                </a:prstGeom>
+              </p:spPr>
+            </p:pic>
+          </mc:Fallback>
+        </mc:AlternateContent>
+        <mc:AlternateContent xmlns:mc="http://schemas.openxmlformats.org/markup-compatibility/2006" xmlns:p14="http://schemas.microsoft.com/office/powerpoint/2010/main">
+          <mc:Choice Requires="p14">
+            <p:contentPart p14:bwMode="auto" r:id="rId83">
+              <p14:nvContentPartPr>
+                <p14:cNvPr id="144" name="Ink 143">
+                  <a:extLst>
+                    <a:ext uri="{FF2B5EF4-FFF2-40B4-BE49-F238E27FC236}">
+                      <a16:creationId xmlns:a16="http://schemas.microsoft.com/office/drawing/2014/main" id="{BD0C597C-3480-4E97-9D94-653A0BD7F424}"/>
+                    </a:ext>
+                  </a:extLst>
+                </p14:cNvPr>
+                <p14:cNvContentPartPr/>
+                <p14:nvPr/>
+              </p14:nvContentPartPr>
+              <p14:xfrm>
+                <a:off x="4886820" y="3341446"/>
+                <a:ext cx="135720" cy="139680"/>
+              </p14:xfrm>
+            </p:contentPart>
+          </mc:Choice>
+          <mc:Fallback xmlns="">
+            <p:pic>
+              <p:nvPicPr>
+                <p:cNvPr id="144" name="Ink 143">
+                  <a:extLst>
+                    <a:ext uri="{FF2B5EF4-FFF2-40B4-BE49-F238E27FC236}">
+                      <a16:creationId xmlns:a16="http://schemas.microsoft.com/office/drawing/2014/main" id="{BD0C597C-3480-4E97-9D94-653A0BD7F424}"/>
+                    </a:ext>
+                  </a:extLst>
+                </p:cNvPr>
+                <p:cNvPicPr/>
+                <p:nvPr/>
+              </p:nvPicPr>
+              <p:blipFill>
+                <a:blip r:embed="rId84"/>
+                <a:stretch>
+                  <a:fillRect/>
+                </a:stretch>
+              </p:blipFill>
+              <p:spPr>
+                <a:xfrm>
+                  <a:off x="4877820" y="3332446"/>
+                  <a:ext cx="153360" cy="157320"/>
+                </a:xfrm>
+                <a:prstGeom prst="rect">
+                  <a:avLst/>
+                </a:prstGeom>
+              </p:spPr>
+            </p:pic>
+          </mc:Fallback>
+        </mc:AlternateContent>
+        <mc:AlternateContent xmlns:mc="http://schemas.openxmlformats.org/markup-compatibility/2006" xmlns:p14="http://schemas.microsoft.com/office/powerpoint/2010/main">
+          <mc:Choice Requires="p14">
+            <p:contentPart p14:bwMode="auto" r:id="rId85">
+              <p14:nvContentPartPr>
+                <p14:cNvPr id="145" name="Ink 144">
+                  <a:extLst>
+                    <a:ext uri="{FF2B5EF4-FFF2-40B4-BE49-F238E27FC236}">
+                      <a16:creationId xmlns:a16="http://schemas.microsoft.com/office/drawing/2014/main" id="{F7823FEE-3474-4691-A96A-C5C82F391471}"/>
+                    </a:ext>
+                  </a:extLst>
+                </p14:cNvPr>
+                <p14:cNvContentPartPr/>
+                <p14:nvPr/>
+              </p14:nvContentPartPr>
+              <p14:xfrm>
+                <a:off x="4827780" y="2580766"/>
+                <a:ext cx="214920" cy="111600"/>
+              </p14:xfrm>
+            </p:contentPart>
+          </mc:Choice>
+          <mc:Fallback xmlns="">
+            <p:pic>
+              <p:nvPicPr>
+                <p:cNvPr id="145" name="Ink 144">
+                  <a:extLst>
+                    <a:ext uri="{FF2B5EF4-FFF2-40B4-BE49-F238E27FC236}">
+                      <a16:creationId xmlns:a16="http://schemas.microsoft.com/office/drawing/2014/main" id="{F7823FEE-3474-4691-A96A-C5C82F391471}"/>
+                    </a:ext>
+                  </a:extLst>
+                </p:cNvPr>
+                <p:cNvPicPr/>
+                <p:nvPr/>
+              </p:nvPicPr>
+              <p:blipFill>
+                <a:blip r:embed="rId86"/>
+                <a:stretch>
+                  <a:fillRect/>
+                </a:stretch>
+              </p:blipFill>
+              <p:spPr>
+                <a:xfrm>
+                  <a:off x="4819140" y="2571766"/>
+                  <a:ext cx="232560" cy="129240"/>
+                </a:xfrm>
+                <a:prstGeom prst="rect">
+                  <a:avLst/>
+                </a:prstGeom>
+              </p:spPr>
+            </p:pic>
+          </mc:Fallback>
+        </mc:AlternateContent>
+        <mc:AlternateContent xmlns:mc="http://schemas.openxmlformats.org/markup-compatibility/2006" xmlns:p14="http://schemas.microsoft.com/office/powerpoint/2010/main">
+          <mc:Choice Requires="p14">
+            <p:contentPart p14:bwMode="auto" r:id="rId87">
+              <p14:nvContentPartPr>
+                <p14:cNvPr id="146" name="Ink 145">
+                  <a:extLst>
+                    <a:ext uri="{FF2B5EF4-FFF2-40B4-BE49-F238E27FC236}">
+                      <a16:creationId xmlns:a16="http://schemas.microsoft.com/office/drawing/2014/main" id="{796866B5-7BCB-4520-B1B2-6ADD86E1DA14}"/>
+                    </a:ext>
+                  </a:extLst>
+                </p14:cNvPr>
+                <p14:cNvContentPartPr/>
+                <p14:nvPr/>
+              </p14:nvContentPartPr>
+              <p14:xfrm>
+                <a:off x="4785660" y="2393206"/>
+                <a:ext cx="190080" cy="118080"/>
+              </p14:xfrm>
+            </p:contentPart>
+          </mc:Choice>
+          <mc:Fallback xmlns="">
+            <p:pic>
+              <p:nvPicPr>
+                <p:cNvPr id="146" name="Ink 145">
+                  <a:extLst>
+                    <a:ext uri="{FF2B5EF4-FFF2-40B4-BE49-F238E27FC236}">
+                      <a16:creationId xmlns:a16="http://schemas.microsoft.com/office/drawing/2014/main" id="{796866B5-7BCB-4520-B1B2-6ADD86E1DA14}"/>
+                    </a:ext>
+                  </a:extLst>
+                </p:cNvPr>
+                <p:cNvPicPr/>
+                <p:nvPr/>
+              </p:nvPicPr>
+              <p:blipFill>
+                <a:blip r:embed="rId88"/>
+                <a:stretch>
+                  <a:fillRect/>
+                </a:stretch>
+              </p:blipFill>
+              <p:spPr>
+                <a:xfrm>
+                  <a:off x="4776660" y="2384206"/>
+                  <a:ext cx="207720" cy="135720"/>
+                </a:xfrm>
+                <a:prstGeom prst="rect">
+                  <a:avLst/>
+                </a:prstGeom>
+              </p:spPr>
+            </p:pic>
+          </mc:Fallback>
+        </mc:AlternateContent>
+        <mc:AlternateContent xmlns:mc="http://schemas.openxmlformats.org/markup-compatibility/2006" xmlns:p14="http://schemas.microsoft.com/office/powerpoint/2010/main">
+          <mc:Choice Requires="p14">
+            <p:contentPart p14:bwMode="auto" r:id="rId89">
+              <p14:nvContentPartPr>
+                <p14:cNvPr id="147" name="Ink 146">
+                  <a:extLst>
+                    <a:ext uri="{FF2B5EF4-FFF2-40B4-BE49-F238E27FC236}">
+                      <a16:creationId xmlns:a16="http://schemas.microsoft.com/office/drawing/2014/main" id="{5CDFEA55-C5CA-4B7F-B094-905CE05775BE}"/>
+                    </a:ext>
+                  </a:extLst>
+                </p14:cNvPr>
+                <p14:cNvContentPartPr/>
+                <p14:nvPr/>
+              </p14:nvContentPartPr>
+              <p14:xfrm>
+                <a:off x="4690620" y="2265406"/>
+                <a:ext cx="177480" cy="105840"/>
+              </p14:xfrm>
+            </p:contentPart>
+          </mc:Choice>
+          <mc:Fallback xmlns="">
+            <p:pic>
+              <p:nvPicPr>
+                <p:cNvPr id="147" name="Ink 146">
+                  <a:extLst>
+                    <a:ext uri="{FF2B5EF4-FFF2-40B4-BE49-F238E27FC236}">
+                      <a16:creationId xmlns:a16="http://schemas.microsoft.com/office/drawing/2014/main" id="{5CDFEA55-C5CA-4B7F-B094-905CE05775BE}"/>
+                    </a:ext>
+                  </a:extLst>
+                </p:cNvPr>
+                <p:cNvPicPr/>
+                <p:nvPr/>
+              </p:nvPicPr>
+              <p:blipFill>
+                <a:blip r:embed="rId90"/>
+                <a:stretch>
+                  <a:fillRect/>
+                </a:stretch>
+              </p:blipFill>
+              <p:spPr>
+                <a:xfrm>
+                  <a:off x="4681620" y="2256766"/>
+                  <a:ext cx="195120" cy="123480"/>
+                </a:xfrm>
+                <a:prstGeom prst="rect">
+                  <a:avLst/>
+                </a:prstGeom>
+              </p:spPr>
+            </p:pic>
+          </mc:Fallback>
+        </mc:AlternateContent>
+        <mc:AlternateContent xmlns:mc="http://schemas.openxmlformats.org/markup-compatibility/2006" xmlns:p14="http://schemas.microsoft.com/office/powerpoint/2010/main">
+          <mc:Choice Requires="p14">
+            <p:contentPart p14:bwMode="auto" r:id="rId91">
+              <p14:nvContentPartPr>
+                <p14:cNvPr id="148" name="Ink 147">
+                  <a:extLst>
+                    <a:ext uri="{FF2B5EF4-FFF2-40B4-BE49-F238E27FC236}">
+                      <a16:creationId xmlns:a16="http://schemas.microsoft.com/office/drawing/2014/main" id="{C2021F8B-A160-4986-B92F-796F4E1F7CA8}"/>
+                    </a:ext>
+                  </a:extLst>
+                </p14:cNvPr>
+                <p14:cNvContentPartPr/>
+                <p14:nvPr/>
+              </p14:nvContentPartPr>
+              <p14:xfrm>
+                <a:off x="4778100" y="2104126"/>
+                <a:ext cx="103320" cy="45000"/>
+              </p14:xfrm>
+            </p:contentPart>
+          </mc:Choice>
+          <mc:Fallback xmlns="">
+            <p:pic>
+              <p:nvPicPr>
+                <p:cNvPr id="148" name="Ink 147">
+                  <a:extLst>
+                    <a:ext uri="{FF2B5EF4-FFF2-40B4-BE49-F238E27FC236}">
+                      <a16:creationId xmlns:a16="http://schemas.microsoft.com/office/drawing/2014/main" id="{C2021F8B-A160-4986-B92F-796F4E1F7CA8}"/>
+                    </a:ext>
+                  </a:extLst>
+                </p:cNvPr>
+                <p:cNvPicPr/>
+                <p:nvPr/>
+              </p:nvPicPr>
+              <p:blipFill>
+                <a:blip r:embed="rId92"/>
+                <a:stretch>
+                  <a:fillRect/>
+                </a:stretch>
+              </p:blipFill>
+              <p:spPr>
+                <a:xfrm>
+                  <a:off x="4769460" y="2095126"/>
+                  <a:ext cx="120960" cy="62640"/>
+                </a:xfrm>
+                <a:prstGeom prst="rect">
+                  <a:avLst/>
+                </a:prstGeom>
+              </p:spPr>
+            </p:pic>
+          </mc:Fallback>
+        </mc:AlternateContent>
+        <mc:AlternateContent xmlns:mc="http://schemas.openxmlformats.org/markup-compatibility/2006" xmlns:p14="http://schemas.microsoft.com/office/powerpoint/2010/main">
+          <mc:Choice Requires="p14">
+            <p:contentPart p14:bwMode="auto" r:id="rId93">
+              <p14:nvContentPartPr>
+                <p14:cNvPr id="149" name="Ink 148">
+                  <a:extLst>
+                    <a:ext uri="{FF2B5EF4-FFF2-40B4-BE49-F238E27FC236}">
+                      <a16:creationId xmlns:a16="http://schemas.microsoft.com/office/drawing/2014/main" id="{901060AD-AE4C-4786-95B3-FE823740557E}"/>
+                    </a:ext>
+                  </a:extLst>
+                </p14:cNvPr>
+                <p14:cNvContentPartPr/>
+                <p14:nvPr/>
+              </p14:nvContentPartPr>
+              <p14:xfrm>
+                <a:off x="4749300" y="2010166"/>
+                <a:ext cx="58320" cy="9000"/>
+              </p14:xfrm>
+            </p:contentPart>
+          </mc:Choice>
+          <mc:Fallback xmlns="">
+            <p:pic>
+              <p:nvPicPr>
+                <p:cNvPr id="149" name="Ink 148">
+                  <a:extLst>
+                    <a:ext uri="{FF2B5EF4-FFF2-40B4-BE49-F238E27FC236}">
+                      <a16:creationId xmlns:a16="http://schemas.microsoft.com/office/drawing/2014/main" id="{901060AD-AE4C-4786-95B3-FE823740557E}"/>
+                    </a:ext>
+                  </a:extLst>
+                </p:cNvPr>
+                <p:cNvPicPr/>
+                <p:nvPr/>
+              </p:nvPicPr>
+              <p:blipFill>
+                <a:blip r:embed="rId94"/>
+                <a:stretch>
+                  <a:fillRect/>
+                </a:stretch>
+              </p:blipFill>
+              <p:spPr>
+                <a:xfrm>
+                  <a:off x="4740300" y="2001166"/>
+                  <a:ext cx="75960" cy="26640"/>
+                </a:xfrm>
+                <a:prstGeom prst="rect">
+                  <a:avLst/>
+                </a:prstGeom>
+              </p:spPr>
+            </p:pic>
+          </mc:Fallback>
+        </mc:AlternateContent>
+      </p:grpSp>
+      <p:sp>
+        <p:nvSpPr>
+          <p:cNvPr id="153" name="TextBox 152">
+            <a:extLst>
+              <a:ext uri="{FF2B5EF4-FFF2-40B4-BE49-F238E27FC236}">
+                <a16:creationId xmlns:a16="http://schemas.microsoft.com/office/drawing/2014/main" id="{3239E54F-7306-46E1-A394-B069D12BA5D2}"/>
+              </a:ext>
+            </a:extLst>
+          </p:cNvPr>
+          <p:cNvSpPr txBox="1"/>
+          <p:nvPr/>
+        </p:nvSpPr>
+        <p:spPr>
+          <a:xfrm>
+            <a:off x="2510267" y="4048657"/>
+            <a:ext cx="3805517" cy="307777"/>
+          </a:xfrm>
+          <a:prstGeom prst="rect">
+            <a:avLst/>
+          </a:prstGeom>
+          <a:noFill/>
+        </p:spPr>
+        <p:txBody>
+          <a:bodyPr wrap="square" rtlCol="0">
+            <a:spAutoFit/>
+          </a:bodyPr>
+          <a:lstStyle/>
+          <a:p>
+            <a:r>
+              <a:rPr lang="en-US" dirty="0"/>
+              <a:t>Market up 		            Market Down</a:t>
+            </a:r>
+          </a:p>
+        </p:txBody>
+      </p:sp>
+      <p:sp>
+        <p:nvSpPr>
+          <p:cNvPr id="154" name="TextBox 153">
+            <a:extLst>
+              <a:ext uri="{FF2B5EF4-FFF2-40B4-BE49-F238E27FC236}">
+                <a16:creationId xmlns:a16="http://schemas.microsoft.com/office/drawing/2014/main" id="{C73FC7CB-7611-489C-ABC0-E6C4CA7D2D5A}"/>
+              </a:ext>
+            </a:extLst>
+          </p:cNvPr>
+          <p:cNvSpPr txBox="1"/>
+          <p:nvPr/>
+        </p:nvSpPr>
+        <p:spPr>
+          <a:xfrm>
+            <a:off x="155765" y="2291853"/>
+            <a:ext cx="1822559" cy="523220"/>
+          </a:xfrm>
+          <a:prstGeom prst="rect">
+            <a:avLst/>
+          </a:prstGeom>
+          <a:noFill/>
+        </p:spPr>
+        <p:txBody>
+          <a:bodyPr wrap="square" rtlCol="0">
+            <a:spAutoFit/>
+          </a:bodyPr>
+          <a:lstStyle/>
+          <a:p>
+            <a:r>
+              <a:rPr lang="en-US" dirty="0"/>
+              <a:t>Days market is in each class </a:t>
+            </a:r>
+          </a:p>
+        </p:txBody>
+      </p:sp>
     </p:spTree>
     <p:extLst>
       <p:ext uri="{BB962C8B-B14F-4D97-AF65-F5344CB8AC3E}">
-        <p14:creationId xmlns:p14="http://schemas.microsoft.com/office/powerpoint/2010/main" val="783314028"/>
+        <p14:creationId xmlns:p14="http://schemas.microsoft.com/office/powerpoint/2010/main" val="2931122444"/>
       </p:ext>
     </p:extLst>
   </p:cSld>
@@ -16500,7 +20334,7 @@
         <p:spPr>
           <a:xfrm>
             <a:off x="611841" y="1176618"/>
-            <a:ext cx="7176159" cy="3333031"/>
+            <a:ext cx="7402606" cy="3590645"/>
           </a:xfrm>
           <a:prstGeom prst="rect">
             <a:avLst/>
@@ -16515,6 +20349,160 @@
             <a:noAutofit/>
           </a:bodyPr>
           <a:lstStyle/>
+          <a:p>
+            <a:pPr marL="1028700" lvl="2" indent="0" algn="l">
+              <a:spcBef>
+                <a:spcPts val="0"/>
+              </a:spcBef>
+              <a:buClr>
+                <a:srgbClr val="000000"/>
+              </a:buClr>
+              <a:buSzPts val="1800"/>
+            </a:pPr>
+            <a:r>
+              <a:rPr lang="en-US" sz="2000" dirty="0">
+                <a:solidFill>
+                  <a:srgbClr val="000000"/>
+                </a:solidFill>
+              </a:rPr>
+              <a:t>Logistical Regression</a:t>
+            </a:r>
+          </a:p>
+          <a:p>
+            <a:pPr lvl="2" indent="-342900" algn="l">
+              <a:spcBef>
+                <a:spcPts val="0"/>
+              </a:spcBef>
+              <a:buClr>
+                <a:srgbClr val="000000"/>
+              </a:buClr>
+              <a:buSzPts val="1800"/>
+              <a:buFont typeface="Arial" panose="020B0604020202020204" pitchFamily="34" charset="0"/>
+              <a:buChar char="•"/>
+            </a:pPr>
+            <a:r>
+              <a:rPr lang="en-US" sz="2000" dirty="0">
+                <a:solidFill>
+                  <a:srgbClr val="000000"/>
+                </a:solidFill>
+              </a:rPr>
+              <a:t>A simple multi class logistical Regression is used</a:t>
+            </a:r>
+          </a:p>
+          <a:p>
+            <a:pPr lvl="3" indent="-342900" algn="l">
+              <a:spcBef>
+                <a:spcPts val="0"/>
+              </a:spcBef>
+              <a:buClr>
+                <a:srgbClr val="000000"/>
+              </a:buClr>
+              <a:buSzPts val="1800"/>
+              <a:buFont typeface="Arial" panose="020B0604020202020204" pitchFamily="34" charset="0"/>
+              <a:buChar char="•"/>
+            </a:pPr>
+            <a:r>
+              <a:rPr lang="en-US" sz="1600" dirty="0">
+                <a:solidFill>
+                  <a:srgbClr val="000000"/>
+                </a:solidFill>
+              </a:rPr>
+              <a:t>Predictors being the mean open, high, low, close data from the previous days historical report</a:t>
+            </a:r>
+          </a:p>
+          <a:p>
+            <a:pPr lvl="3" indent="-342900" algn="l">
+              <a:spcBef>
+                <a:spcPts val="0"/>
+              </a:spcBef>
+              <a:buClr>
+                <a:srgbClr val="000000"/>
+              </a:buClr>
+              <a:buSzPts val="1800"/>
+              <a:buFont typeface="Arial" panose="020B0604020202020204" pitchFamily="34" charset="0"/>
+              <a:buChar char="•"/>
+            </a:pPr>
+            <a:r>
+              <a:rPr lang="en-US" sz="1600" dirty="0">
+                <a:solidFill>
+                  <a:srgbClr val="000000"/>
+                </a:solidFill>
+              </a:rPr>
+              <a:t>The Response is a Buy, Pass, or Sell classification for the next day</a:t>
+            </a:r>
+          </a:p>
+          <a:p>
+            <a:pPr marL="1028700" lvl="2" indent="0" algn="l">
+              <a:spcBef>
+                <a:spcPts val="0"/>
+              </a:spcBef>
+              <a:buClr>
+                <a:srgbClr val="000000"/>
+              </a:buClr>
+              <a:buSzPts val="1800"/>
+            </a:pPr>
+            <a:endParaRPr lang="en-US" sz="2000" dirty="0">
+              <a:solidFill>
+                <a:srgbClr val="000000"/>
+              </a:solidFill>
+            </a:endParaRPr>
+          </a:p>
+          <a:p>
+            <a:pPr marL="1028700" lvl="2" indent="0" algn="l">
+              <a:spcBef>
+                <a:spcPts val="0"/>
+              </a:spcBef>
+              <a:buClr>
+                <a:srgbClr val="000000"/>
+              </a:buClr>
+              <a:buSzPts val="1800"/>
+            </a:pPr>
+            <a:r>
+              <a:rPr lang="en-US" sz="2000" dirty="0">
+                <a:solidFill>
+                  <a:srgbClr val="000000"/>
+                </a:solidFill>
+              </a:rPr>
+              <a:t>Visualization</a:t>
+            </a:r>
+          </a:p>
+          <a:p>
+            <a:pPr lvl="2" indent="-342900" algn="l">
+              <a:spcBef>
+                <a:spcPts val="0"/>
+              </a:spcBef>
+              <a:buClr>
+                <a:srgbClr val="000000"/>
+              </a:buClr>
+              <a:buSzPts val="1800"/>
+              <a:buFont typeface="Arial" panose="020B0604020202020204" pitchFamily="34" charset="0"/>
+              <a:buChar char="•"/>
+            </a:pPr>
+            <a:r>
+              <a:rPr lang="en-US" sz="2000" dirty="0">
+                <a:solidFill>
+                  <a:srgbClr val="000000"/>
+                </a:solidFill>
+              </a:rPr>
+              <a:t>A confusion matrix is then made and utilized with a  Seaborn Heatmap for data visualization</a:t>
+            </a:r>
+          </a:p>
+          <a:p>
+            <a:pPr marL="1028700" lvl="2" indent="0" algn="l">
+              <a:spcBef>
+                <a:spcPts val="0"/>
+              </a:spcBef>
+              <a:buClr>
+                <a:srgbClr val="000000"/>
+              </a:buClr>
+              <a:buSzPts val="1800"/>
+            </a:pPr>
+            <a:endParaRPr lang="en-US" sz="2000" dirty="0">
+              <a:solidFill>
+                <a:srgbClr val="000000"/>
+              </a:solidFill>
+            </a:endParaRPr>
+          </a:p>
           <a:p>
             <a:pPr marL="1028700" lvl="2" indent="0" algn="l">
               <a:spcBef>
@@ -16574,6 +20562,593 @@
                   <a:srgbClr val="FFFFFF"/>
                 </a:solidFill>
               </a:rPr>
+              <a:t>Model</a:t>
+            </a:r>
+            <a:endParaRPr sz="3000" dirty="0">
+              <a:solidFill>
+                <a:srgbClr val="FFFFFF"/>
+              </a:solidFill>
+            </a:endParaRPr>
+          </a:p>
+        </p:txBody>
+      </p:sp>
+      <p:sp>
+        <p:nvSpPr>
+          <p:cNvPr id="101" name="Google Shape;101;p15"/>
+          <p:cNvSpPr txBox="1">
+            <a:spLocks noGrp="1"/>
+          </p:cNvSpPr>
+          <p:nvPr>
+            <p:ph type="sldNum" idx="12"/>
+          </p:nvPr>
+        </p:nvSpPr>
+        <p:spPr>
+          <a:xfrm>
+            <a:off x="6553200" y="4767263"/>
+            <a:ext cx="2133600" cy="273900"/>
+          </a:xfrm>
+          <a:prstGeom prst="rect">
+            <a:avLst/>
+          </a:prstGeom>
+        </p:spPr>
+        <p:txBody>
+          <a:bodyPr spcFirstLastPara="1" wrap="square" lIns="91425" tIns="45700" rIns="91425" bIns="45700" anchor="ctr" anchorCtr="0">
+            <a:noAutofit/>
+          </a:bodyPr>
+          <a:lstStyle/>
+          <a:p>
+            <a:pPr marL="0" lvl="0" indent="0" algn="r" rtl="0">
+              <a:spcBef>
+                <a:spcPts val="0"/>
+              </a:spcBef>
+              <a:spcAft>
+                <a:spcPts val="0"/>
+              </a:spcAft>
+              <a:buClr>
+                <a:srgbClr val="000000"/>
+              </a:buClr>
+              <a:buFont typeface="Arial"/>
+              <a:buNone/>
+            </a:pPr>
+            <a:fld id="{00000000-1234-1234-1234-123412341234}" type="slidenum">
+              <a:rPr lang="en-US"/>
+              <a:t>6</a:t>
+            </a:fld>
+            <a:endParaRPr/>
+          </a:p>
+        </p:txBody>
+      </p:sp>
+    </p:spTree>
+    <p:extLst>
+      <p:ext uri="{BB962C8B-B14F-4D97-AF65-F5344CB8AC3E}">
+        <p14:creationId xmlns:p14="http://schemas.microsoft.com/office/powerpoint/2010/main" val="783314028"/>
+      </p:ext>
+    </p:extLst>
+  </p:cSld>
+  <p:clrMapOvr>
+    <a:masterClrMapping/>
+  </p:clrMapOvr>
+</p:sld>
+</file>
+
+<file path=ppt/slides/slide7.xml><?xml version="1.0" encoding="utf-8"?>
+<p:sld xmlns:a="http://schemas.openxmlformats.org/drawingml/2006/main" xmlns:r="http://schemas.openxmlformats.org/officeDocument/2006/relationships" xmlns:p="http://schemas.openxmlformats.org/presentationml/2006/main">
+  <p:cSld>
+    <p:spTree>
+      <p:nvGrpSpPr>
+        <p:cNvPr id="1" name="Shape 97"/>
+        <p:cNvGrpSpPr/>
+        <p:nvPr/>
+      </p:nvGrpSpPr>
+      <p:grpSpPr>
+        <a:xfrm>
+          <a:off x="0" y="0"/>
+          <a:ext cx="0" cy="0"/>
+          <a:chOff x="0" y="0"/>
+          <a:chExt cx="0" cy="0"/>
+        </a:xfrm>
+      </p:grpSpPr>
+      <p:pic>
+        <p:nvPicPr>
+          <p:cNvPr id="98" name="Google Shape;98;p15" descr="OU-Bar-1.png"/>
+          <p:cNvPicPr preferRelativeResize="0"/>
+          <p:nvPr/>
+        </p:nvPicPr>
+        <p:blipFill rotWithShape="1">
+          <a:blip r:embed="rId3">
+            <a:alphaModFix/>
+          </a:blip>
+          <a:srcRect/>
+          <a:stretch/>
+        </p:blipFill>
+        <p:spPr>
+          <a:xfrm>
+            <a:off x="3048" y="0"/>
+            <a:ext cx="9140949" cy="914400"/>
+          </a:xfrm>
+          <a:prstGeom prst="rect">
+            <a:avLst/>
+          </a:prstGeom>
+          <a:noFill/>
+          <a:ln>
+            <a:noFill/>
+          </a:ln>
+        </p:spPr>
+      </p:pic>
+      <p:sp>
+        <p:nvSpPr>
+          <p:cNvPr id="100" name="Google Shape;100;p15"/>
+          <p:cNvSpPr txBox="1">
+            <a:spLocks noGrp="1"/>
+          </p:cNvSpPr>
+          <p:nvPr>
+            <p:ph type="ctrTitle"/>
+          </p:nvPr>
+        </p:nvSpPr>
+        <p:spPr>
+          <a:xfrm>
+            <a:off x="333925" y="0"/>
+            <a:ext cx="5975400" cy="847500"/>
+          </a:xfrm>
+          <a:prstGeom prst="rect">
+            <a:avLst/>
+          </a:prstGeom>
+          <a:noFill/>
+          <a:ln>
+            <a:noFill/>
+          </a:ln>
+        </p:spPr>
+        <p:txBody>
+          <a:bodyPr spcFirstLastPara="1" wrap="square" lIns="91425" tIns="45700" rIns="91425" bIns="45700" anchor="ctr" anchorCtr="0">
+            <a:noAutofit/>
+          </a:bodyPr>
+          <a:lstStyle/>
+          <a:p>
+            <a:pPr lvl="0" algn="l">
+              <a:buClr>
+                <a:srgbClr val="FFFFFF"/>
+              </a:buClr>
+              <a:buSzPts val="3400"/>
+            </a:pPr>
+            <a:r>
+              <a:rPr lang="en-US" sz="3000" dirty="0">
+                <a:solidFill>
+                  <a:srgbClr val="FFFFFF"/>
+                </a:solidFill>
+              </a:rPr>
+              <a:t>Tuning and design</a:t>
+            </a:r>
+            <a:endParaRPr sz="3000" dirty="0">
+              <a:solidFill>
+                <a:srgbClr val="FFFFFF"/>
+              </a:solidFill>
+            </a:endParaRPr>
+          </a:p>
+        </p:txBody>
+      </p:sp>
+      <p:sp>
+        <p:nvSpPr>
+          <p:cNvPr id="101" name="Google Shape;101;p15"/>
+          <p:cNvSpPr txBox="1">
+            <a:spLocks noGrp="1"/>
+          </p:cNvSpPr>
+          <p:nvPr>
+            <p:ph type="sldNum" idx="12"/>
+          </p:nvPr>
+        </p:nvSpPr>
+        <p:spPr>
+          <a:xfrm>
+            <a:off x="6553200" y="4767263"/>
+            <a:ext cx="2133600" cy="273900"/>
+          </a:xfrm>
+          <a:prstGeom prst="rect">
+            <a:avLst/>
+          </a:prstGeom>
+        </p:spPr>
+        <p:txBody>
+          <a:bodyPr spcFirstLastPara="1" wrap="square" lIns="91425" tIns="45700" rIns="91425" bIns="45700" anchor="ctr" anchorCtr="0">
+            <a:noAutofit/>
+          </a:bodyPr>
+          <a:lstStyle/>
+          <a:p>
+            <a:pPr marL="0" lvl="0" indent="0" algn="r" rtl="0">
+              <a:spcBef>
+                <a:spcPts val="0"/>
+              </a:spcBef>
+              <a:spcAft>
+                <a:spcPts val="0"/>
+              </a:spcAft>
+              <a:buClr>
+                <a:srgbClr val="000000"/>
+              </a:buClr>
+              <a:buFont typeface="Arial"/>
+              <a:buNone/>
+            </a:pPr>
+            <a:fld id="{00000000-1234-1234-1234-123412341234}" type="slidenum">
+              <a:rPr lang="en-US"/>
+              <a:t>7</a:t>
+            </a:fld>
+            <a:endParaRPr/>
+          </a:p>
+        </p:txBody>
+      </p:sp>
+      <p:sp>
+        <p:nvSpPr>
+          <p:cNvPr id="2" name="TextBox 1">
+            <a:extLst>
+              <a:ext uri="{FF2B5EF4-FFF2-40B4-BE49-F238E27FC236}">
+                <a16:creationId xmlns:a16="http://schemas.microsoft.com/office/drawing/2014/main" id="{F4E3619F-1F75-4D7F-B726-18F3AFD8976C}"/>
+              </a:ext>
+            </a:extLst>
+          </p:cNvPr>
+          <p:cNvSpPr txBox="1"/>
+          <p:nvPr/>
+        </p:nvSpPr>
+        <p:spPr>
+          <a:xfrm>
+            <a:off x="333924" y="1282815"/>
+            <a:ext cx="2348763" cy="954107"/>
+          </a:xfrm>
+          <a:prstGeom prst="rect">
+            <a:avLst/>
+          </a:prstGeom>
+          <a:noFill/>
+        </p:spPr>
+        <p:txBody>
+          <a:bodyPr wrap="square" rtlCol="0">
+            <a:spAutoFit/>
+          </a:bodyPr>
+          <a:lstStyle/>
+          <a:p>
+            <a:r>
+              <a:rPr lang="en-US" dirty="0"/>
+              <a:t>Data is unnormalized – Results were far superior without normalization</a:t>
+            </a:r>
+          </a:p>
+          <a:p>
+            <a:endParaRPr lang="en-US" dirty="0"/>
+          </a:p>
+        </p:txBody>
+      </p:sp>
+      <p:pic>
+        <p:nvPicPr>
+          <p:cNvPr id="8" name="Picture 7" descr="A screenshot of a social media post&#10;&#10;Description automatically generated">
+            <a:extLst>
+              <a:ext uri="{FF2B5EF4-FFF2-40B4-BE49-F238E27FC236}">
+                <a16:creationId xmlns:a16="http://schemas.microsoft.com/office/drawing/2014/main" id="{7B06B0AE-184E-4B93-B982-1D7DC21B5A1B}"/>
+              </a:ext>
+            </a:extLst>
+          </p:cNvPr>
+          <p:cNvPicPr>
+            <a:picLocks noChangeAspect="1"/>
+          </p:cNvPicPr>
+          <p:nvPr/>
+        </p:nvPicPr>
+        <p:blipFill rotWithShape="1">
+          <a:blip r:embed="rId4"/>
+          <a:srcRect r="39291"/>
+          <a:stretch/>
+        </p:blipFill>
+        <p:spPr>
+          <a:xfrm>
+            <a:off x="5950365" y="991828"/>
+            <a:ext cx="2706221" cy="2026631"/>
+          </a:xfrm>
+          <a:prstGeom prst="rect">
+            <a:avLst/>
+          </a:prstGeom>
+        </p:spPr>
+      </p:pic>
+      <p:pic>
+        <p:nvPicPr>
+          <p:cNvPr id="10" name="Picture 9" descr="A screenshot of a cell phone&#10;&#10;Description automatically generated">
+            <a:extLst>
+              <a:ext uri="{FF2B5EF4-FFF2-40B4-BE49-F238E27FC236}">
+                <a16:creationId xmlns:a16="http://schemas.microsoft.com/office/drawing/2014/main" id="{5BB716C6-C21F-412D-871A-720090A84BC5}"/>
+              </a:ext>
+            </a:extLst>
+          </p:cNvPr>
+          <p:cNvPicPr>
+            <a:picLocks noChangeAspect="1"/>
+          </p:cNvPicPr>
+          <p:nvPr/>
+        </p:nvPicPr>
+        <p:blipFill rotWithShape="1">
+          <a:blip r:embed="rId5"/>
+          <a:srcRect r="38015"/>
+          <a:stretch/>
+        </p:blipFill>
+        <p:spPr>
+          <a:xfrm>
+            <a:off x="2689494" y="945379"/>
+            <a:ext cx="2833967" cy="2116836"/>
+          </a:xfrm>
+          <a:prstGeom prst="rect">
+            <a:avLst/>
+          </a:prstGeom>
+        </p:spPr>
+      </p:pic>
+      <p:sp>
+        <p:nvSpPr>
+          <p:cNvPr id="11" name="TextBox 10">
+            <a:extLst>
+              <a:ext uri="{FF2B5EF4-FFF2-40B4-BE49-F238E27FC236}">
+                <a16:creationId xmlns:a16="http://schemas.microsoft.com/office/drawing/2014/main" id="{C04EEA6A-3667-4A13-BE00-5523E7ECDD19}"/>
+              </a:ext>
+            </a:extLst>
+          </p:cNvPr>
+          <p:cNvSpPr txBox="1"/>
+          <p:nvPr/>
+        </p:nvSpPr>
+        <p:spPr>
+          <a:xfrm>
+            <a:off x="333925" y="3374401"/>
+            <a:ext cx="2348763" cy="954107"/>
+          </a:xfrm>
+          <a:prstGeom prst="rect">
+            <a:avLst/>
+          </a:prstGeom>
+          <a:noFill/>
+        </p:spPr>
+        <p:txBody>
+          <a:bodyPr wrap="square" rtlCol="0">
+            <a:spAutoFit/>
+          </a:bodyPr>
+          <a:lstStyle/>
+          <a:p>
+            <a:r>
+              <a:rPr lang="en-US" dirty="0"/>
+              <a:t>½ standard deviation also used for response instead of 1 SD</a:t>
+            </a:r>
+          </a:p>
+          <a:p>
+            <a:endParaRPr lang="en-US" dirty="0"/>
+          </a:p>
+        </p:txBody>
+      </p:sp>
+      <p:pic>
+        <p:nvPicPr>
+          <p:cNvPr id="13" name="Picture 12" descr="A screenshot of a cell phone&#10;&#10;Description automatically generated">
+            <a:extLst>
+              <a:ext uri="{FF2B5EF4-FFF2-40B4-BE49-F238E27FC236}">
+                <a16:creationId xmlns:a16="http://schemas.microsoft.com/office/drawing/2014/main" id="{DFDB0120-476A-42E5-95E6-B34C74A8EF86}"/>
+              </a:ext>
+            </a:extLst>
+          </p:cNvPr>
+          <p:cNvPicPr>
+            <a:picLocks noChangeAspect="1"/>
+          </p:cNvPicPr>
+          <p:nvPr/>
+        </p:nvPicPr>
+        <p:blipFill>
+          <a:blip r:embed="rId6"/>
+          <a:stretch>
+            <a:fillRect/>
+          </a:stretch>
+        </p:blipFill>
+        <p:spPr>
+          <a:xfrm>
+            <a:off x="2960604" y="3200526"/>
+            <a:ext cx="2117993" cy="1703687"/>
+          </a:xfrm>
+          <a:prstGeom prst="rect">
+            <a:avLst/>
+          </a:prstGeom>
+        </p:spPr>
+      </p:pic>
+      <p:sp>
+        <p:nvSpPr>
+          <p:cNvPr id="6" name="TextBox 5">
+            <a:extLst>
+              <a:ext uri="{FF2B5EF4-FFF2-40B4-BE49-F238E27FC236}">
+                <a16:creationId xmlns:a16="http://schemas.microsoft.com/office/drawing/2014/main" id="{81A59D60-2F14-437B-A901-82786053FAAE}"/>
+              </a:ext>
+            </a:extLst>
+          </p:cNvPr>
+          <p:cNvSpPr txBox="1"/>
+          <p:nvPr/>
+        </p:nvSpPr>
+        <p:spPr>
+          <a:xfrm>
+            <a:off x="6158753" y="3864901"/>
+            <a:ext cx="2117993" cy="769441"/>
+          </a:xfrm>
+          <a:prstGeom prst="rect">
+            <a:avLst/>
+          </a:prstGeom>
+          <a:noFill/>
+        </p:spPr>
+        <p:txBody>
+          <a:bodyPr wrap="square" rtlCol="0">
+            <a:spAutoFit/>
+          </a:bodyPr>
+          <a:lstStyle/>
+          <a:p>
+            <a:r>
+              <a:rPr lang="en-US" sz="1000" dirty="0"/>
+              <a:t>Top Left: unnormalized with ½ SD</a:t>
+            </a:r>
+          </a:p>
+          <a:p>
+            <a:r>
+              <a:rPr lang="en-US" sz="1000" dirty="0"/>
+              <a:t>Top Right: normalized with ½ SD</a:t>
+            </a:r>
+          </a:p>
+          <a:p>
+            <a:r>
+              <a:rPr lang="en-US" sz="1000" dirty="0"/>
+              <a:t>Bottom Left: 1 SD</a:t>
+            </a:r>
+          </a:p>
+          <a:p>
+            <a:endParaRPr lang="en-US" dirty="0"/>
+          </a:p>
+        </p:txBody>
+      </p:sp>
+    </p:spTree>
+    <p:extLst>
+      <p:ext uri="{BB962C8B-B14F-4D97-AF65-F5344CB8AC3E}">
+        <p14:creationId xmlns:p14="http://schemas.microsoft.com/office/powerpoint/2010/main" val="693043770"/>
+      </p:ext>
+    </p:extLst>
+  </p:cSld>
+  <p:clrMapOvr>
+    <a:masterClrMapping/>
+  </p:clrMapOvr>
+</p:sld>
+</file>
+
+<file path=ppt/slides/slide8.xml><?xml version="1.0" encoding="utf-8"?>
+<p:sld xmlns:a="http://schemas.openxmlformats.org/drawingml/2006/main" xmlns:r="http://schemas.openxmlformats.org/officeDocument/2006/relationships" xmlns:p="http://schemas.openxmlformats.org/presentationml/2006/main">
+  <p:cSld>
+    <p:spTree>
+      <p:nvGrpSpPr>
+        <p:cNvPr id="1" name="Shape 97"/>
+        <p:cNvGrpSpPr/>
+        <p:nvPr/>
+      </p:nvGrpSpPr>
+      <p:grpSpPr>
+        <a:xfrm>
+          <a:off x="0" y="0"/>
+          <a:ext cx="0" cy="0"/>
+          <a:chOff x="0" y="0"/>
+          <a:chExt cx="0" cy="0"/>
+        </a:xfrm>
+      </p:grpSpPr>
+      <p:pic>
+        <p:nvPicPr>
+          <p:cNvPr id="98" name="Google Shape;98;p15" descr="OU-Bar-1.png"/>
+          <p:cNvPicPr preferRelativeResize="0"/>
+          <p:nvPr/>
+        </p:nvPicPr>
+        <p:blipFill rotWithShape="1">
+          <a:blip r:embed="rId3">
+            <a:alphaModFix/>
+          </a:blip>
+          <a:srcRect/>
+          <a:stretch/>
+        </p:blipFill>
+        <p:spPr>
+          <a:xfrm>
+            <a:off x="3048" y="0"/>
+            <a:ext cx="9140949" cy="914400"/>
+          </a:xfrm>
+          <a:prstGeom prst="rect">
+            <a:avLst/>
+          </a:prstGeom>
+          <a:noFill/>
+          <a:ln>
+            <a:noFill/>
+          </a:ln>
+        </p:spPr>
+      </p:pic>
+      <p:sp>
+        <p:nvSpPr>
+          <p:cNvPr id="99" name="Google Shape;99;p15"/>
+          <p:cNvSpPr txBox="1">
+            <a:spLocks noGrp="1"/>
+          </p:cNvSpPr>
+          <p:nvPr>
+            <p:ph type="subTitle" idx="1"/>
+          </p:nvPr>
+        </p:nvSpPr>
+        <p:spPr>
+          <a:xfrm>
+            <a:off x="611841" y="1055594"/>
+            <a:ext cx="7012641" cy="268381"/>
+          </a:xfrm>
+          <a:prstGeom prst="rect">
+            <a:avLst/>
+          </a:prstGeom>
+          <a:noFill/>
+          <a:ln>
+            <a:noFill/>
+          </a:ln>
+        </p:spPr>
+        <p:txBody>
+          <a:bodyPr spcFirstLastPara="1" wrap="square" lIns="91425" tIns="45700" rIns="91425" bIns="45700" anchor="t" anchorCtr="0">
+            <a:noAutofit/>
+          </a:bodyPr>
+          <a:lstStyle/>
+          <a:p>
+            <a:pPr marL="1028700" lvl="2" indent="0" algn="l">
+              <a:spcBef>
+                <a:spcPts val="0"/>
+              </a:spcBef>
+              <a:buClr>
+                <a:srgbClr val="000000"/>
+              </a:buClr>
+              <a:buSzPts val="1800"/>
+            </a:pPr>
+            <a:r>
+              <a:rPr lang="en-US" sz="1000" dirty="0">
+                <a:solidFill>
+                  <a:srgbClr val="000000"/>
+                </a:solidFill>
+              </a:rPr>
+              <a:t>The result of the trained logistic regression without normalization on the 20% test set was an accuracy of 0.7260</a:t>
+            </a:r>
+          </a:p>
+          <a:p>
+            <a:pPr marL="1028700" lvl="2" indent="0" algn="l">
+              <a:spcBef>
+                <a:spcPts val="0"/>
+              </a:spcBef>
+              <a:buClr>
+                <a:srgbClr val="000000"/>
+              </a:buClr>
+              <a:buSzPts val="1800"/>
+            </a:pPr>
+            <a:endParaRPr lang="en-US" sz="1000" dirty="0">
+              <a:solidFill>
+                <a:srgbClr val="000000"/>
+              </a:solidFill>
+            </a:endParaRPr>
+          </a:p>
+        </p:txBody>
+      </p:sp>
+      <p:sp>
+        <p:nvSpPr>
+          <p:cNvPr id="100" name="Google Shape;100;p15"/>
+          <p:cNvSpPr txBox="1">
+            <a:spLocks noGrp="1"/>
+          </p:cNvSpPr>
+          <p:nvPr>
+            <p:ph type="ctrTitle"/>
+          </p:nvPr>
+        </p:nvSpPr>
+        <p:spPr>
+          <a:xfrm>
+            <a:off x="333925" y="0"/>
+            <a:ext cx="5975400" cy="847500"/>
+          </a:xfrm>
+          <a:prstGeom prst="rect">
+            <a:avLst/>
+          </a:prstGeom>
+          <a:noFill/>
+          <a:ln>
+            <a:noFill/>
+          </a:ln>
+        </p:spPr>
+        <p:txBody>
+          <a:bodyPr spcFirstLastPara="1" wrap="square" lIns="91425" tIns="45700" rIns="91425" bIns="45700" anchor="ctr" anchorCtr="0">
+            <a:noAutofit/>
+          </a:bodyPr>
+          <a:lstStyle/>
+          <a:p>
+            <a:pPr lvl="0" algn="l">
+              <a:buClr>
+                <a:srgbClr val="FFFFFF"/>
+              </a:buClr>
+              <a:buSzPts val="3400"/>
+            </a:pPr>
+            <a:r>
+              <a:rPr lang="en-US" sz="3000" dirty="0">
+                <a:solidFill>
+                  <a:srgbClr val="FFFFFF"/>
+                </a:solidFill>
+              </a:rPr>
               <a:t>Results</a:t>
             </a:r>
             <a:endParaRPr sz="3000" dirty="0">
@@ -16624,9 +21199,83 @@
             </a:pPr>
             <a:fld id="{00000000-1234-1234-1234-123412341234}" type="slidenum">
               <a:rPr lang="en-US"/>
-              <a:t>6</a:t>
+              <a:t>8</a:t>
             </a:fld>
             <a:endParaRPr/>
+          </a:p>
+        </p:txBody>
+      </p:sp>
+      <p:pic>
+        <p:nvPicPr>
+          <p:cNvPr id="6" name="Picture 5">
+            <a:extLst>
+              <a:ext uri="{FF2B5EF4-FFF2-40B4-BE49-F238E27FC236}">
+                <a16:creationId xmlns:a16="http://schemas.microsoft.com/office/drawing/2014/main" id="{DD890523-3264-4BAC-AFA1-68E990675CD8}"/>
+              </a:ext>
+            </a:extLst>
+          </p:cNvPr>
+          <p:cNvPicPr>
+            <a:picLocks noChangeAspect="1"/>
+          </p:cNvPicPr>
+          <p:nvPr/>
+        </p:nvPicPr>
+        <p:blipFill>
+          <a:blip r:embed="rId4"/>
+          <a:stretch>
+            <a:fillRect/>
+          </a:stretch>
+        </p:blipFill>
+        <p:spPr>
+          <a:xfrm>
+            <a:off x="4487676" y="1323975"/>
+            <a:ext cx="3476625" cy="2495550"/>
+          </a:xfrm>
+          <a:prstGeom prst="rect">
+            <a:avLst/>
+          </a:prstGeom>
+        </p:spPr>
+      </p:pic>
+      <p:sp>
+        <p:nvSpPr>
+          <p:cNvPr id="7" name="TextBox 6">
+            <a:extLst>
+              <a:ext uri="{FF2B5EF4-FFF2-40B4-BE49-F238E27FC236}">
+                <a16:creationId xmlns:a16="http://schemas.microsoft.com/office/drawing/2014/main" id="{9762F5F4-D6C1-4274-97A5-156D1EA0B2CD}"/>
+              </a:ext>
+            </a:extLst>
+          </p:cNvPr>
+          <p:cNvSpPr txBox="1"/>
+          <p:nvPr/>
+        </p:nvSpPr>
+        <p:spPr>
+          <a:xfrm>
+            <a:off x="1667435" y="1465169"/>
+            <a:ext cx="2622177" cy="1477328"/>
+          </a:xfrm>
+          <a:prstGeom prst="rect">
+            <a:avLst/>
+          </a:prstGeom>
+          <a:noFill/>
+        </p:spPr>
+        <p:txBody>
+          <a:bodyPr wrap="square" rtlCol="0">
+            <a:spAutoFit/>
+          </a:bodyPr>
+          <a:lstStyle/>
+          <a:p>
+            <a:r>
+              <a:rPr lang="en-US" sz="1000" dirty="0"/>
+              <a:t>I see these results as positive and promising, while this logistic regression didn’t result in full proof data, there is at least a decent ¾ accuracy in predication.</a:t>
+            </a:r>
+          </a:p>
+          <a:p>
+            <a:endParaRPr lang="en-US" sz="1000" dirty="0"/>
+          </a:p>
+          <a:p>
+            <a:r>
+              <a:rPr lang="en-US" sz="1000" dirty="0"/>
+              <a:t>I suspect that with added tuning and research this topic could yield high accuracy predictions for daily stock market analysis</a:t>
+            </a:r>
           </a:p>
         </p:txBody>
       </p:sp>
@@ -16643,7 +21292,7 @@
 </p:sld>
 </file>
 
-<file path=ppt/slides/slide7.xml><?xml version="1.0" encoding="utf-8"?>
+<file path=ppt/slides/slide9.xml><?xml version="1.0" encoding="utf-8"?>
 <p:sld xmlns:a="http://schemas.openxmlformats.org/drawingml/2006/main" xmlns:r="http://schemas.openxmlformats.org/officeDocument/2006/relationships" xmlns:p="http://schemas.openxmlformats.org/presentationml/2006/main">
   <p:cSld>
     <p:spTree>
@@ -16727,7 +21376,7 @@
             </a:pPr>
             <a:fld id="{00000000-1234-1234-1234-123412341234}" type="slidenum">
               <a:rPr lang="en-US"/>
-              <a:t>7</a:t>
+              <a:t>9</a:t>
             </a:fld>
             <a:endParaRPr/>
           </a:p>
